--- a/lecture/10.pptx
+++ b/lecture/10.pptx
@@ -5,11 +5,11 @@
     <p:sldMasterId id="2147483649" r:id="rId1"/>
   </p:sldMasterIdLst>
   <p:notesMasterIdLst>
-    <p:notesMasterId r:id="rId21"/>
+    <p:notesMasterId r:id="rId24"/>
   </p:notesMasterIdLst>
   <p:sldIdLst>
     <p:sldId id="311" r:id="rId2"/>
-    <p:sldId id="330" r:id="rId3"/>
+    <p:sldId id="352" r:id="rId3"/>
     <p:sldId id="340" r:id="rId4"/>
     <p:sldId id="341" r:id="rId5"/>
     <p:sldId id="339" r:id="rId6"/>
@@ -27,6 +27,9 @@
     <p:sldId id="349" r:id="rId18"/>
     <p:sldId id="337" r:id="rId19"/>
     <p:sldId id="338" r:id="rId20"/>
+    <p:sldId id="353" r:id="rId21"/>
+    <p:sldId id="354" r:id="rId22"/>
+    <p:sldId id="355" r:id="rId23"/>
   </p:sldIdLst>
   <p:sldSz cx="9144000" cy="6858000" type="screen4x3"/>
   <p:notesSz cx="6858000" cy="9144000"/>
@@ -5513,7 +5516,6 @@
               <a:rPr kumimoji="0" lang="ru-RU" altLang="ru-RU" b="1" kern="0" dirty="0" smtClean="0"/>
               <a:t>Маршрутизатор</a:t>
             </a:r>
-            <a:endParaRPr kumimoji="0" lang="ru-RU" altLang="ru-RU" b="1" kern="0" dirty="0" smtClean="0"/>
           </a:p>
         </p:txBody>
       </p:sp>
@@ -5835,7 +5837,15 @@
             <a:pPr marL="285750" indent="-285750"/>
             <a:r>
               <a:rPr lang="ru-RU" sz="1800" dirty="0" smtClean="0"/>
-              <a:t>Сколько портов, столько адресов</a:t>
+              <a:t>Сколько </a:t>
+            </a:r>
+            <a:r>
+              <a:rPr lang="ru-RU" sz="1800" dirty="0" smtClean="0"/>
+              <a:t>портов – </a:t>
+            </a:r>
+            <a:r>
+              <a:rPr lang="ru-RU" sz="1800" dirty="0" smtClean="0"/>
+              <a:t>столько адресов</a:t>
             </a:r>
           </a:p>
           <a:p>
@@ -6102,7 +6112,6 @@
               <a:rPr kumimoji="0" lang="ru-RU" altLang="ru-RU" b="1" kern="0" dirty="0" smtClean="0"/>
               <a:t>Маршрутизатор</a:t>
             </a:r>
-            <a:endParaRPr kumimoji="0" lang="ru-RU" altLang="ru-RU" b="1" kern="0" dirty="0" smtClean="0"/>
           </a:p>
         </p:txBody>
       </p:sp>
@@ -6782,11 +6791,7 @@
             </a:pPr>
             <a:r>
               <a:rPr kumimoji="0" lang="ru-RU" altLang="ru-RU" b="1" kern="0" dirty="0" smtClean="0"/>
-              <a:t>Маршрутиз</a:t>
-            </a:r>
-            <a:r>
-              <a:rPr kumimoji="0" lang="ru-RU" altLang="ru-RU" b="1" kern="0" dirty="0" smtClean="0"/>
-              <a:t>ация 1</a:t>
+              <a:t>Маршрутизация 1</a:t>
             </a:r>
             <a:r>
               <a:rPr kumimoji="0" lang="en-US" altLang="ru-RU" b="1" kern="0" dirty="0" smtClean="0"/>
@@ -8243,7 +8248,6 @@
               <a:rPr kumimoji="0" lang="ru-RU" altLang="ru-RU" b="1" kern="0" dirty="0" smtClean="0"/>
               <a:t>Доставка в «дальнюю» сеть</a:t>
             </a:r>
-            <a:endParaRPr kumimoji="0" lang="ru-RU" altLang="ru-RU" b="1" kern="0" dirty="0" smtClean="0"/>
           </a:p>
         </p:txBody>
       </p:sp>
@@ -9965,7 +9969,7 @@
           <a:noFill/>
           <a:ln w="28575" cap="flat" cmpd="sng" algn="ctr">
             <a:solidFill>
-              <a:srgbClr val="7030A0"/>
+              <a:srgbClr val="FF0000"/>
             </a:solidFill>
             <a:prstDash val="solid"/>
             <a:round/>
@@ -10488,11 +10492,7 @@
             </a:pPr>
             <a:r>
               <a:rPr kumimoji="0" lang="ru-RU" altLang="ru-RU" b="1" kern="0" dirty="0" smtClean="0"/>
-              <a:t>Маршрутиз</a:t>
-            </a:r>
-            <a:r>
-              <a:rPr kumimoji="0" lang="ru-RU" altLang="ru-RU" b="1" kern="0" dirty="0" smtClean="0"/>
-              <a:t>ация </a:t>
+              <a:t>Маршрутизация </a:t>
             </a:r>
             <a:r>
               <a:rPr kumimoji="0" lang="en-US" altLang="ru-RU" b="1" kern="0" dirty="0" smtClean="0"/>
@@ -12615,11 +12615,7 @@
             </a:pPr>
             <a:r>
               <a:rPr kumimoji="0" lang="ru-RU" altLang="ru-RU" b="1" kern="0" dirty="0" smtClean="0"/>
-              <a:t>Таблица маршрутиз</a:t>
-            </a:r>
-            <a:r>
-              <a:rPr kumimoji="0" lang="ru-RU" altLang="ru-RU" b="1" kern="0" dirty="0" smtClean="0"/>
-              <a:t>ации</a:t>
+              <a:t>Таблица маршрутизации</a:t>
             </a:r>
           </a:p>
           <a:p>
@@ -13983,11 +13979,7 @@
             </a:pPr>
             <a:r>
               <a:rPr kumimoji="0" lang="ru-RU" altLang="ru-RU" b="1" kern="0" dirty="0" smtClean="0"/>
-              <a:t>Таблица маршрутиз</a:t>
-            </a:r>
-            <a:r>
-              <a:rPr kumimoji="0" lang="ru-RU" altLang="ru-RU" b="1" kern="0" dirty="0" smtClean="0"/>
-              <a:t>ации</a:t>
+              <a:t>Таблица маршрутизации</a:t>
             </a:r>
           </a:p>
           <a:p>
@@ -14001,7 +13993,6 @@
               <a:rPr kumimoji="0" lang="ru-RU" altLang="ru-RU" b="1" kern="0" dirty="0" smtClean="0"/>
               <a:t>конечного узла</a:t>
             </a:r>
-            <a:endParaRPr kumimoji="0" lang="ru-RU" altLang="ru-RU" b="1" kern="0" dirty="0" smtClean="0"/>
           </a:p>
         </p:txBody>
       </p:sp>
@@ -15534,11 +15525,7 @@
             <a:pPr lvl="1"/>
             <a:r>
               <a:rPr lang="en-US" b="1" dirty="0" smtClean="0"/>
-              <a:t>Default gateway </a:t>
-            </a:r>
-            <a:r>
-              <a:rPr lang="en-US" b="1" dirty="0" smtClean="0"/>
-              <a:t>(</a:t>
+              <a:t>Default gateway (</a:t>
             </a:r>
             <a:r>
               <a:rPr lang="ru-RU" b="1" dirty="0" smtClean="0"/>
@@ -15860,7 +15847,7 @@
             <a:graphicData uri="http://schemas.openxmlformats.org/presentationml/2006/ole">
               <mc:AlternateContent xmlns:mc="http://schemas.openxmlformats.org/markup-compatibility/2006">
                 <mc:Choice xmlns:v="urn:schemas-microsoft-com:vml" Requires="v">
-                  <p:oleObj spid="_x0000_s210045" name="Visio" r:id="rId3" imgW="250850" imgH="493776" progId="Visio.Drawing.6">
+                  <p:oleObj spid="_x0000_s210069" name="Visio" r:id="rId3" imgW="250850" imgH="493776" progId="Visio.Drawing.6">
                     <p:embed/>
                   </p:oleObj>
                 </mc:Choice>
@@ -17487,7 +17474,7 @@
             <a:graphicData uri="http://schemas.openxmlformats.org/presentationml/2006/ole">
               <mc:AlternateContent xmlns:mc="http://schemas.openxmlformats.org/markup-compatibility/2006">
                 <mc:Choice xmlns:v="urn:schemas-microsoft-com:vml" Requires="v">
-                  <p:oleObj spid="_x0000_s210046" name="Visio" r:id="rId6" imgW="250850" imgH="493776" progId="Visio.Drawing.6">
+                  <p:oleObj spid="_x0000_s210070" name="Visio" r:id="rId6" imgW="250850" imgH="493776" progId="Visio.Drawing.6">
                     <p:embed/>
                   </p:oleObj>
                 </mc:Choice>
@@ -19798,7 +19785,7 @@
               <a:graphicData uri="http://schemas.openxmlformats.org/presentationml/2006/ole">
                 <mc:AlternateContent xmlns:mc="http://schemas.openxmlformats.org/markup-compatibility/2006">
                   <mc:Choice xmlns:v="urn:schemas-microsoft-com:vml" Requires="v">
-                    <p:oleObj spid="_x0000_s210047" name="Visio" r:id="rId7" imgW="250850" imgH="493776" progId="Visio.Drawing.6">
+                    <p:oleObj spid="_x0000_s210071" name="Visio" r:id="rId7" imgW="250850" imgH="493776" progId="Visio.Drawing.6">
                       <p:embed/>
                     </p:oleObj>
                   </mc:Choice>
@@ -21367,7 +21354,23 @@
                   <a:srgbClr val="100E0C"/>
                 </a:solidFill>
               </a:rPr>
-              <a:t>Запрос</a:t>
+              <a:t>Первичный </a:t>
+            </a:r>
+            <a:r>
+              <a:rPr lang="ru-RU" sz="1400" dirty="0">
+                <a:solidFill>
+                  <a:srgbClr val="100E0C"/>
+                </a:solidFill>
+              </a:rPr>
+              <a:t>з</a:t>
+            </a:r>
+            <a:r>
+              <a:rPr lang="ru-RU" sz="1400" dirty="0" smtClean="0">
+                <a:solidFill>
+                  <a:srgbClr val="100E0C"/>
+                </a:solidFill>
+              </a:rPr>
+              <a:t>апрос</a:t>
             </a:r>
             <a:r>
               <a:rPr lang="en-US" sz="1400" dirty="0" smtClean="0">
@@ -21418,7 +21421,23 @@
                   <a:srgbClr val="100E0C"/>
                 </a:solidFill>
               </a:rPr>
-              <a:t>Повторный запрос</a:t>
+              <a:t>Точный</a:t>
+            </a:r>
+            <a:r>
+              <a:rPr lang="ru-RU" sz="1400" dirty="0" smtClean="0">
+                <a:solidFill>
+                  <a:srgbClr val="100E0C"/>
+                </a:solidFill>
+              </a:rPr>
+              <a:t> </a:t>
+            </a:r>
+            <a:r>
+              <a:rPr lang="ru-RU" sz="1400" dirty="0" smtClean="0">
+                <a:solidFill>
+                  <a:srgbClr val="100E0C"/>
+                </a:solidFill>
+              </a:rPr>
+              <a:t>запрос</a:t>
             </a:r>
             <a:r>
               <a:rPr lang="en-US" sz="1400" dirty="0" smtClean="0">
@@ -21845,7 +21864,7 @@
           <p:nvPr>
             <p:extLst>
               <p:ext uri="{D42A27DB-BD31-4B8C-83A1-F6EECF244321}">
-                <p14:modId xmlns:p14="http://schemas.microsoft.com/office/powerpoint/2010/main" val="2069886420"/>
+                <p14:modId xmlns:p14="http://schemas.microsoft.com/office/powerpoint/2010/main" val="225751726"/>
               </p:ext>
             </p:extLst>
           </p:nvPr>
@@ -21858,7 +21877,7 @@
           <a:graphicData uri="http://schemas.openxmlformats.org/presentationml/2006/ole">
             <mc:AlternateContent xmlns:mc="http://schemas.openxmlformats.org/markup-compatibility/2006">
               <mc:Choice xmlns:v="urn:schemas-microsoft-com:vml" Requires="v">
-                <p:oleObj spid="_x0000_s210983" name="CorelDRAW" r:id="rId3" imgW="3329026" imgH="1716634" progId="CorelDRAW.Graphic.11">
+                <p:oleObj spid="_x0000_s211977" name="CorelDRAW" r:id="rId3" imgW="3329026" imgH="1716634" progId="CorelDRAW.Graphic.11">
                   <p:embed/>
                 </p:oleObj>
               </mc:Choice>
@@ -21867,7 +21886,7 @@
                   <p:embed/>
                   <p:pic>
                     <p:nvPicPr>
-                      <p:cNvPr id="0" name="Object 2"/>
+                      <p:cNvPr id="0" name=""/>
                       <p:cNvPicPr>
                         <a:picLocks noChangeAspect="1" noChangeArrowheads="1"/>
                       </p:cNvPicPr>
@@ -22297,7 +22316,8915 @@
     </p:spTree>
     <p:extLst>
       <p:ext uri="{BB962C8B-B14F-4D97-AF65-F5344CB8AC3E}">
-        <p14:creationId xmlns:p14="http://schemas.microsoft.com/office/powerpoint/2010/main" val="422402579"/>
+        <p14:creationId xmlns:p14="http://schemas.microsoft.com/office/powerpoint/2010/main" val="2477147451"/>
+      </p:ext>
+    </p:extLst>
+  </p:cSld>
+  <p:clrMapOvr>
+    <a:masterClrMapping/>
+  </p:clrMapOvr>
+  <p:timing>
+    <p:tnLst>
+      <p:par>
+        <p:cTn id="1" dur="indefinite" restart="never" nodeType="tmRoot"/>
+      </p:par>
+    </p:tnLst>
+  </p:timing>
+</p:sld>
+</file>
+
+<file path=ppt/slides/slide20.xml><?xml version="1.0" encoding="utf-8"?>
+<p:sld xmlns:a="http://schemas.openxmlformats.org/drawingml/2006/main" xmlns:r="http://schemas.openxmlformats.org/officeDocument/2006/relationships" xmlns:p="http://schemas.openxmlformats.org/presentationml/2006/main">
+  <p:cSld>
+    <p:spTree>
+      <p:nvGrpSpPr>
+        <p:cNvPr id="1" name=""/>
+        <p:cNvGrpSpPr/>
+        <p:nvPr/>
+      </p:nvGrpSpPr>
+      <p:grpSpPr>
+        <a:xfrm>
+          <a:off x="0" y="0"/>
+          <a:ext cx="0" cy="0"/>
+          <a:chOff x="0" y="0"/>
+          <a:chExt cx="0" cy="0"/>
+        </a:xfrm>
+      </p:grpSpPr>
+      <p:sp>
+        <p:nvSpPr>
+          <p:cNvPr id="123" name="Заголовок 1"/>
+          <p:cNvSpPr txBox="1">
+            <a:spLocks/>
+          </p:cNvSpPr>
+          <p:nvPr/>
+        </p:nvSpPr>
+        <p:spPr>
+          <a:xfrm>
+            <a:off x="221990" y="908720"/>
+            <a:ext cx="8892480" cy="1008112"/>
+          </a:xfrm>
+          <a:prstGeom prst="rect">
+            <a:avLst/>
+          </a:prstGeom>
+        </p:spPr>
+        <p:txBody>
+          <a:bodyPr/>
+          <a:lstStyle>
+            <a:lvl1pPr algn="l" rtl="0" fontAlgn="base">
+              <a:spcBef>
+                <a:spcPct val="0"/>
+              </a:spcBef>
+              <a:spcAft>
+                <a:spcPct val="0"/>
+              </a:spcAft>
+              <a:defRPr sz="4400">
+                <a:solidFill>
+                  <a:schemeClr val="tx2"/>
+                </a:solidFill>
+                <a:latin typeface="+mj-lt"/>
+                <a:ea typeface="+mj-ea"/>
+                <a:cs typeface="+mj-cs"/>
+              </a:defRPr>
+            </a:lvl1pPr>
+            <a:lvl2pPr algn="l" rtl="0" fontAlgn="base">
+              <a:spcBef>
+                <a:spcPct val="0"/>
+              </a:spcBef>
+              <a:spcAft>
+                <a:spcPct val="0"/>
+              </a:spcAft>
+              <a:defRPr sz="4400">
+                <a:solidFill>
+                  <a:schemeClr val="tx2"/>
+                </a:solidFill>
+                <a:latin typeface="Times New Roman" pitchFamily="18" charset="0"/>
+              </a:defRPr>
+            </a:lvl2pPr>
+            <a:lvl3pPr algn="l" rtl="0" fontAlgn="base">
+              <a:spcBef>
+                <a:spcPct val="0"/>
+              </a:spcBef>
+              <a:spcAft>
+                <a:spcPct val="0"/>
+              </a:spcAft>
+              <a:defRPr sz="4400">
+                <a:solidFill>
+                  <a:schemeClr val="tx2"/>
+                </a:solidFill>
+                <a:latin typeface="Times New Roman" pitchFamily="18" charset="0"/>
+              </a:defRPr>
+            </a:lvl3pPr>
+            <a:lvl4pPr algn="l" rtl="0" fontAlgn="base">
+              <a:spcBef>
+                <a:spcPct val="0"/>
+              </a:spcBef>
+              <a:spcAft>
+                <a:spcPct val="0"/>
+              </a:spcAft>
+              <a:defRPr sz="4400">
+                <a:solidFill>
+                  <a:schemeClr val="tx2"/>
+                </a:solidFill>
+                <a:latin typeface="Times New Roman" pitchFamily="18" charset="0"/>
+              </a:defRPr>
+            </a:lvl4pPr>
+            <a:lvl5pPr algn="l" rtl="0" fontAlgn="base">
+              <a:spcBef>
+                <a:spcPct val="0"/>
+              </a:spcBef>
+              <a:spcAft>
+                <a:spcPct val="0"/>
+              </a:spcAft>
+              <a:defRPr sz="4400">
+                <a:solidFill>
+                  <a:schemeClr val="tx2"/>
+                </a:solidFill>
+                <a:latin typeface="Times New Roman" pitchFamily="18" charset="0"/>
+              </a:defRPr>
+            </a:lvl5pPr>
+            <a:lvl6pPr marL="457200" algn="l" rtl="0" fontAlgn="base">
+              <a:spcBef>
+                <a:spcPct val="0"/>
+              </a:spcBef>
+              <a:spcAft>
+                <a:spcPct val="0"/>
+              </a:spcAft>
+              <a:defRPr sz="4400">
+                <a:solidFill>
+                  <a:schemeClr val="tx2"/>
+                </a:solidFill>
+                <a:latin typeface="Times New Roman" pitchFamily="18" charset="0"/>
+              </a:defRPr>
+            </a:lvl6pPr>
+            <a:lvl7pPr marL="914400" algn="l" rtl="0" fontAlgn="base">
+              <a:spcBef>
+                <a:spcPct val="0"/>
+              </a:spcBef>
+              <a:spcAft>
+                <a:spcPct val="0"/>
+              </a:spcAft>
+              <a:defRPr sz="4400">
+                <a:solidFill>
+                  <a:schemeClr val="tx2"/>
+                </a:solidFill>
+                <a:latin typeface="Times New Roman" pitchFamily="18" charset="0"/>
+              </a:defRPr>
+            </a:lvl7pPr>
+            <a:lvl8pPr marL="1371600" algn="l" rtl="0" fontAlgn="base">
+              <a:spcBef>
+                <a:spcPct val="0"/>
+              </a:spcBef>
+              <a:spcAft>
+                <a:spcPct val="0"/>
+              </a:spcAft>
+              <a:defRPr sz="4400">
+                <a:solidFill>
+                  <a:schemeClr val="tx2"/>
+                </a:solidFill>
+                <a:latin typeface="Times New Roman" pitchFamily="18" charset="0"/>
+              </a:defRPr>
+            </a:lvl8pPr>
+            <a:lvl9pPr marL="1828800" algn="l" rtl="0" fontAlgn="base">
+              <a:spcBef>
+                <a:spcPct val="0"/>
+              </a:spcBef>
+              <a:spcAft>
+                <a:spcPct val="0"/>
+              </a:spcAft>
+              <a:defRPr sz="4400">
+                <a:solidFill>
+                  <a:schemeClr val="tx2"/>
+                </a:solidFill>
+                <a:latin typeface="Times New Roman" pitchFamily="18" charset="0"/>
+              </a:defRPr>
+            </a:lvl9pPr>
+          </a:lstStyle>
+          <a:p>
+            <a:pPr algn="ctr">
+              <a:buClrTx/>
+              <a:buSzTx/>
+              <a:buFontTx/>
+              <a:buNone/>
+            </a:pPr>
+            <a:r>
+              <a:rPr kumimoji="0" lang="ru-RU" altLang="ru-RU" b="1" kern="0" dirty="0" smtClean="0"/>
+              <a:t>Фрагментация </a:t>
+            </a:r>
+            <a:r>
+              <a:rPr kumimoji="0" lang="ru-RU" altLang="ru-RU" b="1" kern="0" dirty="0" smtClean="0"/>
+              <a:t>сетевых </a:t>
+            </a:r>
+            <a:r>
+              <a:rPr kumimoji="0" lang="ru-RU" altLang="ru-RU" b="1" kern="0" dirty="0" smtClean="0"/>
+              <a:t>пакетов</a:t>
+            </a:r>
+            <a:endParaRPr kumimoji="0" lang="ru-RU" altLang="ru-RU" b="1" kern="0" dirty="0" smtClean="0"/>
+          </a:p>
+        </p:txBody>
+      </p:sp>
+      <p:sp>
+        <p:nvSpPr>
+          <p:cNvPr id="3" name="TextBox 2"/>
+          <p:cNvSpPr txBox="1"/>
+          <p:nvPr/>
+        </p:nvSpPr>
+        <p:spPr>
+          <a:xfrm>
+            <a:off x="827491" y="2076817"/>
+            <a:ext cx="3408598" cy="400110"/>
+          </a:xfrm>
+          <a:prstGeom prst="rect">
+            <a:avLst/>
+          </a:prstGeom>
+          <a:solidFill>
+            <a:srgbClr val="00B0F0"/>
+          </a:solidFill>
+        </p:spPr>
+        <p:style>
+          <a:lnRef idx="0">
+            <a:schemeClr val="accent2"/>
+          </a:lnRef>
+          <a:fillRef idx="3">
+            <a:schemeClr val="accent2"/>
+          </a:fillRef>
+          <a:effectRef idx="3">
+            <a:schemeClr val="accent2"/>
+          </a:effectRef>
+          <a:fontRef idx="minor">
+            <a:schemeClr val="lt1"/>
+          </a:fontRef>
+        </p:style>
+        <p:txBody>
+          <a:bodyPr wrap="square" rtlCol="0">
+            <a:spAutoFit/>
+          </a:bodyPr>
+          <a:lstStyle/>
+          <a:p>
+            <a:pPr algn="ctr">
+              <a:buNone/>
+            </a:pPr>
+            <a:r>
+              <a:rPr lang="ru-RU" dirty="0" smtClean="0">
+                <a:solidFill>
+                  <a:srgbClr val="FF0000"/>
+                </a:solidFill>
+              </a:rPr>
+              <a:t>Фрагментация при отправке</a:t>
+            </a:r>
+            <a:endParaRPr lang="ru-RU" dirty="0">
+              <a:solidFill>
+                <a:srgbClr val="FF0000"/>
+              </a:solidFill>
+            </a:endParaRPr>
+          </a:p>
+        </p:txBody>
+      </p:sp>
+      <p:sp>
+        <p:nvSpPr>
+          <p:cNvPr id="11" name="TextBox 10"/>
+          <p:cNvSpPr txBox="1"/>
+          <p:nvPr/>
+        </p:nvSpPr>
+        <p:spPr>
+          <a:xfrm>
+            <a:off x="5148064" y="2996952"/>
+            <a:ext cx="3408598" cy="400110"/>
+          </a:xfrm>
+          <a:prstGeom prst="rect">
+            <a:avLst/>
+          </a:prstGeom>
+          <a:solidFill>
+            <a:srgbClr val="92D050"/>
+          </a:solidFill>
+        </p:spPr>
+        <p:style>
+          <a:lnRef idx="0">
+            <a:schemeClr val="accent2"/>
+          </a:lnRef>
+          <a:fillRef idx="3">
+            <a:schemeClr val="accent2"/>
+          </a:fillRef>
+          <a:effectRef idx="3">
+            <a:schemeClr val="accent2"/>
+          </a:effectRef>
+          <a:fontRef idx="minor">
+            <a:schemeClr val="lt1"/>
+          </a:fontRef>
+        </p:style>
+        <p:txBody>
+          <a:bodyPr wrap="square" rtlCol="0">
+            <a:spAutoFit/>
+          </a:bodyPr>
+          <a:lstStyle/>
+          <a:p>
+            <a:pPr algn="ctr">
+              <a:buNone/>
+            </a:pPr>
+            <a:r>
+              <a:rPr lang="ru-RU" dirty="0" smtClean="0">
+                <a:solidFill>
+                  <a:srgbClr val="FF0000"/>
+                </a:solidFill>
+              </a:rPr>
+              <a:t>Динамическая фрагментация</a:t>
+            </a:r>
+            <a:endParaRPr lang="ru-RU" dirty="0">
+              <a:solidFill>
+                <a:srgbClr val="FF0000"/>
+              </a:solidFill>
+            </a:endParaRPr>
+          </a:p>
+        </p:txBody>
+      </p:sp>
+      <p:cxnSp>
+        <p:nvCxnSpPr>
+          <p:cNvPr id="5" name="Прямая со стрелкой 4"/>
+          <p:cNvCxnSpPr/>
+          <p:nvPr/>
+        </p:nvCxnSpPr>
+        <p:spPr bwMode="auto">
+          <a:xfrm flipH="1">
+            <a:off x="3347864" y="1628800"/>
+            <a:ext cx="936104" cy="360040"/>
+          </a:xfrm>
+          <a:prstGeom prst="straightConnector1">
+            <a:avLst/>
+          </a:prstGeom>
+          <a:noFill/>
+          <a:ln w="9525" cap="flat" cmpd="sng" algn="ctr">
+            <a:solidFill>
+              <a:schemeClr val="tx1"/>
+            </a:solidFill>
+            <a:prstDash val="solid"/>
+            <a:round/>
+            <a:headEnd type="none" w="med" len="med"/>
+            <a:tailEnd type="arrow"/>
+          </a:ln>
+          <a:effectLst/>
+          <a:extLst>
+            <a:ext uri="{909E8E84-426E-40DD-AFC4-6F175D3DCCD1}">
+              <a14:hiddenFill xmlns:a14="http://schemas.microsoft.com/office/drawing/2010/main">
+                <a:solidFill>
+                  <a:schemeClr val="accent1"/>
+                </a:solidFill>
+              </a14:hiddenFill>
+            </a:ext>
+            <a:ext uri="{AF507438-7753-43E0-B8FC-AC1667EBCBE1}">
+              <a14:hiddenEffects xmlns:a14="http://schemas.microsoft.com/office/drawing/2010/main">
+                <a:effectLst>
+                  <a:outerShdw dist="35921" dir="2700000" algn="ctr" rotWithShape="0">
+                    <a:schemeClr val="bg2"/>
+                  </a:outerShdw>
+                </a:effectLst>
+              </a14:hiddenEffects>
+            </a:ext>
+          </a:extLst>
+        </p:spPr>
+      </p:cxnSp>
+      <p:cxnSp>
+        <p:nvCxnSpPr>
+          <p:cNvPr id="7" name="Прямая со стрелкой 6"/>
+          <p:cNvCxnSpPr/>
+          <p:nvPr/>
+        </p:nvCxnSpPr>
+        <p:spPr bwMode="auto">
+          <a:xfrm>
+            <a:off x="5220072" y="1628800"/>
+            <a:ext cx="1728192" cy="1296144"/>
+          </a:xfrm>
+          <a:prstGeom prst="straightConnector1">
+            <a:avLst/>
+          </a:prstGeom>
+          <a:noFill/>
+          <a:ln w="9525" cap="flat" cmpd="sng" algn="ctr">
+            <a:solidFill>
+              <a:schemeClr val="tx1"/>
+            </a:solidFill>
+            <a:prstDash val="solid"/>
+            <a:round/>
+            <a:headEnd type="none" w="med" len="med"/>
+            <a:tailEnd type="arrow"/>
+          </a:ln>
+          <a:effectLst/>
+          <a:extLst>
+            <a:ext uri="{909E8E84-426E-40DD-AFC4-6F175D3DCCD1}">
+              <a14:hiddenFill xmlns:a14="http://schemas.microsoft.com/office/drawing/2010/main">
+                <a:solidFill>
+                  <a:schemeClr val="accent1"/>
+                </a:solidFill>
+              </a14:hiddenFill>
+            </a:ext>
+            <a:ext uri="{AF507438-7753-43E0-B8FC-AC1667EBCBE1}">
+              <a14:hiddenEffects xmlns:a14="http://schemas.microsoft.com/office/drawing/2010/main">
+                <a:effectLst>
+                  <a:outerShdw dist="35921" dir="2700000" algn="ctr" rotWithShape="0">
+                    <a:schemeClr val="bg2"/>
+                  </a:outerShdw>
+                </a:effectLst>
+              </a14:hiddenEffects>
+            </a:ext>
+          </a:extLst>
+        </p:spPr>
+      </p:cxnSp>
+      <p:sp>
+        <p:nvSpPr>
+          <p:cNvPr id="8" name="TextBox 7"/>
+          <p:cNvSpPr txBox="1"/>
+          <p:nvPr/>
+        </p:nvSpPr>
+        <p:spPr>
+          <a:xfrm>
+            <a:off x="1019622" y="2569036"/>
+            <a:ext cx="3024336" cy="400110"/>
+          </a:xfrm>
+          <a:prstGeom prst="rect">
+            <a:avLst/>
+          </a:prstGeom>
+          <a:noFill/>
+        </p:spPr>
+        <p:txBody>
+          <a:bodyPr wrap="square" rtlCol="0">
+            <a:spAutoFit/>
+          </a:bodyPr>
+          <a:lstStyle/>
+          <a:p>
+            <a:r>
+              <a:rPr lang="ru-RU" dirty="0" smtClean="0"/>
+              <a:t>Все сетевые протоколы</a:t>
+            </a:r>
+            <a:endParaRPr lang="ru-RU" dirty="0"/>
+          </a:p>
+        </p:txBody>
+      </p:sp>
+      <p:sp>
+        <p:nvSpPr>
+          <p:cNvPr id="18" name="TextBox 17"/>
+          <p:cNvSpPr txBox="1"/>
+          <p:nvPr/>
+        </p:nvSpPr>
+        <p:spPr>
+          <a:xfrm>
+            <a:off x="5340195" y="3573016"/>
+            <a:ext cx="3024336" cy="400110"/>
+          </a:xfrm>
+          <a:prstGeom prst="rect">
+            <a:avLst/>
+          </a:prstGeom>
+          <a:noFill/>
+        </p:spPr>
+        <p:txBody>
+          <a:bodyPr wrap="square" rtlCol="0">
+            <a:spAutoFit/>
+          </a:bodyPr>
+          <a:lstStyle/>
+          <a:p>
+            <a:r>
+              <a:rPr lang="en-US" dirty="0" smtClean="0"/>
+              <a:t>IPv4</a:t>
+            </a:r>
+            <a:endParaRPr lang="ru-RU" dirty="0"/>
+          </a:p>
+        </p:txBody>
+      </p:sp>
+      <p:sp>
+        <p:nvSpPr>
+          <p:cNvPr id="9" name="TextBox 8"/>
+          <p:cNvSpPr txBox="1"/>
+          <p:nvPr/>
+        </p:nvSpPr>
+        <p:spPr>
+          <a:xfrm>
+            <a:off x="2123728" y="3397062"/>
+            <a:ext cx="2880320" cy="584775"/>
+          </a:xfrm>
+          <a:prstGeom prst="rect">
+            <a:avLst/>
+          </a:prstGeom>
+          <a:noFill/>
+        </p:spPr>
+        <p:txBody>
+          <a:bodyPr wrap="square" rtlCol="0">
+            <a:spAutoFit/>
+          </a:bodyPr>
+          <a:lstStyle/>
+          <a:p>
+            <a:pPr algn="ctr">
+              <a:buNone/>
+            </a:pPr>
+            <a:r>
+              <a:rPr lang="en-US" sz="1600" dirty="0" smtClean="0">
+                <a:solidFill>
+                  <a:srgbClr val="7030A0"/>
+                </a:solidFill>
+              </a:rPr>
+              <a:t>MTU</a:t>
+            </a:r>
+            <a:br>
+              <a:rPr lang="en-US" sz="1600" dirty="0" smtClean="0">
+                <a:solidFill>
+                  <a:srgbClr val="7030A0"/>
+                </a:solidFill>
+              </a:rPr>
+            </a:br>
+            <a:r>
+              <a:rPr lang="en-US" sz="1600" dirty="0" smtClean="0">
+                <a:solidFill>
+                  <a:srgbClr val="7030A0"/>
+                </a:solidFill>
+              </a:rPr>
+              <a:t>Maximum Transmission Unit</a:t>
+            </a:r>
+            <a:endParaRPr lang="ru-RU" sz="1600" dirty="0">
+              <a:solidFill>
+                <a:srgbClr val="7030A0"/>
+              </a:solidFill>
+            </a:endParaRPr>
+          </a:p>
+        </p:txBody>
+      </p:sp>
+      <p:graphicFrame>
+        <p:nvGraphicFramePr>
+          <p:cNvPr id="20" name="Таблица 19"/>
+          <p:cNvGraphicFramePr>
+            <a:graphicFrameLocks noGrp="1"/>
+          </p:cNvGraphicFramePr>
+          <p:nvPr>
+            <p:extLst>
+              <p:ext uri="{D42A27DB-BD31-4B8C-83A1-F6EECF244321}">
+                <p14:modId xmlns:p14="http://schemas.microsoft.com/office/powerpoint/2010/main" val="840459906"/>
+              </p:ext>
+            </p:extLst>
+          </p:nvPr>
+        </p:nvGraphicFramePr>
+        <p:xfrm>
+          <a:off x="767916" y="4021892"/>
+          <a:ext cx="6096000" cy="2595880"/>
+        </p:xfrm>
+        <a:graphic>
+          <a:graphicData uri="http://schemas.openxmlformats.org/drawingml/2006/table">
+            <a:tbl>
+              <a:tblPr firstRow="1" bandRow="1">
+                <a:tableStyleId>{37CE84F3-28C3-443E-9E96-99CF82512B78}</a:tableStyleId>
+              </a:tblPr>
+              <a:tblGrid>
+                <a:gridCol w="3048000"/>
+                <a:gridCol w="3048000"/>
+              </a:tblGrid>
+              <a:tr h="370840">
+                <a:tc>
+                  <a:txBody>
+                    <a:bodyPr/>
+                    <a:lstStyle/>
+                    <a:p>
+                      <a:pPr algn="ctr"/>
+                      <a:r>
+                        <a:rPr lang="ru-RU" dirty="0" smtClean="0">
+                          <a:solidFill>
+                            <a:srgbClr val="100E0C"/>
+                          </a:solidFill>
+                        </a:rPr>
+                        <a:t>Технология</a:t>
+                      </a:r>
+                      <a:endParaRPr lang="ru-RU" dirty="0">
+                        <a:solidFill>
+                          <a:srgbClr val="100E0C"/>
+                        </a:solidFill>
+                      </a:endParaRPr>
+                    </a:p>
+                  </a:txBody>
+                  <a:tcPr/>
+                </a:tc>
+                <a:tc>
+                  <a:txBody>
+                    <a:bodyPr/>
+                    <a:lstStyle/>
+                    <a:p>
+                      <a:pPr algn="ctr"/>
+                      <a:r>
+                        <a:rPr lang="en-US" dirty="0" smtClean="0">
+                          <a:solidFill>
+                            <a:srgbClr val="100E0C"/>
+                          </a:solidFill>
+                        </a:rPr>
+                        <a:t>MTU</a:t>
+                      </a:r>
+                      <a:endParaRPr lang="ru-RU" dirty="0">
+                        <a:solidFill>
+                          <a:srgbClr val="100E0C"/>
+                        </a:solidFill>
+                      </a:endParaRPr>
+                    </a:p>
+                  </a:txBody>
+                  <a:tcPr/>
+                </a:tc>
+              </a:tr>
+              <a:tr h="370840">
+                <a:tc>
+                  <a:txBody>
+                    <a:bodyPr/>
+                    <a:lstStyle/>
+                    <a:p>
+                      <a:pPr algn="ctr"/>
+                      <a:r>
+                        <a:rPr lang="en-US" dirty="0" smtClean="0">
+                          <a:solidFill>
+                            <a:srgbClr val="100E0C"/>
+                          </a:solidFill>
+                        </a:rPr>
+                        <a:t>DIX Ethernet</a:t>
+                      </a:r>
+                      <a:endParaRPr lang="ru-RU" dirty="0">
+                        <a:solidFill>
+                          <a:srgbClr val="100E0C"/>
+                        </a:solidFill>
+                      </a:endParaRPr>
+                    </a:p>
+                  </a:txBody>
+                  <a:tcPr/>
+                </a:tc>
+                <a:tc>
+                  <a:txBody>
+                    <a:bodyPr/>
+                    <a:lstStyle/>
+                    <a:p>
+                      <a:pPr algn="ctr"/>
+                      <a:r>
+                        <a:rPr lang="en-US" dirty="0" smtClean="0">
+                          <a:solidFill>
+                            <a:srgbClr val="100E0C"/>
+                          </a:solidFill>
+                        </a:rPr>
+                        <a:t>1 500</a:t>
+                      </a:r>
+                      <a:endParaRPr lang="ru-RU" dirty="0">
+                        <a:solidFill>
+                          <a:srgbClr val="100E0C"/>
+                        </a:solidFill>
+                      </a:endParaRPr>
+                    </a:p>
+                  </a:txBody>
+                  <a:tcPr/>
+                </a:tc>
+              </a:tr>
+              <a:tr h="370840">
+                <a:tc>
+                  <a:txBody>
+                    <a:bodyPr/>
+                    <a:lstStyle/>
+                    <a:p>
+                      <a:pPr algn="ctr"/>
+                      <a:r>
+                        <a:rPr lang="en-US" dirty="0" smtClean="0">
+                          <a:solidFill>
+                            <a:srgbClr val="100E0C"/>
+                          </a:solidFill>
+                        </a:rPr>
+                        <a:t>Ethernet 802.3</a:t>
+                      </a:r>
+                      <a:endParaRPr lang="ru-RU" dirty="0">
+                        <a:solidFill>
+                          <a:srgbClr val="100E0C"/>
+                        </a:solidFill>
+                      </a:endParaRPr>
+                    </a:p>
+                  </a:txBody>
+                  <a:tcPr/>
+                </a:tc>
+                <a:tc>
+                  <a:txBody>
+                    <a:bodyPr/>
+                    <a:lstStyle/>
+                    <a:p>
+                      <a:pPr algn="ctr"/>
+                      <a:r>
+                        <a:rPr lang="en-US" dirty="0" smtClean="0">
+                          <a:solidFill>
+                            <a:srgbClr val="100E0C"/>
+                          </a:solidFill>
+                        </a:rPr>
+                        <a:t>1 492</a:t>
+                      </a:r>
+                      <a:endParaRPr lang="ru-RU" dirty="0">
+                        <a:solidFill>
+                          <a:srgbClr val="100E0C"/>
+                        </a:solidFill>
+                      </a:endParaRPr>
+                    </a:p>
+                  </a:txBody>
+                  <a:tcPr/>
+                </a:tc>
+              </a:tr>
+              <a:tr h="370840">
+                <a:tc>
+                  <a:txBody>
+                    <a:bodyPr/>
+                    <a:lstStyle/>
+                    <a:p>
+                      <a:pPr algn="ctr"/>
+                      <a:r>
+                        <a:rPr lang="en-US" dirty="0" smtClean="0">
+                          <a:solidFill>
+                            <a:srgbClr val="100E0C"/>
+                          </a:solidFill>
+                        </a:rPr>
+                        <a:t>Token Ring</a:t>
+                      </a:r>
+                      <a:r>
+                        <a:rPr lang="en-US" baseline="0" dirty="0" smtClean="0">
+                          <a:solidFill>
+                            <a:srgbClr val="100E0C"/>
+                          </a:solidFill>
+                        </a:rPr>
+                        <a:t> (IBM, 16 Mbit/s)</a:t>
+                      </a:r>
+                      <a:endParaRPr lang="ru-RU" dirty="0">
+                        <a:solidFill>
+                          <a:srgbClr val="100E0C"/>
+                        </a:solidFill>
+                      </a:endParaRPr>
+                    </a:p>
+                  </a:txBody>
+                  <a:tcPr/>
+                </a:tc>
+                <a:tc>
+                  <a:txBody>
+                    <a:bodyPr/>
+                    <a:lstStyle/>
+                    <a:p>
+                      <a:pPr algn="ctr"/>
+                      <a:r>
+                        <a:rPr lang="en-US" dirty="0" smtClean="0">
+                          <a:solidFill>
+                            <a:srgbClr val="100E0C"/>
+                          </a:solidFill>
+                        </a:rPr>
+                        <a:t>17 914</a:t>
+                      </a:r>
+                      <a:endParaRPr lang="ru-RU" dirty="0">
+                        <a:solidFill>
+                          <a:srgbClr val="100E0C"/>
+                        </a:solidFill>
+                      </a:endParaRPr>
+                    </a:p>
+                  </a:txBody>
+                  <a:tcPr/>
+                </a:tc>
+              </a:tr>
+              <a:tr h="370840">
+                <a:tc>
+                  <a:txBody>
+                    <a:bodyPr/>
+                    <a:lstStyle/>
+                    <a:p>
+                      <a:pPr algn="ctr"/>
+                      <a:r>
+                        <a:rPr lang="en-US" dirty="0" smtClean="0">
+                          <a:solidFill>
+                            <a:srgbClr val="100E0C"/>
+                          </a:solidFill>
+                        </a:rPr>
+                        <a:t>Token</a:t>
+                      </a:r>
+                      <a:r>
+                        <a:rPr lang="en-US" baseline="0" dirty="0" smtClean="0">
+                          <a:solidFill>
+                            <a:srgbClr val="100E0C"/>
+                          </a:solidFill>
+                        </a:rPr>
+                        <a:t> Ring (802.5, 4 Mbit/s)</a:t>
+                      </a:r>
+                      <a:endParaRPr lang="ru-RU" dirty="0">
+                        <a:solidFill>
+                          <a:srgbClr val="100E0C"/>
+                        </a:solidFill>
+                      </a:endParaRPr>
+                    </a:p>
+                  </a:txBody>
+                  <a:tcPr/>
+                </a:tc>
+                <a:tc>
+                  <a:txBody>
+                    <a:bodyPr/>
+                    <a:lstStyle/>
+                    <a:p>
+                      <a:pPr algn="ctr"/>
+                      <a:r>
+                        <a:rPr lang="en-US" dirty="0" smtClean="0">
+                          <a:solidFill>
+                            <a:srgbClr val="100E0C"/>
+                          </a:solidFill>
+                        </a:rPr>
+                        <a:t>4 464</a:t>
+                      </a:r>
+                      <a:endParaRPr lang="ru-RU" dirty="0">
+                        <a:solidFill>
+                          <a:srgbClr val="100E0C"/>
+                        </a:solidFill>
+                      </a:endParaRPr>
+                    </a:p>
+                  </a:txBody>
+                  <a:tcPr/>
+                </a:tc>
+              </a:tr>
+              <a:tr h="370840">
+                <a:tc>
+                  <a:txBody>
+                    <a:bodyPr/>
+                    <a:lstStyle/>
+                    <a:p>
+                      <a:pPr algn="ctr"/>
+                      <a:r>
+                        <a:rPr lang="en-US" dirty="0" smtClean="0">
+                          <a:solidFill>
+                            <a:srgbClr val="100E0C"/>
+                          </a:solidFill>
+                        </a:rPr>
+                        <a:t>FDDI</a:t>
+                      </a:r>
+                      <a:endParaRPr lang="ru-RU" dirty="0">
+                        <a:solidFill>
+                          <a:srgbClr val="100E0C"/>
+                        </a:solidFill>
+                      </a:endParaRPr>
+                    </a:p>
+                  </a:txBody>
+                  <a:tcPr/>
+                </a:tc>
+                <a:tc>
+                  <a:txBody>
+                    <a:bodyPr/>
+                    <a:lstStyle/>
+                    <a:p>
+                      <a:pPr algn="ctr"/>
+                      <a:r>
+                        <a:rPr lang="en-US" dirty="0" smtClean="0">
+                          <a:solidFill>
+                            <a:srgbClr val="100E0C"/>
+                          </a:solidFill>
+                        </a:rPr>
+                        <a:t>4 352</a:t>
+                      </a:r>
+                      <a:endParaRPr lang="ru-RU" dirty="0">
+                        <a:solidFill>
+                          <a:srgbClr val="100E0C"/>
+                        </a:solidFill>
+                      </a:endParaRPr>
+                    </a:p>
+                  </a:txBody>
+                  <a:tcPr/>
+                </a:tc>
+              </a:tr>
+              <a:tr h="370840">
+                <a:tc>
+                  <a:txBody>
+                    <a:bodyPr/>
+                    <a:lstStyle/>
+                    <a:p>
+                      <a:pPr algn="ctr"/>
+                      <a:r>
+                        <a:rPr lang="en-US" dirty="0" smtClean="0">
+                          <a:solidFill>
+                            <a:srgbClr val="100E0C"/>
+                          </a:solidFill>
+                        </a:rPr>
+                        <a:t>X.25</a:t>
+                      </a:r>
+                      <a:endParaRPr lang="ru-RU" dirty="0">
+                        <a:solidFill>
+                          <a:srgbClr val="100E0C"/>
+                        </a:solidFill>
+                      </a:endParaRPr>
+                    </a:p>
+                  </a:txBody>
+                  <a:tcPr/>
+                </a:tc>
+                <a:tc>
+                  <a:txBody>
+                    <a:bodyPr/>
+                    <a:lstStyle/>
+                    <a:p>
+                      <a:pPr algn="ctr"/>
+                      <a:r>
+                        <a:rPr lang="en-US" dirty="0" smtClean="0">
+                          <a:solidFill>
+                            <a:srgbClr val="100E0C"/>
+                          </a:solidFill>
+                        </a:rPr>
+                        <a:t>576</a:t>
+                      </a:r>
+                      <a:endParaRPr lang="ru-RU" dirty="0">
+                        <a:solidFill>
+                          <a:srgbClr val="100E0C"/>
+                        </a:solidFill>
+                      </a:endParaRPr>
+                    </a:p>
+                  </a:txBody>
+                  <a:tcPr/>
+                </a:tc>
+              </a:tr>
+            </a:tbl>
+          </a:graphicData>
+        </a:graphic>
+      </p:graphicFrame>
+    </p:spTree>
+    <p:extLst>
+      <p:ext uri="{BB962C8B-B14F-4D97-AF65-F5344CB8AC3E}">
+        <p14:creationId xmlns:p14="http://schemas.microsoft.com/office/powerpoint/2010/main" val="3333019375"/>
+      </p:ext>
+    </p:extLst>
+  </p:cSld>
+  <p:clrMapOvr>
+    <a:masterClrMapping/>
+  </p:clrMapOvr>
+  <p:timing>
+    <p:tnLst>
+      <p:par>
+        <p:cTn id="1" dur="indefinite" restart="never" nodeType="tmRoot"/>
+      </p:par>
+    </p:tnLst>
+  </p:timing>
+</p:sld>
+</file>
+
+<file path=ppt/slides/slide21.xml><?xml version="1.0" encoding="utf-8"?>
+<p:sld xmlns:a="http://schemas.openxmlformats.org/drawingml/2006/main" xmlns:r="http://schemas.openxmlformats.org/officeDocument/2006/relationships" xmlns:p="http://schemas.openxmlformats.org/presentationml/2006/main">
+  <p:cSld>
+    <p:spTree>
+      <p:nvGrpSpPr>
+        <p:cNvPr id="1" name=""/>
+        <p:cNvGrpSpPr/>
+        <p:nvPr/>
+      </p:nvGrpSpPr>
+      <p:grpSpPr>
+        <a:xfrm>
+          <a:off x="0" y="0"/>
+          <a:ext cx="0" cy="0"/>
+          <a:chOff x="0" y="0"/>
+          <a:chExt cx="0" cy="0"/>
+        </a:xfrm>
+      </p:grpSpPr>
+      <p:sp>
+        <p:nvSpPr>
+          <p:cNvPr id="123" name="Заголовок 1"/>
+          <p:cNvSpPr txBox="1">
+            <a:spLocks/>
+          </p:cNvSpPr>
+          <p:nvPr/>
+        </p:nvSpPr>
+        <p:spPr>
+          <a:xfrm>
+            <a:off x="221990" y="388393"/>
+            <a:ext cx="8892480" cy="1008112"/>
+          </a:xfrm>
+          <a:prstGeom prst="rect">
+            <a:avLst/>
+          </a:prstGeom>
+        </p:spPr>
+        <p:txBody>
+          <a:bodyPr/>
+          <a:lstStyle>
+            <a:lvl1pPr algn="l" rtl="0" fontAlgn="base">
+              <a:spcBef>
+                <a:spcPct val="0"/>
+              </a:spcBef>
+              <a:spcAft>
+                <a:spcPct val="0"/>
+              </a:spcAft>
+              <a:defRPr sz="4400">
+                <a:solidFill>
+                  <a:schemeClr val="tx2"/>
+                </a:solidFill>
+                <a:latin typeface="+mj-lt"/>
+                <a:ea typeface="+mj-ea"/>
+                <a:cs typeface="+mj-cs"/>
+              </a:defRPr>
+            </a:lvl1pPr>
+            <a:lvl2pPr algn="l" rtl="0" fontAlgn="base">
+              <a:spcBef>
+                <a:spcPct val="0"/>
+              </a:spcBef>
+              <a:spcAft>
+                <a:spcPct val="0"/>
+              </a:spcAft>
+              <a:defRPr sz="4400">
+                <a:solidFill>
+                  <a:schemeClr val="tx2"/>
+                </a:solidFill>
+                <a:latin typeface="Times New Roman" pitchFamily="18" charset="0"/>
+              </a:defRPr>
+            </a:lvl2pPr>
+            <a:lvl3pPr algn="l" rtl="0" fontAlgn="base">
+              <a:spcBef>
+                <a:spcPct val="0"/>
+              </a:spcBef>
+              <a:spcAft>
+                <a:spcPct val="0"/>
+              </a:spcAft>
+              <a:defRPr sz="4400">
+                <a:solidFill>
+                  <a:schemeClr val="tx2"/>
+                </a:solidFill>
+                <a:latin typeface="Times New Roman" pitchFamily="18" charset="0"/>
+              </a:defRPr>
+            </a:lvl3pPr>
+            <a:lvl4pPr algn="l" rtl="0" fontAlgn="base">
+              <a:spcBef>
+                <a:spcPct val="0"/>
+              </a:spcBef>
+              <a:spcAft>
+                <a:spcPct val="0"/>
+              </a:spcAft>
+              <a:defRPr sz="4400">
+                <a:solidFill>
+                  <a:schemeClr val="tx2"/>
+                </a:solidFill>
+                <a:latin typeface="Times New Roman" pitchFamily="18" charset="0"/>
+              </a:defRPr>
+            </a:lvl4pPr>
+            <a:lvl5pPr algn="l" rtl="0" fontAlgn="base">
+              <a:spcBef>
+                <a:spcPct val="0"/>
+              </a:spcBef>
+              <a:spcAft>
+                <a:spcPct val="0"/>
+              </a:spcAft>
+              <a:defRPr sz="4400">
+                <a:solidFill>
+                  <a:schemeClr val="tx2"/>
+                </a:solidFill>
+                <a:latin typeface="Times New Roman" pitchFamily="18" charset="0"/>
+              </a:defRPr>
+            </a:lvl5pPr>
+            <a:lvl6pPr marL="457200" algn="l" rtl="0" fontAlgn="base">
+              <a:spcBef>
+                <a:spcPct val="0"/>
+              </a:spcBef>
+              <a:spcAft>
+                <a:spcPct val="0"/>
+              </a:spcAft>
+              <a:defRPr sz="4400">
+                <a:solidFill>
+                  <a:schemeClr val="tx2"/>
+                </a:solidFill>
+                <a:latin typeface="Times New Roman" pitchFamily="18" charset="0"/>
+              </a:defRPr>
+            </a:lvl6pPr>
+            <a:lvl7pPr marL="914400" algn="l" rtl="0" fontAlgn="base">
+              <a:spcBef>
+                <a:spcPct val="0"/>
+              </a:spcBef>
+              <a:spcAft>
+                <a:spcPct val="0"/>
+              </a:spcAft>
+              <a:defRPr sz="4400">
+                <a:solidFill>
+                  <a:schemeClr val="tx2"/>
+                </a:solidFill>
+                <a:latin typeface="Times New Roman" pitchFamily="18" charset="0"/>
+              </a:defRPr>
+            </a:lvl7pPr>
+            <a:lvl8pPr marL="1371600" algn="l" rtl="0" fontAlgn="base">
+              <a:spcBef>
+                <a:spcPct val="0"/>
+              </a:spcBef>
+              <a:spcAft>
+                <a:spcPct val="0"/>
+              </a:spcAft>
+              <a:defRPr sz="4400">
+                <a:solidFill>
+                  <a:schemeClr val="tx2"/>
+                </a:solidFill>
+                <a:latin typeface="Times New Roman" pitchFamily="18" charset="0"/>
+              </a:defRPr>
+            </a:lvl8pPr>
+            <a:lvl9pPr marL="1828800" algn="l" rtl="0" fontAlgn="base">
+              <a:spcBef>
+                <a:spcPct val="0"/>
+              </a:spcBef>
+              <a:spcAft>
+                <a:spcPct val="0"/>
+              </a:spcAft>
+              <a:defRPr sz="4400">
+                <a:solidFill>
+                  <a:schemeClr val="tx2"/>
+                </a:solidFill>
+                <a:latin typeface="Times New Roman" pitchFamily="18" charset="0"/>
+              </a:defRPr>
+            </a:lvl9pPr>
+          </a:lstStyle>
+          <a:p>
+            <a:pPr algn="ctr">
+              <a:buClrTx/>
+              <a:buSzTx/>
+              <a:buFontTx/>
+              <a:buNone/>
+            </a:pPr>
+            <a:r>
+              <a:rPr kumimoji="0" lang="ru-RU" altLang="ru-RU" b="1" kern="0" dirty="0" smtClean="0"/>
+              <a:t>Фрагментация </a:t>
+            </a:r>
+            <a:r>
+              <a:rPr kumimoji="0" lang="en-US" altLang="ru-RU" b="1" kern="0" dirty="0" smtClean="0"/>
+              <a:t>IP-</a:t>
+            </a:r>
+            <a:r>
+              <a:rPr kumimoji="0" lang="ru-RU" altLang="ru-RU" b="1" kern="0" dirty="0" smtClean="0"/>
+              <a:t>пакетов</a:t>
+            </a:r>
+            <a:endParaRPr kumimoji="0" lang="ru-RU" altLang="ru-RU" b="1" kern="0" dirty="0" smtClean="0"/>
+          </a:p>
+        </p:txBody>
+      </p:sp>
+      <p:graphicFrame>
+        <p:nvGraphicFramePr>
+          <p:cNvPr id="2" name="Объект 1"/>
+          <p:cNvGraphicFramePr>
+            <a:graphicFrameLocks noChangeAspect="1"/>
+          </p:cNvGraphicFramePr>
+          <p:nvPr>
+            <p:extLst>
+              <p:ext uri="{D42A27DB-BD31-4B8C-83A1-F6EECF244321}">
+                <p14:modId xmlns:p14="http://schemas.microsoft.com/office/powerpoint/2010/main" val="2268510922"/>
+              </p:ext>
+            </p:extLst>
+          </p:nvPr>
+        </p:nvGraphicFramePr>
+        <p:xfrm>
+          <a:off x="3995936" y="1220341"/>
+          <a:ext cx="4692650" cy="2419350"/>
+        </p:xfrm>
+        <a:graphic>
+          <a:graphicData uri="http://schemas.openxmlformats.org/presentationml/2006/ole">
+            <mc:AlternateContent xmlns:mc="http://schemas.openxmlformats.org/markup-compatibility/2006">
+              <mc:Choice xmlns:v="urn:schemas-microsoft-com:vml" Requires="v">
+                <p:oleObj spid="_x0000_s213001" name="CorelDRAW" r:id="rId3" imgW="3329026" imgH="1716634" progId="CorelDRAW.Graphic.11">
+                  <p:embed/>
+                </p:oleObj>
+              </mc:Choice>
+              <mc:Fallback>
+                <p:oleObj name="CorelDRAW" r:id="rId3" imgW="3329026" imgH="1716634" progId="CorelDRAW.Graphic.11">
+                  <p:embed/>
+                  <p:pic>
+                    <p:nvPicPr>
+                      <p:cNvPr id="0" name=""/>
+                      <p:cNvPicPr>
+                        <a:picLocks noChangeAspect="1" noChangeArrowheads="1"/>
+                      </p:cNvPicPr>
+                      <p:nvPr/>
+                    </p:nvPicPr>
+                    <p:blipFill>
+                      <a:blip r:embed="rId4">
+                        <a:extLst>
+                          <a:ext uri="{28A0092B-C50C-407E-A947-70E740481C1C}">
+                            <a14:useLocalDpi xmlns:a14="http://schemas.microsoft.com/office/drawing/2010/main" val="0"/>
+                          </a:ext>
+                        </a:extLst>
+                      </a:blip>
+                      <a:srcRect/>
+                      <a:stretch>
+                        <a:fillRect/>
+                      </a:stretch>
+                    </p:blipFill>
+                    <p:spPr bwMode="auto">
+                      <a:xfrm>
+                        <a:off x="3995936" y="1220341"/>
+                        <a:ext cx="4692650" cy="2419350"/>
+                      </a:xfrm>
+                      <a:prstGeom prst="rect">
+                        <a:avLst/>
+                      </a:prstGeom>
+                      <a:noFill/>
+                      <a:ln>
+                        <a:noFill/>
+                      </a:ln>
+                      <a:effectLst/>
+                      <a:extLst>
+                        <a:ext uri="{909E8E84-426E-40DD-AFC4-6F175D3DCCD1}">
+                          <a14:hiddenFill xmlns:a14="http://schemas.microsoft.com/office/drawing/2010/main">
+                            <a:solidFill>
+                              <a:schemeClr val="accent1"/>
+                            </a:solidFill>
+                          </a14:hiddenFill>
+                        </a:ext>
+                        <a:ext uri="{91240B29-F687-4F45-9708-019B960494DF}">
+                          <a14:hiddenLine xmlns:a14="http://schemas.microsoft.com/office/drawing/2010/main" w="9525">
+                            <a:solidFill>
+                              <a:schemeClr val="tx1"/>
+                            </a:solidFill>
+                            <a:miter lim="800000"/>
+                            <a:headEnd/>
+                            <a:tailEnd/>
+                          </a14:hiddenLine>
+                        </a:ext>
+                        <a:ext uri="{AF507438-7753-43E0-B8FC-AC1667EBCBE1}">
+                          <a14:hiddenEffects xmlns:a14="http://schemas.microsoft.com/office/drawing/2010/main">
+                            <a:effectLst>
+                              <a:outerShdw dist="35921" dir="2700000" algn="ctr" rotWithShape="0">
+                                <a:schemeClr val="bg2"/>
+                              </a:outerShdw>
+                            </a:effectLst>
+                          </a14:hiddenEffects>
+                        </a:ext>
+                      </a:extLst>
+                    </p:spPr>
+                  </p:pic>
+                </p:oleObj>
+              </mc:Fallback>
+            </mc:AlternateContent>
+          </a:graphicData>
+        </a:graphic>
+      </p:graphicFrame>
+      <p:sp>
+        <p:nvSpPr>
+          <p:cNvPr id="12" name="Овал 11"/>
+          <p:cNvSpPr/>
+          <p:nvPr/>
+        </p:nvSpPr>
+        <p:spPr bwMode="auto">
+          <a:xfrm>
+            <a:off x="6174023" y="1775470"/>
+            <a:ext cx="720080" cy="720080"/>
+          </a:xfrm>
+          <a:prstGeom prst="ellipse">
+            <a:avLst/>
+          </a:prstGeom>
+          <a:noFill/>
+          <a:ln w="38100" cap="flat" cmpd="sng" algn="ctr">
+            <a:solidFill>
+              <a:srgbClr val="7030A0"/>
+            </a:solidFill>
+            <a:prstDash val="solid"/>
+            <a:round/>
+            <a:headEnd type="none" w="med" len="med"/>
+            <a:tailEnd type="none" w="med" len="med"/>
+          </a:ln>
+          <a:effectLst/>
+          <a:extLst>
+            <a:ext uri="{909E8E84-426E-40DD-AFC4-6F175D3DCCD1}">
+              <a14:hiddenFill xmlns:a14="http://schemas.microsoft.com/office/drawing/2010/main">
+                <a:solidFill>
+                  <a:schemeClr val="accent1"/>
+                </a:solidFill>
+              </a14:hiddenFill>
+            </a:ext>
+            <a:ext uri="{AF507438-7753-43E0-B8FC-AC1667EBCBE1}">
+              <a14:hiddenEffects xmlns:a14="http://schemas.microsoft.com/office/drawing/2010/main">
+                <a:effectLst>
+                  <a:outerShdw dist="35921" dir="2700000" algn="ctr" rotWithShape="0">
+                    <a:schemeClr val="bg2"/>
+                  </a:outerShdw>
+                </a:effectLst>
+              </a14:hiddenEffects>
+            </a:ext>
+          </a:extLst>
+        </p:spPr>
+        <p:txBody>
+          <a:bodyPr vert="horz" wrap="square" lIns="91440" tIns="45720" rIns="91440" bIns="0" numCol="1" rtlCol="0" anchor="t" anchorCtr="0" compatLnSpc="1">
+            <a:prstTxWarp prst="textNoShape">
+              <a:avLst/>
+            </a:prstTxWarp>
+          </a:bodyPr>
+          <a:lstStyle/>
+          <a:p>
+            <a:pPr marL="457200" marR="0" indent="-457200" algn="l" defTabSz="914400" rtl="0" eaLnBrk="1" fontAlgn="base" latinLnBrk="0" hangingPunct="1">
+              <a:lnSpc>
+                <a:spcPct val="100000"/>
+              </a:lnSpc>
+              <a:spcBef>
+                <a:spcPct val="20000"/>
+              </a:spcBef>
+              <a:spcAft>
+                <a:spcPct val="0"/>
+              </a:spcAft>
+              <a:buClr>
+                <a:srgbClr val="A50021"/>
+              </a:buClr>
+              <a:buSzPct val="75000"/>
+              <a:buFont typeface="Wingdings" pitchFamily="2" charset="2"/>
+              <a:buChar char="n"/>
+              <a:tabLst/>
+            </a:pPr>
+            <a:endParaRPr kumimoji="1" lang="ru-RU" sz="2000" b="0" i="0" u="none" strike="noStrike" cap="none" normalizeH="0" baseline="0" smtClean="0">
+              <a:ln>
+                <a:noFill/>
+              </a:ln>
+              <a:solidFill>
+                <a:schemeClr val="tx1"/>
+              </a:solidFill>
+              <a:effectLst/>
+              <a:latin typeface="Times New Roman" pitchFamily="18" charset="0"/>
+              <a:cs typeface="Times New Roman" pitchFamily="18" charset="0"/>
+            </a:endParaRPr>
+          </a:p>
+        </p:txBody>
+      </p:sp>
+      <p:sp>
+        <p:nvSpPr>
+          <p:cNvPr id="14" name="Овал 13"/>
+          <p:cNvSpPr/>
+          <p:nvPr/>
+        </p:nvSpPr>
+        <p:spPr bwMode="auto">
+          <a:xfrm>
+            <a:off x="4406589" y="1796405"/>
+            <a:ext cx="1623417" cy="576064"/>
+          </a:xfrm>
+          <a:prstGeom prst="ellipse">
+            <a:avLst/>
+          </a:prstGeom>
+          <a:noFill/>
+          <a:ln w="38100" cap="flat" cmpd="sng" algn="ctr">
+            <a:solidFill>
+              <a:srgbClr val="00B050"/>
+            </a:solidFill>
+            <a:prstDash val="solid"/>
+            <a:round/>
+            <a:headEnd type="none" w="med" len="med"/>
+            <a:tailEnd type="none" w="med" len="med"/>
+          </a:ln>
+          <a:effectLst/>
+          <a:extLst>
+            <a:ext uri="{909E8E84-426E-40DD-AFC4-6F175D3DCCD1}">
+              <a14:hiddenFill xmlns:a14="http://schemas.microsoft.com/office/drawing/2010/main">
+                <a:solidFill>
+                  <a:schemeClr val="accent1"/>
+                </a:solidFill>
+              </a14:hiddenFill>
+            </a:ext>
+            <a:ext uri="{AF507438-7753-43E0-B8FC-AC1667EBCBE1}">
+              <a14:hiddenEffects xmlns:a14="http://schemas.microsoft.com/office/drawing/2010/main">
+                <a:effectLst>
+                  <a:outerShdw dist="35921" dir="2700000" algn="ctr" rotWithShape="0">
+                    <a:schemeClr val="bg2"/>
+                  </a:outerShdw>
+                </a:effectLst>
+              </a14:hiddenEffects>
+            </a:ext>
+          </a:extLst>
+        </p:spPr>
+        <p:txBody>
+          <a:bodyPr vert="horz" wrap="square" lIns="91440" tIns="45720" rIns="91440" bIns="0" numCol="1" rtlCol="0" anchor="t" anchorCtr="0" compatLnSpc="1">
+            <a:prstTxWarp prst="textNoShape">
+              <a:avLst/>
+            </a:prstTxWarp>
+          </a:bodyPr>
+          <a:lstStyle/>
+          <a:p>
+            <a:pPr marL="457200" marR="0" indent="-457200" algn="l" defTabSz="914400" rtl="0" eaLnBrk="1" fontAlgn="base" latinLnBrk="0" hangingPunct="1">
+              <a:lnSpc>
+                <a:spcPct val="100000"/>
+              </a:lnSpc>
+              <a:spcBef>
+                <a:spcPct val="20000"/>
+              </a:spcBef>
+              <a:spcAft>
+                <a:spcPct val="0"/>
+              </a:spcAft>
+              <a:buClr>
+                <a:srgbClr val="A50021"/>
+              </a:buClr>
+              <a:buSzPct val="75000"/>
+              <a:buFont typeface="Wingdings" pitchFamily="2" charset="2"/>
+              <a:buChar char="n"/>
+              <a:tabLst/>
+            </a:pPr>
+            <a:endParaRPr kumimoji="1" lang="ru-RU" sz="2000" b="0" i="0" u="none" strike="noStrike" cap="none" normalizeH="0" baseline="0" smtClean="0">
+              <a:ln>
+                <a:noFill/>
+              </a:ln>
+              <a:solidFill>
+                <a:schemeClr val="tx1"/>
+              </a:solidFill>
+              <a:effectLst/>
+              <a:latin typeface="Times New Roman" pitchFamily="18" charset="0"/>
+              <a:cs typeface="Times New Roman" pitchFamily="18" charset="0"/>
+            </a:endParaRPr>
+          </a:p>
+        </p:txBody>
+      </p:sp>
+      <p:sp>
+        <p:nvSpPr>
+          <p:cNvPr id="16" name="Овал 15"/>
+          <p:cNvSpPr/>
+          <p:nvPr/>
+        </p:nvSpPr>
+        <p:spPr bwMode="auto">
+          <a:xfrm>
+            <a:off x="6750087" y="1796405"/>
+            <a:ext cx="1734294" cy="576064"/>
+          </a:xfrm>
+          <a:prstGeom prst="ellipse">
+            <a:avLst/>
+          </a:prstGeom>
+          <a:noFill/>
+          <a:ln w="38100" cap="flat" cmpd="sng" algn="ctr">
+            <a:solidFill>
+              <a:srgbClr val="F40426"/>
+            </a:solidFill>
+            <a:prstDash val="solid"/>
+            <a:round/>
+            <a:headEnd type="none" w="med" len="med"/>
+            <a:tailEnd type="none" w="med" len="med"/>
+          </a:ln>
+          <a:effectLst/>
+          <a:extLst>
+            <a:ext uri="{909E8E84-426E-40DD-AFC4-6F175D3DCCD1}">
+              <a14:hiddenFill xmlns:a14="http://schemas.microsoft.com/office/drawing/2010/main">
+                <a:solidFill>
+                  <a:schemeClr val="accent1"/>
+                </a:solidFill>
+              </a14:hiddenFill>
+            </a:ext>
+            <a:ext uri="{AF507438-7753-43E0-B8FC-AC1667EBCBE1}">
+              <a14:hiddenEffects xmlns:a14="http://schemas.microsoft.com/office/drawing/2010/main">
+                <a:effectLst>
+                  <a:outerShdw dist="35921" dir="2700000" algn="ctr" rotWithShape="0">
+                    <a:schemeClr val="bg2"/>
+                  </a:outerShdw>
+                </a:effectLst>
+              </a14:hiddenEffects>
+            </a:ext>
+          </a:extLst>
+        </p:spPr>
+        <p:txBody>
+          <a:bodyPr vert="horz" wrap="square" lIns="91440" tIns="45720" rIns="91440" bIns="0" numCol="1" rtlCol="0" anchor="t" anchorCtr="0" compatLnSpc="1">
+            <a:prstTxWarp prst="textNoShape">
+              <a:avLst/>
+            </a:prstTxWarp>
+          </a:bodyPr>
+          <a:lstStyle/>
+          <a:p>
+            <a:pPr marL="457200" marR="0" indent="-457200" algn="l" defTabSz="914400" rtl="0" eaLnBrk="1" fontAlgn="base" latinLnBrk="0" hangingPunct="1">
+              <a:lnSpc>
+                <a:spcPct val="100000"/>
+              </a:lnSpc>
+              <a:spcBef>
+                <a:spcPct val="20000"/>
+              </a:spcBef>
+              <a:spcAft>
+                <a:spcPct val="0"/>
+              </a:spcAft>
+              <a:buClr>
+                <a:srgbClr val="A50021"/>
+              </a:buClr>
+              <a:buSzPct val="75000"/>
+              <a:buFont typeface="Wingdings" pitchFamily="2" charset="2"/>
+              <a:buChar char="n"/>
+              <a:tabLst/>
+            </a:pPr>
+            <a:endParaRPr kumimoji="1" lang="ru-RU" sz="2000" b="0" i="0" u="none" strike="noStrike" cap="none" normalizeH="0" baseline="0" smtClean="0">
+              <a:ln>
+                <a:noFill/>
+              </a:ln>
+              <a:solidFill>
+                <a:schemeClr val="tx1"/>
+              </a:solidFill>
+              <a:effectLst/>
+              <a:latin typeface="Times New Roman" pitchFamily="18" charset="0"/>
+              <a:cs typeface="Times New Roman" pitchFamily="18" charset="0"/>
+            </a:endParaRPr>
+          </a:p>
+        </p:txBody>
+      </p:sp>
+      <p:sp>
+        <p:nvSpPr>
+          <p:cNvPr id="3" name="TextBox 2"/>
+          <p:cNvSpPr txBox="1"/>
+          <p:nvPr/>
+        </p:nvSpPr>
+        <p:spPr>
+          <a:xfrm>
+            <a:off x="221990" y="1124744"/>
+            <a:ext cx="3701938" cy="2979277"/>
+          </a:xfrm>
+          <a:prstGeom prst="rect">
+            <a:avLst/>
+          </a:prstGeom>
+          <a:noFill/>
+        </p:spPr>
+        <p:txBody>
+          <a:bodyPr wrap="square" rtlCol="0">
+            <a:spAutoFit/>
+          </a:bodyPr>
+          <a:lstStyle/>
+          <a:p>
+            <a:r>
+              <a:rPr lang="ru-RU" sz="1400" dirty="0" smtClean="0"/>
+              <a:t>Идентификатор пакета (</a:t>
+            </a:r>
+            <a:r>
+              <a:rPr lang="en-US" sz="1400" b="1" dirty="0" smtClean="0"/>
+              <a:t>Identification</a:t>
+            </a:r>
+            <a:r>
+              <a:rPr lang="en-US" sz="1400" dirty="0" smtClean="0"/>
+              <a:t>)</a:t>
+            </a:r>
+          </a:p>
+          <a:p>
+            <a:pPr marL="800100" lvl="1" indent="-342900"/>
+            <a:r>
+              <a:rPr lang="ru-RU" sz="1400" dirty="0" smtClean="0"/>
+              <a:t>Уникально для пары «отправитель / получатель»</a:t>
+            </a:r>
+          </a:p>
+          <a:p>
+            <a:pPr marL="800100" lvl="1" indent="-342900"/>
+            <a:r>
+              <a:rPr lang="ru-RU" sz="1400" dirty="0" smtClean="0"/>
+              <a:t>Часто – случайное число</a:t>
+            </a:r>
+          </a:p>
+          <a:p>
+            <a:pPr marL="342900" indent="-342900"/>
+            <a:r>
+              <a:rPr lang="ru-RU" sz="1400" dirty="0" smtClean="0"/>
+              <a:t>Флаги</a:t>
+            </a:r>
+          </a:p>
+          <a:p>
+            <a:pPr marL="800100" lvl="1" indent="-342900"/>
+            <a:r>
+              <a:rPr lang="en-US" sz="1400" b="1" dirty="0" smtClean="0"/>
+              <a:t>MF</a:t>
+            </a:r>
+            <a:r>
+              <a:rPr lang="en-US" sz="1400" dirty="0" smtClean="0"/>
+              <a:t> – More Fragments, </a:t>
+            </a:r>
+            <a:r>
+              <a:rPr lang="ru-RU" sz="1400" dirty="0" smtClean="0"/>
+              <a:t>ещё фрагменты</a:t>
+            </a:r>
+          </a:p>
+          <a:p>
+            <a:pPr marL="800100" lvl="1" indent="-342900"/>
+            <a:r>
+              <a:rPr lang="en-US" sz="1400" b="1" dirty="0" smtClean="0"/>
+              <a:t>DF</a:t>
+            </a:r>
+            <a:r>
+              <a:rPr lang="ru-RU" sz="1400" dirty="0" smtClean="0"/>
+              <a:t> – </a:t>
+            </a:r>
+            <a:r>
+              <a:rPr lang="en-US" sz="1400" dirty="0" smtClean="0"/>
+              <a:t>Do not Fragment</a:t>
+            </a:r>
+            <a:r>
+              <a:rPr lang="ru-RU" sz="1400" dirty="0" smtClean="0"/>
+              <a:t>, не фрагментировать, отбросить при невозможности доставки</a:t>
+            </a:r>
+          </a:p>
+          <a:p>
+            <a:pPr marL="342900" indent="-342900"/>
+            <a:r>
+              <a:rPr lang="ru-RU" sz="1400" dirty="0" smtClean="0"/>
+              <a:t>Смещение фрагмента </a:t>
+            </a:r>
+            <a:r>
+              <a:rPr lang="en-US" sz="1400" dirty="0" smtClean="0"/>
+              <a:t>(</a:t>
+            </a:r>
+            <a:r>
+              <a:rPr lang="en-US" sz="1400" b="1" dirty="0" smtClean="0"/>
+              <a:t>Fragment</a:t>
+            </a:r>
+            <a:r>
+              <a:rPr lang="en-US" sz="1400" dirty="0" smtClean="0"/>
+              <a:t> </a:t>
+            </a:r>
+            <a:r>
+              <a:rPr lang="en-US" sz="1400" b="1" dirty="0" smtClean="0"/>
+              <a:t>Offset</a:t>
+            </a:r>
+            <a:r>
+              <a:rPr lang="en-US" sz="1400" dirty="0" smtClean="0"/>
+              <a:t>)</a:t>
+            </a:r>
+          </a:p>
+          <a:p>
+            <a:pPr marL="800100" lvl="1" indent="-342900"/>
+            <a:r>
+              <a:rPr lang="ru-RU" sz="1400" dirty="0" smtClean="0"/>
+              <a:t>В 8-байтных блоках</a:t>
+            </a:r>
+            <a:endParaRPr lang="ru-RU" sz="1400" dirty="0"/>
+          </a:p>
+        </p:txBody>
+      </p:sp>
+      <p:sp>
+        <p:nvSpPr>
+          <p:cNvPr id="8" name="TextBox 7"/>
+          <p:cNvSpPr txBox="1"/>
+          <p:nvPr/>
+        </p:nvSpPr>
+        <p:spPr>
+          <a:xfrm>
+            <a:off x="539552" y="4133390"/>
+            <a:ext cx="3701938" cy="2332946"/>
+          </a:xfrm>
+          <a:prstGeom prst="rect">
+            <a:avLst/>
+          </a:prstGeom>
+          <a:noFill/>
+        </p:spPr>
+        <p:txBody>
+          <a:bodyPr wrap="square" rtlCol="0">
+            <a:spAutoFit/>
+          </a:bodyPr>
+          <a:lstStyle/>
+          <a:p>
+            <a:pPr algn="ctr">
+              <a:buNone/>
+            </a:pPr>
+            <a:r>
+              <a:rPr lang="ru-RU" sz="1400" b="1" dirty="0" smtClean="0"/>
+              <a:t>Фрагментация</a:t>
+            </a:r>
+            <a:endParaRPr lang="en-US" sz="1400" b="1" dirty="0" smtClean="0"/>
+          </a:p>
+          <a:p>
+            <a:pPr marL="342900" indent="-342900"/>
+            <a:r>
+              <a:rPr lang="ru-RU" sz="1400" dirty="0" smtClean="0"/>
+              <a:t>Происходит на маршрутизаторах</a:t>
+            </a:r>
+          </a:p>
+          <a:p>
+            <a:pPr marL="342900" indent="-342900"/>
+            <a:r>
+              <a:rPr lang="ru-RU" sz="1400" dirty="0" smtClean="0"/>
+              <a:t>Для соблюдения локального </a:t>
+            </a:r>
+            <a:r>
+              <a:rPr lang="en-US" sz="1400" dirty="0" smtClean="0"/>
+              <a:t>MTU</a:t>
+            </a:r>
+            <a:endParaRPr lang="ru-RU" sz="1400" dirty="0" smtClean="0"/>
+          </a:p>
+          <a:p>
+            <a:pPr marL="342900" indent="-342900"/>
+            <a:r>
+              <a:rPr lang="ru-RU" sz="1400" dirty="0"/>
+              <a:t>Возможна </a:t>
+            </a:r>
+            <a:r>
+              <a:rPr lang="ru-RU" sz="1400" dirty="0" smtClean="0"/>
+              <a:t>многократная</a:t>
+            </a:r>
+            <a:endParaRPr lang="en-US" sz="1400" dirty="0" smtClean="0"/>
+          </a:p>
+          <a:p>
+            <a:pPr marL="342900" indent="-342900"/>
+            <a:r>
+              <a:rPr lang="ru-RU" sz="1400" dirty="0" smtClean="0"/>
+              <a:t>Размер поля данных всех пакетов (кроме последнего) кратен 8</a:t>
+            </a:r>
+          </a:p>
+          <a:p>
+            <a:pPr marL="342900" indent="-342900"/>
+            <a:r>
+              <a:rPr lang="ru-RU" sz="1400" dirty="0" smtClean="0"/>
+              <a:t>Генерация заголовков</a:t>
+            </a:r>
+          </a:p>
+          <a:p>
+            <a:pPr marL="800100" lvl="1" indent="-342900"/>
+            <a:r>
+              <a:rPr lang="ru-RU" sz="1400" dirty="0" smtClean="0"/>
+              <a:t>Часть полей сохраняется</a:t>
+            </a:r>
+          </a:p>
+          <a:p>
+            <a:pPr marL="800100" lvl="1" indent="-342900"/>
+            <a:r>
+              <a:rPr lang="ru-RU" sz="1400" dirty="0" smtClean="0"/>
+              <a:t>Часть вычисляется (</a:t>
+            </a:r>
+            <a:r>
+              <a:rPr lang="en-US" sz="1400" dirty="0" smtClean="0"/>
+              <a:t>MF, Offset)</a:t>
+            </a:r>
+            <a:endParaRPr lang="ru-RU" sz="1400" dirty="0" smtClean="0"/>
+          </a:p>
+        </p:txBody>
+      </p:sp>
+      <p:sp>
+        <p:nvSpPr>
+          <p:cNvPr id="9" name="TextBox 8"/>
+          <p:cNvSpPr txBox="1"/>
+          <p:nvPr/>
+        </p:nvSpPr>
+        <p:spPr>
+          <a:xfrm>
+            <a:off x="4683094" y="4133390"/>
+            <a:ext cx="3701938" cy="2117503"/>
+          </a:xfrm>
+          <a:prstGeom prst="rect">
+            <a:avLst/>
+          </a:prstGeom>
+          <a:noFill/>
+        </p:spPr>
+        <p:txBody>
+          <a:bodyPr wrap="square" rtlCol="0">
+            <a:spAutoFit/>
+          </a:bodyPr>
+          <a:lstStyle/>
+          <a:p>
+            <a:pPr algn="ctr">
+              <a:buNone/>
+            </a:pPr>
+            <a:r>
+              <a:rPr lang="ru-RU" sz="1400" b="1" dirty="0" smtClean="0"/>
+              <a:t>Сборка</a:t>
+            </a:r>
+            <a:endParaRPr lang="en-US" sz="1400" b="1" dirty="0" smtClean="0"/>
+          </a:p>
+          <a:p>
+            <a:pPr marL="342900" indent="-342900"/>
+            <a:r>
+              <a:rPr lang="ru-RU" sz="1400" dirty="0" smtClean="0"/>
+              <a:t>Происходит на узле назначения</a:t>
+            </a:r>
+            <a:endParaRPr lang="en-US" sz="1400" dirty="0" smtClean="0"/>
+          </a:p>
+          <a:p>
+            <a:pPr marL="342900" indent="-342900"/>
+            <a:r>
+              <a:rPr lang="ru-RU" sz="1400" dirty="0" smtClean="0"/>
+              <a:t>Буфер приёма</a:t>
+            </a:r>
+            <a:endParaRPr lang="en-US" sz="1400" dirty="0" smtClean="0"/>
+          </a:p>
+          <a:p>
+            <a:pPr marL="342900" indent="-342900"/>
+            <a:r>
+              <a:rPr lang="ru-RU" sz="1400" dirty="0" smtClean="0"/>
+              <a:t>Таймер приёма</a:t>
+            </a:r>
+          </a:p>
+          <a:p>
+            <a:pPr marL="800100" lvl="1" indent="-342900"/>
+            <a:r>
+              <a:rPr lang="ru-RU" sz="1400" dirty="0" smtClean="0"/>
+              <a:t>Фиксированное время (60-120с)</a:t>
+            </a:r>
+          </a:p>
+          <a:p>
+            <a:pPr marL="800100" lvl="1" indent="-342900"/>
+            <a:r>
+              <a:rPr lang="ru-RU" sz="1400" dirty="0" smtClean="0"/>
+              <a:t>Адаптивный алгоритм</a:t>
+            </a:r>
+          </a:p>
+          <a:p>
+            <a:pPr marL="800100" lvl="1" indent="-342900"/>
+            <a:r>
+              <a:rPr lang="en-US" sz="1400" dirty="0" smtClean="0"/>
+              <a:t>TTL</a:t>
+            </a:r>
+            <a:r>
+              <a:rPr lang="ru-RU" sz="1400" dirty="0" smtClean="0"/>
+              <a:t> пакетов</a:t>
+            </a:r>
+          </a:p>
+          <a:p>
+            <a:pPr marL="342900" indent="-342900"/>
+            <a:r>
+              <a:rPr lang="ru-RU" sz="1400" dirty="0" smtClean="0"/>
+              <a:t>Неполный пакет отбрасывается</a:t>
+            </a:r>
+          </a:p>
+        </p:txBody>
+      </p:sp>
+    </p:spTree>
+    <p:extLst>
+      <p:ext uri="{BB962C8B-B14F-4D97-AF65-F5344CB8AC3E}">
+        <p14:creationId xmlns:p14="http://schemas.microsoft.com/office/powerpoint/2010/main" val="1559783259"/>
+      </p:ext>
+    </p:extLst>
+  </p:cSld>
+  <p:clrMapOvr>
+    <a:masterClrMapping/>
+  </p:clrMapOvr>
+  <p:timing>
+    <p:tnLst>
+      <p:par>
+        <p:cTn id="1" dur="indefinite" restart="never" nodeType="tmRoot"/>
+      </p:par>
+    </p:tnLst>
+  </p:timing>
+</p:sld>
+</file>
+
+<file path=ppt/slides/slide22.xml><?xml version="1.0" encoding="utf-8"?>
+<p:sld xmlns:a="http://schemas.openxmlformats.org/drawingml/2006/main" xmlns:r="http://schemas.openxmlformats.org/officeDocument/2006/relationships" xmlns:p="http://schemas.openxmlformats.org/presentationml/2006/main">
+  <p:cSld>
+    <p:spTree>
+      <p:nvGrpSpPr>
+        <p:cNvPr id="1" name=""/>
+        <p:cNvGrpSpPr/>
+        <p:nvPr/>
+      </p:nvGrpSpPr>
+      <p:grpSpPr>
+        <a:xfrm>
+          <a:off x="0" y="0"/>
+          <a:ext cx="0" cy="0"/>
+          <a:chOff x="0" y="0"/>
+          <a:chExt cx="0" cy="0"/>
+        </a:xfrm>
+      </p:grpSpPr>
+      <p:sp>
+        <p:nvSpPr>
+          <p:cNvPr id="7" name="Rectangle 2"/>
+          <p:cNvSpPr>
+            <a:spLocks noChangeArrowheads="1"/>
+          </p:cNvSpPr>
+          <p:nvPr/>
+        </p:nvSpPr>
+        <p:spPr bwMode="auto">
+          <a:xfrm>
+            <a:off x="6146800" y="2540000"/>
+            <a:ext cx="2133600" cy="495300"/>
+          </a:xfrm>
+          <a:prstGeom prst="rect">
+            <a:avLst/>
+          </a:prstGeom>
+          <a:solidFill>
+            <a:srgbClr val="EAEAEA"/>
+          </a:solidFill>
+          <a:ln w="9525">
+            <a:solidFill>
+              <a:schemeClr val="tx1"/>
+            </a:solidFill>
+            <a:miter lim="800000"/>
+            <a:headEnd/>
+            <a:tailEnd/>
+          </a:ln>
+          <a:effectLst/>
+          <a:extLst>
+            <a:ext uri="{AF507438-7753-43E0-B8FC-AC1667EBCBE1}">
+              <a14:hiddenEffects xmlns:a14="http://schemas.microsoft.com/office/drawing/2010/main">
+                <a:effectLst>
+                  <a:outerShdw dist="35921" dir="2700000" algn="ctr" rotWithShape="0">
+                    <a:schemeClr val="bg2"/>
+                  </a:outerShdw>
+                </a:effectLst>
+              </a14:hiddenEffects>
+            </a:ext>
+          </a:extLst>
+        </p:spPr>
+        <p:txBody>
+          <a:bodyPr wrap="none" anchor="ctr"/>
+          <a:lstStyle/>
+          <a:p>
+            <a:pPr>
+              <a:buNone/>
+            </a:pPr>
+            <a:endParaRPr lang="ru-RU"/>
+          </a:p>
+        </p:txBody>
+      </p:sp>
+      <p:sp>
+        <p:nvSpPr>
+          <p:cNvPr id="8" name="Oval 3"/>
+          <p:cNvSpPr>
+            <a:spLocks noChangeArrowheads="1"/>
+          </p:cNvSpPr>
+          <p:nvPr/>
+        </p:nvSpPr>
+        <p:spPr bwMode="auto">
+          <a:xfrm>
+            <a:off x="165100" y="2362200"/>
+            <a:ext cx="2476500" cy="3314700"/>
+          </a:xfrm>
+          <a:prstGeom prst="ellipse">
+            <a:avLst/>
+          </a:prstGeom>
+          <a:noFill/>
+          <a:ln w="28575">
+            <a:solidFill>
+              <a:schemeClr val="tx1"/>
+            </a:solidFill>
+            <a:round/>
+            <a:headEnd/>
+            <a:tailEnd/>
+          </a:ln>
+          <a:effectLst/>
+          <a:extLst>
+            <a:ext uri="{909E8E84-426E-40DD-AFC4-6F175D3DCCD1}">
+              <a14:hiddenFill xmlns:a14="http://schemas.microsoft.com/office/drawing/2010/main">
+                <a:solidFill>
+                  <a:srgbClr val="EAEAEA"/>
+                </a:solidFill>
+              </a14:hiddenFill>
+            </a:ext>
+            <a:ext uri="{AF507438-7753-43E0-B8FC-AC1667EBCBE1}">
+              <a14:hiddenEffects xmlns:a14="http://schemas.microsoft.com/office/drawing/2010/main">
+                <a:effectLst>
+                  <a:outerShdw dist="35921" dir="2700000" algn="ctr" rotWithShape="0">
+                    <a:schemeClr val="bg2"/>
+                  </a:outerShdw>
+                </a:effectLst>
+              </a14:hiddenEffects>
+            </a:ext>
+          </a:extLst>
+        </p:spPr>
+        <p:txBody>
+          <a:bodyPr wrap="none" anchor="ctr"/>
+          <a:lstStyle/>
+          <a:p>
+            <a:pPr>
+              <a:buNone/>
+            </a:pPr>
+            <a:endParaRPr lang="ru-RU"/>
+          </a:p>
+        </p:txBody>
+      </p:sp>
+      <p:sp>
+        <p:nvSpPr>
+          <p:cNvPr id="9" name="Rectangle 4"/>
+          <p:cNvSpPr>
+            <a:spLocks noChangeArrowheads="1"/>
+          </p:cNvSpPr>
+          <p:nvPr/>
+        </p:nvSpPr>
+        <p:spPr bwMode="auto">
+          <a:xfrm>
+            <a:off x="5943600" y="1308100"/>
+            <a:ext cx="2362200" cy="1841500"/>
+          </a:xfrm>
+          <a:prstGeom prst="rect">
+            <a:avLst/>
+          </a:prstGeom>
+          <a:solidFill>
+            <a:schemeClr val="bg1"/>
+          </a:solidFill>
+          <a:ln w="28575">
+            <a:solidFill>
+              <a:schemeClr val="tx1"/>
+            </a:solidFill>
+            <a:miter lim="800000"/>
+            <a:headEnd/>
+            <a:tailEnd/>
+          </a:ln>
+          <a:effectLst/>
+          <a:extLst>
+            <a:ext uri="{AF507438-7753-43E0-B8FC-AC1667EBCBE1}">
+              <a14:hiddenEffects xmlns:a14="http://schemas.microsoft.com/office/drawing/2010/main">
+                <a:effectLst>
+                  <a:outerShdw dist="35921" dir="2700000" algn="ctr" rotWithShape="0">
+                    <a:schemeClr val="bg2"/>
+                  </a:outerShdw>
+                </a:effectLst>
+              </a14:hiddenEffects>
+            </a:ext>
+          </a:extLst>
+        </p:spPr>
+        <p:txBody>
+          <a:bodyPr wrap="none" anchor="ctr"/>
+          <a:lstStyle/>
+          <a:p>
+            <a:pPr>
+              <a:buNone/>
+            </a:pPr>
+            <a:endParaRPr lang="ru-RU"/>
+          </a:p>
+        </p:txBody>
+      </p:sp>
+      <p:sp>
+        <p:nvSpPr>
+          <p:cNvPr id="10" name="Rectangle 5"/>
+          <p:cNvSpPr>
+            <a:spLocks noChangeArrowheads="1"/>
+          </p:cNvSpPr>
+          <p:nvPr/>
+        </p:nvSpPr>
+        <p:spPr bwMode="auto">
+          <a:xfrm>
+            <a:off x="2959100" y="4089400"/>
+            <a:ext cx="2425700" cy="2286000"/>
+          </a:xfrm>
+          <a:prstGeom prst="rect">
+            <a:avLst/>
+          </a:prstGeom>
+          <a:solidFill>
+            <a:schemeClr val="bg1"/>
+          </a:solidFill>
+          <a:ln w="28575">
+            <a:solidFill>
+              <a:schemeClr val="tx1"/>
+            </a:solidFill>
+            <a:miter lim="800000"/>
+            <a:headEnd/>
+            <a:tailEnd/>
+          </a:ln>
+          <a:effectLst/>
+          <a:extLst>
+            <a:ext uri="{AF507438-7753-43E0-B8FC-AC1667EBCBE1}">
+              <a14:hiddenEffects xmlns:a14="http://schemas.microsoft.com/office/drawing/2010/main">
+                <a:effectLst>
+                  <a:outerShdw dist="35921" dir="2700000" algn="ctr" rotWithShape="0">
+                    <a:schemeClr val="bg2"/>
+                  </a:outerShdw>
+                </a:effectLst>
+              </a14:hiddenEffects>
+            </a:ext>
+          </a:extLst>
+        </p:spPr>
+        <p:txBody>
+          <a:bodyPr wrap="none" anchor="ctr"/>
+          <a:lstStyle/>
+          <a:p>
+            <a:pPr>
+              <a:buNone/>
+            </a:pPr>
+            <a:endParaRPr lang="ru-RU"/>
+          </a:p>
+        </p:txBody>
+      </p:sp>
+      <p:sp>
+        <p:nvSpPr>
+          <p:cNvPr id="11" name="Line 6"/>
+          <p:cNvSpPr>
+            <a:spLocks noChangeShapeType="1"/>
+          </p:cNvSpPr>
+          <p:nvPr/>
+        </p:nvSpPr>
+        <p:spPr bwMode="auto">
+          <a:xfrm flipV="1">
+            <a:off x="5435600" y="5080000"/>
+            <a:ext cx="3492500" cy="12700"/>
+          </a:xfrm>
+          <a:prstGeom prst="line">
+            <a:avLst/>
+          </a:prstGeom>
+          <a:noFill/>
+          <a:ln w="38100">
+            <a:solidFill>
+              <a:schemeClr val="tx1"/>
+            </a:solidFill>
+            <a:round/>
+            <a:headEnd/>
+            <a:tailEnd/>
+          </a:ln>
+          <a:effectLst/>
+          <a:extLst>
+            <a:ext uri="{909E8E84-426E-40DD-AFC4-6F175D3DCCD1}">
+              <a14:hiddenFill xmlns:a14="http://schemas.microsoft.com/office/drawing/2010/main">
+                <a:noFill/>
+              </a14:hiddenFill>
+            </a:ext>
+            <a:ext uri="{AF507438-7753-43E0-B8FC-AC1667EBCBE1}">
+              <a14:hiddenEffects xmlns:a14="http://schemas.microsoft.com/office/drawing/2010/main">
+                <a:effectLst>
+                  <a:outerShdw dist="35921" dir="2700000" algn="ctr" rotWithShape="0">
+                    <a:schemeClr val="bg2"/>
+                  </a:outerShdw>
+                </a:effectLst>
+              </a14:hiddenEffects>
+            </a:ext>
+          </a:extLst>
+        </p:spPr>
+        <p:txBody>
+          <a:bodyPr/>
+          <a:lstStyle/>
+          <a:p>
+            <a:pPr>
+              <a:buNone/>
+            </a:pPr>
+            <a:endParaRPr lang="ru-RU"/>
+          </a:p>
+        </p:txBody>
+      </p:sp>
+      <p:sp>
+        <p:nvSpPr>
+          <p:cNvPr id="13" name="Line 7"/>
+          <p:cNvSpPr>
+            <a:spLocks noChangeShapeType="1"/>
+          </p:cNvSpPr>
+          <p:nvPr/>
+        </p:nvSpPr>
+        <p:spPr bwMode="auto">
+          <a:xfrm>
+            <a:off x="7188200" y="3175000"/>
+            <a:ext cx="12700" cy="1866900"/>
+          </a:xfrm>
+          <a:prstGeom prst="line">
+            <a:avLst/>
+          </a:prstGeom>
+          <a:noFill/>
+          <a:ln w="38100">
+            <a:solidFill>
+              <a:schemeClr val="tx1"/>
+            </a:solidFill>
+            <a:round/>
+            <a:headEnd/>
+            <a:tailEnd/>
+          </a:ln>
+          <a:effectLst/>
+          <a:extLst>
+            <a:ext uri="{909E8E84-426E-40DD-AFC4-6F175D3DCCD1}">
+              <a14:hiddenFill xmlns:a14="http://schemas.microsoft.com/office/drawing/2010/main">
+                <a:noFill/>
+              </a14:hiddenFill>
+            </a:ext>
+            <a:ext uri="{AF507438-7753-43E0-B8FC-AC1667EBCBE1}">
+              <a14:hiddenEffects xmlns:a14="http://schemas.microsoft.com/office/drawing/2010/main">
+                <a:effectLst>
+                  <a:outerShdw dist="35921" dir="2700000" algn="ctr" rotWithShape="0">
+                    <a:schemeClr val="bg2"/>
+                  </a:outerShdw>
+                </a:effectLst>
+              </a14:hiddenEffects>
+            </a:ext>
+          </a:extLst>
+        </p:spPr>
+        <p:txBody>
+          <a:bodyPr/>
+          <a:lstStyle/>
+          <a:p>
+            <a:pPr>
+              <a:buNone/>
+            </a:pPr>
+            <a:endParaRPr lang="ru-RU"/>
+          </a:p>
+        </p:txBody>
+      </p:sp>
+      <p:sp>
+        <p:nvSpPr>
+          <p:cNvPr id="15" name="Line 8"/>
+          <p:cNvSpPr>
+            <a:spLocks noChangeShapeType="1"/>
+          </p:cNvSpPr>
+          <p:nvPr/>
+        </p:nvSpPr>
+        <p:spPr bwMode="auto">
+          <a:xfrm>
+            <a:off x="2400300" y="5003800"/>
+            <a:ext cx="584200" cy="88900"/>
+          </a:xfrm>
+          <a:prstGeom prst="line">
+            <a:avLst/>
+          </a:prstGeom>
+          <a:noFill/>
+          <a:ln w="28575">
+            <a:solidFill>
+              <a:schemeClr val="tx1"/>
+            </a:solidFill>
+            <a:round/>
+            <a:headEnd/>
+            <a:tailEnd/>
+          </a:ln>
+          <a:effectLst/>
+          <a:extLst>
+            <a:ext uri="{909E8E84-426E-40DD-AFC4-6F175D3DCCD1}">
+              <a14:hiddenFill xmlns:a14="http://schemas.microsoft.com/office/drawing/2010/main">
+                <a:noFill/>
+              </a14:hiddenFill>
+            </a:ext>
+            <a:ext uri="{AF507438-7753-43E0-B8FC-AC1667EBCBE1}">
+              <a14:hiddenEffects xmlns:a14="http://schemas.microsoft.com/office/drawing/2010/main">
+                <a:effectLst>
+                  <a:outerShdw dist="35921" dir="2700000" algn="ctr" rotWithShape="0">
+                    <a:schemeClr val="bg2"/>
+                  </a:outerShdw>
+                </a:effectLst>
+              </a14:hiddenEffects>
+            </a:ext>
+          </a:extLst>
+        </p:spPr>
+        <p:txBody>
+          <a:bodyPr/>
+          <a:lstStyle/>
+          <a:p>
+            <a:pPr>
+              <a:buNone/>
+            </a:pPr>
+            <a:endParaRPr lang="ru-RU"/>
+          </a:p>
+        </p:txBody>
+      </p:sp>
+      <p:cxnSp>
+        <p:nvCxnSpPr>
+          <p:cNvPr id="17" name="AutoShape 9"/>
+          <p:cNvCxnSpPr>
+            <a:cxnSpLocks noChangeShapeType="1"/>
+          </p:cNvCxnSpPr>
+          <p:nvPr/>
+        </p:nvCxnSpPr>
+        <p:spPr bwMode="auto">
+          <a:xfrm>
+            <a:off x="1447800" y="2012950"/>
+            <a:ext cx="1509713" cy="2933700"/>
+          </a:xfrm>
+          <a:prstGeom prst="curvedConnector3">
+            <a:avLst>
+              <a:gd name="adj1" fmla="val 50472"/>
+            </a:avLst>
+          </a:prstGeom>
+          <a:noFill/>
+          <a:ln w="19050">
+            <a:solidFill>
+              <a:schemeClr val="tx1"/>
+            </a:solidFill>
+            <a:prstDash val="dash"/>
+            <a:round/>
+            <a:headEnd/>
+            <a:tailEnd type="triangle" w="lg" len="lg"/>
+          </a:ln>
+          <a:effectLst/>
+          <a:extLst>
+            <a:ext uri="{909E8E84-426E-40DD-AFC4-6F175D3DCCD1}">
+              <a14:hiddenFill xmlns:a14="http://schemas.microsoft.com/office/drawing/2010/main">
+                <a:noFill/>
+              </a14:hiddenFill>
+            </a:ext>
+            <a:ext uri="{AF507438-7753-43E0-B8FC-AC1667EBCBE1}">
+              <a14:hiddenEffects xmlns:a14="http://schemas.microsoft.com/office/drawing/2010/main">
+                <a:effectLst>
+                  <a:outerShdw dist="35921" dir="2700000" algn="ctr" rotWithShape="0">
+                    <a:schemeClr val="bg2"/>
+                  </a:outerShdw>
+                </a:effectLst>
+              </a14:hiddenEffects>
+            </a:ext>
+          </a:extLst>
+        </p:spPr>
+      </p:cxnSp>
+      <p:sp>
+        <p:nvSpPr>
+          <p:cNvPr id="18" name="Line 10"/>
+          <p:cNvSpPr>
+            <a:spLocks noChangeShapeType="1"/>
+          </p:cNvSpPr>
+          <p:nvPr/>
+        </p:nvSpPr>
+        <p:spPr bwMode="auto">
+          <a:xfrm>
+            <a:off x="4559300" y="3759200"/>
+            <a:ext cx="0" cy="0"/>
+          </a:xfrm>
+          <a:prstGeom prst="line">
+            <a:avLst/>
+          </a:prstGeom>
+          <a:noFill/>
+          <a:ln w="9525">
+            <a:solidFill>
+              <a:schemeClr val="tx1"/>
+            </a:solidFill>
+            <a:round/>
+            <a:headEnd/>
+            <a:tailEnd/>
+          </a:ln>
+          <a:effectLst/>
+          <a:extLst>
+            <a:ext uri="{909E8E84-426E-40DD-AFC4-6F175D3DCCD1}">
+              <a14:hiddenFill xmlns:a14="http://schemas.microsoft.com/office/drawing/2010/main">
+                <a:noFill/>
+              </a14:hiddenFill>
+            </a:ext>
+            <a:ext uri="{AF507438-7753-43E0-B8FC-AC1667EBCBE1}">
+              <a14:hiddenEffects xmlns:a14="http://schemas.microsoft.com/office/drawing/2010/main">
+                <a:effectLst>
+                  <a:outerShdw dist="35921" dir="2700000" algn="ctr" rotWithShape="0">
+                    <a:schemeClr val="bg2"/>
+                  </a:outerShdw>
+                </a:effectLst>
+              </a14:hiddenEffects>
+            </a:ext>
+          </a:extLst>
+        </p:spPr>
+        <p:txBody>
+          <a:bodyPr/>
+          <a:lstStyle/>
+          <a:p>
+            <a:pPr>
+              <a:buNone/>
+            </a:pPr>
+            <a:endParaRPr lang="ru-RU"/>
+          </a:p>
+        </p:txBody>
+      </p:sp>
+      <p:sp>
+        <p:nvSpPr>
+          <p:cNvPr id="19" name="Rectangle 11"/>
+          <p:cNvSpPr>
+            <a:spLocks noChangeArrowheads="1"/>
+          </p:cNvSpPr>
+          <p:nvPr/>
+        </p:nvSpPr>
+        <p:spPr bwMode="auto">
+          <a:xfrm>
+            <a:off x="4737100" y="5359400"/>
+            <a:ext cx="215900" cy="88900"/>
+          </a:xfrm>
+          <a:prstGeom prst="rect">
+            <a:avLst/>
+          </a:prstGeom>
+          <a:solidFill>
+            <a:srgbClr val="EAEAEA"/>
+          </a:solidFill>
+          <a:ln w="9525">
+            <a:solidFill>
+              <a:schemeClr val="tx1"/>
+            </a:solidFill>
+            <a:miter lim="800000"/>
+            <a:headEnd/>
+            <a:tailEnd/>
+          </a:ln>
+          <a:effectLst/>
+          <a:extLst>
+            <a:ext uri="{AF507438-7753-43E0-B8FC-AC1667EBCBE1}">
+              <a14:hiddenEffects xmlns:a14="http://schemas.microsoft.com/office/drawing/2010/main">
+                <a:effectLst>
+                  <a:outerShdw dist="35921" dir="2700000" algn="ctr" rotWithShape="0">
+                    <a:schemeClr val="bg2"/>
+                  </a:outerShdw>
+                </a:effectLst>
+              </a14:hiddenEffects>
+            </a:ext>
+          </a:extLst>
+        </p:spPr>
+        <p:txBody>
+          <a:bodyPr wrap="none" anchor="ctr"/>
+          <a:lstStyle/>
+          <a:p>
+            <a:pPr>
+              <a:buNone/>
+            </a:pPr>
+            <a:endParaRPr lang="ru-RU"/>
+          </a:p>
+        </p:txBody>
+      </p:sp>
+      <p:sp>
+        <p:nvSpPr>
+          <p:cNvPr id="20" name="Rectangle 12"/>
+          <p:cNvSpPr>
+            <a:spLocks noChangeArrowheads="1"/>
+          </p:cNvSpPr>
+          <p:nvPr/>
+        </p:nvSpPr>
+        <p:spPr bwMode="auto">
+          <a:xfrm>
+            <a:off x="4406900" y="5359400"/>
+            <a:ext cx="317500" cy="88900"/>
+          </a:xfrm>
+          <a:prstGeom prst="rect">
+            <a:avLst/>
+          </a:prstGeom>
+          <a:solidFill>
+            <a:schemeClr val="bg1"/>
+          </a:solidFill>
+          <a:ln w="9525">
+            <a:solidFill>
+              <a:schemeClr val="tx1"/>
+            </a:solidFill>
+            <a:miter lim="800000"/>
+            <a:headEnd/>
+            <a:tailEnd/>
+          </a:ln>
+          <a:effectLst/>
+          <a:extLst>
+            <a:ext uri="{AF507438-7753-43E0-B8FC-AC1667EBCBE1}">
+              <a14:hiddenEffects xmlns:a14="http://schemas.microsoft.com/office/drawing/2010/main">
+                <a:effectLst>
+                  <a:outerShdw dist="35921" dir="2700000" algn="ctr" rotWithShape="0">
+                    <a:schemeClr val="bg2"/>
+                  </a:outerShdw>
+                </a:effectLst>
+              </a14:hiddenEffects>
+            </a:ext>
+          </a:extLst>
+        </p:spPr>
+        <p:txBody>
+          <a:bodyPr wrap="none" anchor="ctr"/>
+          <a:lstStyle/>
+          <a:p>
+            <a:pPr>
+              <a:buNone/>
+            </a:pPr>
+            <a:endParaRPr lang="ru-RU"/>
+          </a:p>
+        </p:txBody>
+      </p:sp>
+      <p:sp>
+        <p:nvSpPr>
+          <p:cNvPr id="21" name="Rectangle 13"/>
+          <p:cNvSpPr>
+            <a:spLocks noChangeArrowheads="1"/>
+          </p:cNvSpPr>
+          <p:nvPr/>
+        </p:nvSpPr>
+        <p:spPr bwMode="auto">
+          <a:xfrm>
+            <a:off x="3759200" y="5359400"/>
+            <a:ext cx="317500" cy="88900"/>
+          </a:xfrm>
+          <a:prstGeom prst="rect">
+            <a:avLst/>
+          </a:prstGeom>
+          <a:solidFill>
+            <a:schemeClr val="bg1"/>
+          </a:solidFill>
+          <a:ln w="9525">
+            <a:solidFill>
+              <a:schemeClr val="tx1"/>
+            </a:solidFill>
+            <a:miter lim="800000"/>
+            <a:headEnd/>
+            <a:tailEnd/>
+          </a:ln>
+          <a:effectLst/>
+          <a:extLst>
+            <a:ext uri="{AF507438-7753-43E0-B8FC-AC1667EBCBE1}">
+              <a14:hiddenEffects xmlns:a14="http://schemas.microsoft.com/office/drawing/2010/main">
+                <a:effectLst>
+                  <a:outerShdw dist="35921" dir="2700000" algn="ctr" rotWithShape="0">
+                    <a:schemeClr val="bg2"/>
+                  </a:outerShdw>
+                </a:effectLst>
+              </a14:hiddenEffects>
+            </a:ext>
+          </a:extLst>
+        </p:spPr>
+        <p:txBody>
+          <a:bodyPr wrap="none" anchor="ctr"/>
+          <a:lstStyle/>
+          <a:p>
+            <a:pPr>
+              <a:buNone/>
+            </a:pPr>
+            <a:endParaRPr lang="ru-RU"/>
+          </a:p>
+        </p:txBody>
+      </p:sp>
+      <p:sp>
+        <p:nvSpPr>
+          <p:cNvPr id="22" name="Rectangle 14"/>
+          <p:cNvSpPr>
+            <a:spLocks noChangeArrowheads="1"/>
+          </p:cNvSpPr>
+          <p:nvPr/>
+        </p:nvSpPr>
+        <p:spPr bwMode="auto">
+          <a:xfrm>
+            <a:off x="4089400" y="5359400"/>
+            <a:ext cx="317500" cy="88900"/>
+          </a:xfrm>
+          <a:prstGeom prst="rect">
+            <a:avLst/>
+          </a:prstGeom>
+          <a:solidFill>
+            <a:schemeClr val="bg1"/>
+          </a:solidFill>
+          <a:ln w="9525">
+            <a:solidFill>
+              <a:schemeClr val="tx1"/>
+            </a:solidFill>
+            <a:miter lim="800000"/>
+            <a:headEnd/>
+            <a:tailEnd/>
+          </a:ln>
+          <a:effectLst/>
+          <a:extLst>
+            <a:ext uri="{AF507438-7753-43E0-B8FC-AC1667EBCBE1}">
+              <a14:hiddenEffects xmlns:a14="http://schemas.microsoft.com/office/drawing/2010/main">
+                <a:effectLst>
+                  <a:outerShdw dist="35921" dir="2700000" algn="ctr" rotWithShape="0">
+                    <a:schemeClr val="bg2"/>
+                  </a:outerShdw>
+                </a:effectLst>
+              </a14:hiddenEffects>
+            </a:ext>
+          </a:extLst>
+        </p:spPr>
+        <p:txBody>
+          <a:bodyPr wrap="none" anchor="ctr"/>
+          <a:lstStyle/>
+          <a:p>
+            <a:pPr>
+              <a:buNone/>
+            </a:pPr>
+            <a:endParaRPr lang="ru-RU"/>
+          </a:p>
+        </p:txBody>
+      </p:sp>
+      <p:sp>
+        <p:nvSpPr>
+          <p:cNvPr id="23" name="Rectangle 15"/>
+          <p:cNvSpPr>
+            <a:spLocks noChangeArrowheads="1"/>
+          </p:cNvSpPr>
+          <p:nvPr/>
+        </p:nvSpPr>
+        <p:spPr bwMode="auto">
+          <a:xfrm>
+            <a:off x="3441700" y="5359400"/>
+            <a:ext cx="317500" cy="88900"/>
+          </a:xfrm>
+          <a:prstGeom prst="rect">
+            <a:avLst/>
+          </a:prstGeom>
+          <a:solidFill>
+            <a:schemeClr val="bg1"/>
+          </a:solidFill>
+          <a:ln w="9525">
+            <a:solidFill>
+              <a:schemeClr val="tx1"/>
+            </a:solidFill>
+            <a:miter lim="800000"/>
+            <a:headEnd/>
+            <a:tailEnd/>
+          </a:ln>
+          <a:effectLst/>
+          <a:extLst>
+            <a:ext uri="{AF507438-7753-43E0-B8FC-AC1667EBCBE1}">
+              <a14:hiddenEffects xmlns:a14="http://schemas.microsoft.com/office/drawing/2010/main">
+                <a:effectLst>
+                  <a:outerShdw dist="35921" dir="2700000" algn="ctr" rotWithShape="0">
+                    <a:schemeClr val="bg2"/>
+                  </a:outerShdw>
+                </a:effectLst>
+              </a14:hiddenEffects>
+            </a:ext>
+          </a:extLst>
+        </p:spPr>
+        <p:txBody>
+          <a:bodyPr wrap="none" anchor="ctr"/>
+          <a:lstStyle/>
+          <a:p>
+            <a:pPr>
+              <a:buNone/>
+            </a:pPr>
+            <a:endParaRPr lang="ru-RU"/>
+          </a:p>
+        </p:txBody>
+      </p:sp>
+      <p:sp>
+        <p:nvSpPr>
+          <p:cNvPr id="24" name="Rectangle 16"/>
+          <p:cNvSpPr>
+            <a:spLocks noChangeArrowheads="1"/>
+          </p:cNvSpPr>
+          <p:nvPr/>
+        </p:nvSpPr>
+        <p:spPr bwMode="auto">
+          <a:xfrm rot="19361763">
+            <a:off x="6507163" y="3979863"/>
+            <a:ext cx="215900" cy="88900"/>
+          </a:xfrm>
+          <a:prstGeom prst="rect">
+            <a:avLst/>
+          </a:prstGeom>
+          <a:solidFill>
+            <a:srgbClr val="EAEAEA"/>
+          </a:solidFill>
+          <a:ln w="9525">
+            <a:solidFill>
+              <a:schemeClr val="tx1"/>
+            </a:solidFill>
+            <a:miter lim="800000"/>
+            <a:headEnd/>
+            <a:tailEnd/>
+          </a:ln>
+          <a:effectLst/>
+          <a:extLst>
+            <a:ext uri="{AF507438-7753-43E0-B8FC-AC1667EBCBE1}">
+              <a14:hiddenEffects xmlns:a14="http://schemas.microsoft.com/office/drawing/2010/main">
+                <a:effectLst>
+                  <a:outerShdw dist="35921" dir="2700000" algn="ctr" rotWithShape="0">
+                    <a:schemeClr val="bg2"/>
+                  </a:outerShdw>
+                </a:effectLst>
+              </a14:hiddenEffects>
+            </a:ext>
+          </a:extLst>
+        </p:spPr>
+        <p:txBody>
+          <a:bodyPr wrap="none" anchor="ctr"/>
+          <a:lstStyle/>
+          <a:p>
+            <a:pPr>
+              <a:buNone/>
+            </a:pPr>
+            <a:endParaRPr lang="ru-RU"/>
+          </a:p>
+        </p:txBody>
+      </p:sp>
+      <p:sp>
+        <p:nvSpPr>
+          <p:cNvPr id="25" name="Rectangle 17"/>
+          <p:cNvSpPr>
+            <a:spLocks noChangeArrowheads="1"/>
+          </p:cNvSpPr>
+          <p:nvPr/>
+        </p:nvSpPr>
+        <p:spPr bwMode="auto">
+          <a:xfrm rot="19361763">
+            <a:off x="6243638" y="4141788"/>
+            <a:ext cx="317500" cy="88900"/>
+          </a:xfrm>
+          <a:prstGeom prst="rect">
+            <a:avLst/>
+          </a:prstGeom>
+          <a:solidFill>
+            <a:schemeClr val="bg1"/>
+          </a:solidFill>
+          <a:ln w="9525">
+            <a:solidFill>
+              <a:schemeClr val="tx1"/>
+            </a:solidFill>
+            <a:miter lim="800000"/>
+            <a:headEnd/>
+            <a:tailEnd/>
+          </a:ln>
+          <a:effectLst/>
+          <a:extLst>
+            <a:ext uri="{AF507438-7753-43E0-B8FC-AC1667EBCBE1}">
+              <a14:hiddenEffects xmlns:a14="http://schemas.microsoft.com/office/drawing/2010/main">
+                <a:effectLst>
+                  <a:outerShdw dist="35921" dir="2700000" algn="ctr" rotWithShape="0">
+                    <a:schemeClr val="bg2"/>
+                  </a:outerShdw>
+                </a:effectLst>
+              </a14:hiddenEffects>
+            </a:ext>
+          </a:extLst>
+        </p:spPr>
+        <p:txBody>
+          <a:bodyPr wrap="none" anchor="ctr"/>
+          <a:lstStyle/>
+          <a:p>
+            <a:pPr>
+              <a:buNone/>
+            </a:pPr>
+            <a:endParaRPr lang="ru-RU"/>
+          </a:p>
+        </p:txBody>
+      </p:sp>
+      <p:sp>
+        <p:nvSpPr>
+          <p:cNvPr id="26" name="Rectangle 18"/>
+          <p:cNvSpPr>
+            <a:spLocks noChangeArrowheads="1"/>
+          </p:cNvSpPr>
+          <p:nvPr/>
+        </p:nvSpPr>
+        <p:spPr bwMode="auto">
+          <a:xfrm rot="20232897">
+            <a:off x="5776913" y="4532313"/>
+            <a:ext cx="215900" cy="88900"/>
+          </a:xfrm>
+          <a:prstGeom prst="rect">
+            <a:avLst/>
+          </a:prstGeom>
+          <a:solidFill>
+            <a:srgbClr val="EAEAEA"/>
+          </a:solidFill>
+          <a:ln w="9525">
+            <a:solidFill>
+              <a:schemeClr val="tx1"/>
+            </a:solidFill>
+            <a:miter lim="800000"/>
+            <a:headEnd/>
+            <a:tailEnd/>
+          </a:ln>
+          <a:effectLst/>
+          <a:extLst>
+            <a:ext uri="{AF507438-7753-43E0-B8FC-AC1667EBCBE1}">
+              <a14:hiddenEffects xmlns:a14="http://schemas.microsoft.com/office/drawing/2010/main">
+                <a:effectLst>
+                  <a:outerShdw dist="35921" dir="2700000" algn="ctr" rotWithShape="0">
+                    <a:schemeClr val="bg2"/>
+                  </a:outerShdw>
+                </a:effectLst>
+              </a14:hiddenEffects>
+            </a:ext>
+          </a:extLst>
+        </p:spPr>
+        <p:txBody>
+          <a:bodyPr wrap="none" anchor="ctr"/>
+          <a:lstStyle/>
+          <a:p>
+            <a:pPr>
+              <a:buNone/>
+            </a:pPr>
+            <a:endParaRPr lang="ru-RU"/>
+          </a:p>
+        </p:txBody>
+      </p:sp>
+      <p:sp>
+        <p:nvSpPr>
+          <p:cNvPr id="27" name="Rectangle 19"/>
+          <p:cNvSpPr>
+            <a:spLocks noChangeArrowheads="1"/>
+          </p:cNvSpPr>
+          <p:nvPr/>
+        </p:nvSpPr>
+        <p:spPr bwMode="auto">
+          <a:xfrm rot="20232897">
+            <a:off x="5468938" y="4640263"/>
+            <a:ext cx="317500" cy="88900"/>
+          </a:xfrm>
+          <a:prstGeom prst="rect">
+            <a:avLst/>
+          </a:prstGeom>
+          <a:solidFill>
+            <a:schemeClr val="bg1"/>
+          </a:solidFill>
+          <a:ln w="9525">
+            <a:solidFill>
+              <a:schemeClr val="tx1"/>
+            </a:solidFill>
+            <a:miter lim="800000"/>
+            <a:headEnd/>
+            <a:tailEnd/>
+          </a:ln>
+          <a:effectLst/>
+          <a:extLst>
+            <a:ext uri="{AF507438-7753-43E0-B8FC-AC1667EBCBE1}">
+              <a14:hiddenEffects xmlns:a14="http://schemas.microsoft.com/office/drawing/2010/main">
+                <a:effectLst>
+                  <a:outerShdw dist="35921" dir="2700000" algn="ctr" rotWithShape="0">
+                    <a:schemeClr val="bg2"/>
+                  </a:outerShdw>
+                </a:effectLst>
+              </a14:hiddenEffects>
+            </a:ext>
+          </a:extLst>
+        </p:spPr>
+        <p:txBody>
+          <a:bodyPr wrap="none" anchor="ctr"/>
+          <a:lstStyle/>
+          <a:p>
+            <a:pPr>
+              <a:buNone/>
+            </a:pPr>
+            <a:endParaRPr lang="ru-RU"/>
+          </a:p>
+        </p:txBody>
+      </p:sp>
+      <p:grpSp>
+        <p:nvGrpSpPr>
+          <p:cNvPr id="28" name="Group 20"/>
+          <p:cNvGrpSpPr>
+            <a:grpSpLocks/>
+          </p:cNvGrpSpPr>
+          <p:nvPr/>
+        </p:nvGrpSpPr>
+        <p:grpSpPr bwMode="auto">
+          <a:xfrm rot="-728736">
+            <a:off x="4673600" y="4826000"/>
+            <a:ext cx="546100" cy="88900"/>
+            <a:chOff x="3344" y="3424"/>
+            <a:chExt cx="344" cy="56"/>
+          </a:xfrm>
+        </p:grpSpPr>
+        <p:sp>
+          <p:nvSpPr>
+            <p:cNvPr id="29" name="Rectangle 21"/>
+            <p:cNvSpPr>
+              <a:spLocks noChangeArrowheads="1"/>
+            </p:cNvSpPr>
+            <p:nvPr/>
+          </p:nvSpPr>
+          <p:spPr bwMode="auto">
+            <a:xfrm>
+              <a:off x="3552" y="3424"/>
+              <a:ext cx="136" cy="56"/>
+            </a:xfrm>
+            <a:prstGeom prst="rect">
+              <a:avLst/>
+            </a:prstGeom>
+            <a:solidFill>
+              <a:srgbClr val="EAEAEA"/>
+            </a:solidFill>
+            <a:ln w="9525">
+              <a:solidFill>
+                <a:schemeClr val="tx1"/>
+              </a:solidFill>
+              <a:miter lim="800000"/>
+              <a:headEnd/>
+              <a:tailEnd/>
+            </a:ln>
+            <a:effectLst/>
+            <a:extLst>
+              <a:ext uri="{AF507438-7753-43E0-B8FC-AC1667EBCBE1}">
+                <a14:hiddenEffects xmlns:a14="http://schemas.microsoft.com/office/drawing/2010/main">
+                  <a:effectLst>
+                    <a:outerShdw dist="35921" dir="2700000" algn="ctr" rotWithShape="0">
+                      <a:schemeClr val="bg2"/>
+                    </a:outerShdw>
+                  </a:effectLst>
+                </a14:hiddenEffects>
+              </a:ext>
+            </a:extLst>
+          </p:spPr>
+          <p:txBody>
+            <a:bodyPr wrap="none" anchor="ctr"/>
+            <a:lstStyle/>
+            <a:p>
+              <a:pPr>
+                <a:buNone/>
+              </a:pPr>
+              <a:endParaRPr lang="ru-RU"/>
+            </a:p>
+          </p:txBody>
+        </p:sp>
+        <p:sp>
+          <p:nvSpPr>
+            <p:cNvPr id="30" name="Rectangle 22"/>
+            <p:cNvSpPr>
+              <a:spLocks noChangeArrowheads="1"/>
+            </p:cNvSpPr>
+            <p:nvPr/>
+          </p:nvSpPr>
+          <p:spPr bwMode="auto">
+            <a:xfrm>
+              <a:off x="3344" y="3424"/>
+              <a:ext cx="200" cy="56"/>
+            </a:xfrm>
+            <a:prstGeom prst="rect">
+              <a:avLst/>
+            </a:prstGeom>
+            <a:solidFill>
+              <a:schemeClr val="bg1"/>
+            </a:solidFill>
+            <a:ln w="9525">
+              <a:solidFill>
+                <a:schemeClr val="tx1"/>
+              </a:solidFill>
+              <a:miter lim="800000"/>
+              <a:headEnd/>
+              <a:tailEnd/>
+            </a:ln>
+            <a:effectLst/>
+            <a:extLst>
+              <a:ext uri="{AF507438-7753-43E0-B8FC-AC1667EBCBE1}">
+                <a14:hiddenEffects xmlns:a14="http://schemas.microsoft.com/office/drawing/2010/main">
+                  <a:effectLst>
+                    <a:outerShdw dist="35921" dir="2700000" algn="ctr" rotWithShape="0">
+                      <a:schemeClr val="bg2"/>
+                    </a:outerShdw>
+                  </a:effectLst>
+                </a14:hiddenEffects>
+              </a:ext>
+            </a:extLst>
+          </p:spPr>
+          <p:txBody>
+            <a:bodyPr wrap="none" anchor="ctr"/>
+            <a:lstStyle/>
+            <a:p>
+              <a:pPr>
+                <a:buNone/>
+              </a:pPr>
+              <a:endParaRPr lang="ru-RU"/>
+            </a:p>
+          </p:txBody>
+        </p:sp>
+      </p:grpSp>
+      <p:grpSp>
+        <p:nvGrpSpPr>
+          <p:cNvPr id="31" name="Group 23"/>
+          <p:cNvGrpSpPr>
+            <a:grpSpLocks/>
+          </p:cNvGrpSpPr>
+          <p:nvPr/>
+        </p:nvGrpSpPr>
+        <p:grpSpPr bwMode="auto">
+          <a:xfrm>
+            <a:off x="3886200" y="4889500"/>
+            <a:ext cx="546100" cy="88900"/>
+            <a:chOff x="3320" y="3792"/>
+            <a:chExt cx="344" cy="56"/>
+          </a:xfrm>
+        </p:grpSpPr>
+        <p:sp>
+          <p:nvSpPr>
+            <p:cNvPr id="32" name="Rectangle 24"/>
+            <p:cNvSpPr>
+              <a:spLocks noChangeArrowheads="1"/>
+            </p:cNvSpPr>
+            <p:nvPr/>
+          </p:nvSpPr>
+          <p:spPr bwMode="auto">
+            <a:xfrm>
+              <a:off x="3528" y="3792"/>
+              <a:ext cx="136" cy="56"/>
+            </a:xfrm>
+            <a:prstGeom prst="rect">
+              <a:avLst/>
+            </a:prstGeom>
+            <a:solidFill>
+              <a:srgbClr val="EAEAEA"/>
+            </a:solidFill>
+            <a:ln w="9525">
+              <a:solidFill>
+                <a:schemeClr val="tx1"/>
+              </a:solidFill>
+              <a:miter lim="800000"/>
+              <a:headEnd/>
+              <a:tailEnd/>
+            </a:ln>
+            <a:effectLst/>
+            <a:extLst>
+              <a:ext uri="{AF507438-7753-43E0-B8FC-AC1667EBCBE1}">
+                <a14:hiddenEffects xmlns:a14="http://schemas.microsoft.com/office/drawing/2010/main">
+                  <a:effectLst>
+                    <a:outerShdw dist="35921" dir="2700000" algn="ctr" rotWithShape="0">
+                      <a:schemeClr val="bg2"/>
+                    </a:outerShdw>
+                  </a:effectLst>
+                </a14:hiddenEffects>
+              </a:ext>
+            </a:extLst>
+          </p:spPr>
+          <p:txBody>
+            <a:bodyPr wrap="none" anchor="ctr"/>
+            <a:lstStyle/>
+            <a:p>
+              <a:pPr>
+                <a:buNone/>
+              </a:pPr>
+              <a:endParaRPr lang="ru-RU"/>
+            </a:p>
+          </p:txBody>
+        </p:sp>
+        <p:sp>
+          <p:nvSpPr>
+            <p:cNvPr id="33" name="Rectangle 25"/>
+            <p:cNvSpPr>
+              <a:spLocks noChangeArrowheads="1"/>
+            </p:cNvSpPr>
+            <p:nvPr/>
+          </p:nvSpPr>
+          <p:spPr bwMode="auto">
+            <a:xfrm>
+              <a:off x="3320" y="3792"/>
+              <a:ext cx="200" cy="56"/>
+            </a:xfrm>
+            <a:prstGeom prst="rect">
+              <a:avLst/>
+            </a:prstGeom>
+            <a:solidFill>
+              <a:schemeClr val="bg1"/>
+            </a:solidFill>
+            <a:ln w="9525">
+              <a:solidFill>
+                <a:schemeClr val="tx1"/>
+              </a:solidFill>
+              <a:miter lim="800000"/>
+              <a:headEnd/>
+              <a:tailEnd/>
+            </a:ln>
+            <a:effectLst/>
+            <a:extLst>
+              <a:ext uri="{AF507438-7753-43E0-B8FC-AC1667EBCBE1}">
+                <a14:hiddenEffects xmlns:a14="http://schemas.microsoft.com/office/drawing/2010/main">
+                  <a:effectLst>
+                    <a:outerShdw dist="35921" dir="2700000" algn="ctr" rotWithShape="0">
+                      <a:schemeClr val="bg2"/>
+                    </a:outerShdw>
+                  </a:effectLst>
+                </a14:hiddenEffects>
+              </a:ext>
+            </a:extLst>
+          </p:spPr>
+          <p:txBody>
+            <a:bodyPr wrap="none" anchor="ctr"/>
+            <a:lstStyle/>
+            <a:p>
+              <a:pPr>
+                <a:buNone/>
+              </a:pPr>
+              <a:endParaRPr lang="ru-RU"/>
+            </a:p>
+          </p:txBody>
+        </p:sp>
+      </p:grpSp>
+      <p:grpSp>
+        <p:nvGrpSpPr>
+          <p:cNvPr id="34" name="Group 26"/>
+          <p:cNvGrpSpPr>
+            <a:grpSpLocks/>
+          </p:cNvGrpSpPr>
+          <p:nvPr/>
+        </p:nvGrpSpPr>
+        <p:grpSpPr bwMode="auto">
+          <a:xfrm>
+            <a:off x="3136900" y="4927600"/>
+            <a:ext cx="546100" cy="88900"/>
+            <a:chOff x="3456" y="3928"/>
+            <a:chExt cx="344" cy="56"/>
+          </a:xfrm>
+        </p:grpSpPr>
+        <p:sp>
+          <p:nvSpPr>
+            <p:cNvPr id="35" name="Rectangle 27"/>
+            <p:cNvSpPr>
+              <a:spLocks noChangeArrowheads="1"/>
+            </p:cNvSpPr>
+            <p:nvPr/>
+          </p:nvSpPr>
+          <p:spPr bwMode="auto">
+            <a:xfrm>
+              <a:off x="3664" y="3928"/>
+              <a:ext cx="136" cy="56"/>
+            </a:xfrm>
+            <a:prstGeom prst="rect">
+              <a:avLst/>
+            </a:prstGeom>
+            <a:solidFill>
+              <a:srgbClr val="EAEAEA"/>
+            </a:solidFill>
+            <a:ln w="9525">
+              <a:solidFill>
+                <a:schemeClr val="tx1"/>
+              </a:solidFill>
+              <a:miter lim="800000"/>
+              <a:headEnd/>
+              <a:tailEnd/>
+            </a:ln>
+            <a:effectLst/>
+            <a:extLst>
+              <a:ext uri="{AF507438-7753-43E0-B8FC-AC1667EBCBE1}">
+                <a14:hiddenEffects xmlns:a14="http://schemas.microsoft.com/office/drawing/2010/main">
+                  <a:effectLst>
+                    <a:outerShdw dist="35921" dir="2700000" algn="ctr" rotWithShape="0">
+                      <a:schemeClr val="bg2"/>
+                    </a:outerShdw>
+                  </a:effectLst>
+                </a14:hiddenEffects>
+              </a:ext>
+            </a:extLst>
+          </p:spPr>
+          <p:txBody>
+            <a:bodyPr wrap="none" anchor="ctr"/>
+            <a:lstStyle/>
+            <a:p>
+              <a:pPr>
+                <a:buNone/>
+              </a:pPr>
+              <a:endParaRPr lang="ru-RU"/>
+            </a:p>
+          </p:txBody>
+        </p:sp>
+        <p:sp>
+          <p:nvSpPr>
+            <p:cNvPr id="36" name="Rectangle 28"/>
+            <p:cNvSpPr>
+              <a:spLocks noChangeArrowheads="1"/>
+            </p:cNvSpPr>
+            <p:nvPr/>
+          </p:nvSpPr>
+          <p:spPr bwMode="auto">
+            <a:xfrm>
+              <a:off x="3456" y="3928"/>
+              <a:ext cx="200" cy="56"/>
+            </a:xfrm>
+            <a:prstGeom prst="rect">
+              <a:avLst/>
+            </a:prstGeom>
+            <a:solidFill>
+              <a:schemeClr val="bg1"/>
+            </a:solidFill>
+            <a:ln w="9525">
+              <a:solidFill>
+                <a:schemeClr val="tx1"/>
+              </a:solidFill>
+              <a:miter lim="800000"/>
+              <a:headEnd/>
+              <a:tailEnd/>
+            </a:ln>
+            <a:effectLst/>
+            <a:extLst>
+              <a:ext uri="{AF507438-7753-43E0-B8FC-AC1667EBCBE1}">
+                <a14:hiddenEffects xmlns:a14="http://schemas.microsoft.com/office/drawing/2010/main">
+                  <a:effectLst>
+                    <a:outerShdw dist="35921" dir="2700000" algn="ctr" rotWithShape="0">
+                      <a:schemeClr val="bg2"/>
+                    </a:outerShdw>
+                  </a:effectLst>
+                </a14:hiddenEffects>
+              </a:ext>
+            </a:extLst>
+          </p:spPr>
+          <p:txBody>
+            <a:bodyPr wrap="none" anchor="ctr"/>
+            <a:lstStyle/>
+            <a:p>
+              <a:pPr>
+                <a:buNone/>
+              </a:pPr>
+              <a:endParaRPr lang="ru-RU"/>
+            </a:p>
+          </p:txBody>
+        </p:sp>
+      </p:grpSp>
+      <p:sp>
+        <p:nvSpPr>
+          <p:cNvPr id="37" name="Line 29"/>
+          <p:cNvSpPr>
+            <a:spLocks noChangeShapeType="1"/>
+          </p:cNvSpPr>
+          <p:nvPr/>
+        </p:nvSpPr>
+        <p:spPr bwMode="auto">
+          <a:xfrm flipV="1">
+            <a:off x="3365500" y="5016500"/>
+            <a:ext cx="0" cy="342900"/>
+          </a:xfrm>
+          <a:prstGeom prst="line">
+            <a:avLst/>
+          </a:prstGeom>
+          <a:noFill/>
+          <a:ln w="9525">
+            <a:solidFill>
+              <a:schemeClr val="tx1"/>
+            </a:solidFill>
+            <a:prstDash val="sysDot"/>
+            <a:round/>
+            <a:headEnd/>
+            <a:tailEnd type="arrow" w="med" len="med"/>
+          </a:ln>
+          <a:effectLst/>
+          <a:extLst>
+            <a:ext uri="{909E8E84-426E-40DD-AFC4-6F175D3DCCD1}">
+              <a14:hiddenFill xmlns:a14="http://schemas.microsoft.com/office/drawing/2010/main">
+                <a:noFill/>
+              </a14:hiddenFill>
+            </a:ext>
+            <a:ext uri="{AF507438-7753-43E0-B8FC-AC1667EBCBE1}">
+              <a14:hiddenEffects xmlns:a14="http://schemas.microsoft.com/office/drawing/2010/main">
+                <a:effectLst>
+                  <a:outerShdw dist="35921" dir="2700000" algn="ctr" rotWithShape="0">
+                    <a:schemeClr val="bg2"/>
+                  </a:outerShdw>
+                </a:effectLst>
+              </a14:hiddenEffects>
+            </a:ext>
+          </a:extLst>
+        </p:spPr>
+        <p:txBody>
+          <a:bodyPr/>
+          <a:lstStyle/>
+          <a:p>
+            <a:pPr>
+              <a:buNone/>
+            </a:pPr>
+            <a:endParaRPr lang="ru-RU"/>
+          </a:p>
+        </p:txBody>
+      </p:sp>
+      <p:sp>
+        <p:nvSpPr>
+          <p:cNvPr id="38" name="Line 30"/>
+          <p:cNvSpPr>
+            <a:spLocks noChangeShapeType="1"/>
+          </p:cNvSpPr>
+          <p:nvPr/>
+        </p:nvSpPr>
+        <p:spPr bwMode="auto">
+          <a:xfrm flipV="1">
+            <a:off x="3644900" y="4991100"/>
+            <a:ext cx="304800" cy="355600"/>
+          </a:xfrm>
+          <a:prstGeom prst="line">
+            <a:avLst/>
+          </a:prstGeom>
+          <a:noFill/>
+          <a:ln w="3175">
+            <a:solidFill>
+              <a:schemeClr val="tx1"/>
+            </a:solidFill>
+            <a:prstDash val="sysDot"/>
+            <a:round/>
+            <a:headEnd/>
+            <a:tailEnd type="triangle" w="med" len="med"/>
+          </a:ln>
+          <a:effectLst/>
+          <a:extLst>
+            <a:ext uri="{909E8E84-426E-40DD-AFC4-6F175D3DCCD1}">
+              <a14:hiddenFill xmlns:a14="http://schemas.microsoft.com/office/drawing/2010/main">
+                <a:noFill/>
+              </a14:hiddenFill>
+            </a:ext>
+            <a:ext uri="{AF507438-7753-43E0-B8FC-AC1667EBCBE1}">
+              <a14:hiddenEffects xmlns:a14="http://schemas.microsoft.com/office/drawing/2010/main">
+                <a:effectLst>
+                  <a:outerShdw dist="35921" dir="2700000" algn="ctr" rotWithShape="0">
+                    <a:schemeClr val="bg2"/>
+                  </a:outerShdw>
+                </a:effectLst>
+              </a14:hiddenEffects>
+            </a:ext>
+          </a:extLst>
+        </p:spPr>
+        <p:txBody>
+          <a:bodyPr/>
+          <a:lstStyle/>
+          <a:p>
+            <a:pPr>
+              <a:buNone/>
+            </a:pPr>
+            <a:endParaRPr lang="ru-RU"/>
+          </a:p>
+        </p:txBody>
+      </p:sp>
+      <p:sp>
+        <p:nvSpPr>
+          <p:cNvPr id="39" name="Line 31"/>
+          <p:cNvSpPr>
+            <a:spLocks noChangeShapeType="1"/>
+          </p:cNvSpPr>
+          <p:nvPr/>
+        </p:nvSpPr>
+        <p:spPr bwMode="auto">
+          <a:xfrm flipV="1">
+            <a:off x="3937000" y="4965700"/>
+            <a:ext cx="787400" cy="393700"/>
+          </a:xfrm>
+          <a:prstGeom prst="line">
+            <a:avLst/>
+          </a:prstGeom>
+          <a:noFill/>
+          <a:ln w="9525">
+            <a:solidFill>
+              <a:schemeClr val="tx1"/>
+            </a:solidFill>
+            <a:prstDash val="sysDot"/>
+            <a:round/>
+            <a:headEnd/>
+            <a:tailEnd type="triangle" w="med" len="med"/>
+          </a:ln>
+          <a:effectLst/>
+          <a:extLst>
+            <a:ext uri="{909E8E84-426E-40DD-AFC4-6F175D3DCCD1}">
+              <a14:hiddenFill xmlns:a14="http://schemas.microsoft.com/office/drawing/2010/main">
+                <a:noFill/>
+              </a14:hiddenFill>
+            </a:ext>
+            <a:ext uri="{AF507438-7753-43E0-B8FC-AC1667EBCBE1}">
+              <a14:hiddenEffects xmlns:a14="http://schemas.microsoft.com/office/drawing/2010/main">
+                <a:effectLst>
+                  <a:outerShdw dist="35921" dir="2700000" algn="ctr" rotWithShape="0">
+                    <a:schemeClr val="bg2"/>
+                  </a:outerShdw>
+                </a:effectLst>
+              </a14:hiddenEffects>
+            </a:ext>
+          </a:extLst>
+        </p:spPr>
+        <p:txBody>
+          <a:bodyPr/>
+          <a:lstStyle/>
+          <a:p>
+            <a:pPr>
+              <a:buNone/>
+            </a:pPr>
+            <a:endParaRPr lang="ru-RU"/>
+          </a:p>
+        </p:txBody>
+      </p:sp>
+      <p:sp>
+        <p:nvSpPr>
+          <p:cNvPr id="40" name="Line 32"/>
+          <p:cNvSpPr>
+            <a:spLocks noChangeShapeType="1"/>
+          </p:cNvSpPr>
+          <p:nvPr/>
+        </p:nvSpPr>
+        <p:spPr bwMode="auto">
+          <a:xfrm flipV="1">
+            <a:off x="4267200" y="4762500"/>
+            <a:ext cx="1244600" cy="584200"/>
+          </a:xfrm>
+          <a:prstGeom prst="line">
+            <a:avLst/>
+          </a:prstGeom>
+          <a:noFill/>
+          <a:ln w="9525">
+            <a:solidFill>
+              <a:schemeClr val="tx1"/>
+            </a:solidFill>
+            <a:prstDash val="sysDot"/>
+            <a:round/>
+            <a:headEnd/>
+            <a:tailEnd type="triangle" w="med" len="med"/>
+          </a:ln>
+          <a:effectLst/>
+          <a:extLst>
+            <a:ext uri="{909E8E84-426E-40DD-AFC4-6F175D3DCCD1}">
+              <a14:hiddenFill xmlns:a14="http://schemas.microsoft.com/office/drawing/2010/main">
+                <a:noFill/>
+              </a14:hiddenFill>
+            </a:ext>
+            <a:ext uri="{AF507438-7753-43E0-B8FC-AC1667EBCBE1}">
+              <a14:hiddenEffects xmlns:a14="http://schemas.microsoft.com/office/drawing/2010/main">
+                <a:effectLst>
+                  <a:outerShdw dist="35921" dir="2700000" algn="ctr" rotWithShape="0">
+                    <a:schemeClr val="bg2"/>
+                  </a:outerShdw>
+                </a:effectLst>
+              </a14:hiddenEffects>
+            </a:ext>
+          </a:extLst>
+        </p:spPr>
+        <p:txBody>
+          <a:bodyPr/>
+          <a:lstStyle/>
+          <a:p>
+            <a:pPr>
+              <a:buNone/>
+            </a:pPr>
+            <a:endParaRPr lang="ru-RU"/>
+          </a:p>
+        </p:txBody>
+      </p:sp>
+      <p:sp>
+        <p:nvSpPr>
+          <p:cNvPr id="41" name="Rectangle 33"/>
+          <p:cNvSpPr>
+            <a:spLocks noChangeArrowheads="1"/>
+          </p:cNvSpPr>
+          <p:nvPr/>
+        </p:nvSpPr>
+        <p:spPr bwMode="auto">
+          <a:xfrm>
+            <a:off x="7518400" y="2260600"/>
+            <a:ext cx="317500" cy="88900"/>
+          </a:xfrm>
+          <a:prstGeom prst="rect">
+            <a:avLst/>
+          </a:prstGeom>
+          <a:solidFill>
+            <a:schemeClr val="bg1"/>
+          </a:solidFill>
+          <a:ln w="9525">
+            <a:solidFill>
+              <a:schemeClr val="tx1"/>
+            </a:solidFill>
+            <a:miter lim="800000"/>
+            <a:headEnd/>
+            <a:tailEnd/>
+          </a:ln>
+          <a:effectLst/>
+          <a:extLst>
+            <a:ext uri="{AF507438-7753-43E0-B8FC-AC1667EBCBE1}">
+              <a14:hiddenEffects xmlns:a14="http://schemas.microsoft.com/office/drawing/2010/main">
+                <a:effectLst>
+                  <a:outerShdw dist="35921" dir="2700000" algn="ctr" rotWithShape="0">
+                    <a:schemeClr val="bg2"/>
+                  </a:outerShdw>
+                </a:effectLst>
+              </a14:hiddenEffects>
+            </a:ext>
+          </a:extLst>
+        </p:spPr>
+        <p:txBody>
+          <a:bodyPr wrap="none" anchor="ctr"/>
+          <a:lstStyle/>
+          <a:p>
+            <a:pPr>
+              <a:buNone/>
+            </a:pPr>
+            <a:endParaRPr lang="ru-RU"/>
+          </a:p>
+        </p:txBody>
+      </p:sp>
+      <p:sp>
+        <p:nvSpPr>
+          <p:cNvPr id="42" name="Rectangle 34"/>
+          <p:cNvSpPr>
+            <a:spLocks noChangeArrowheads="1"/>
+          </p:cNvSpPr>
+          <p:nvPr/>
+        </p:nvSpPr>
+        <p:spPr bwMode="auto">
+          <a:xfrm>
+            <a:off x="7175500" y="2260600"/>
+            <a:ext cx="317500" cy="88900"/>
+          </a:xfrm>
+          <a:prstGeom prst="rect">
+            <a:avLst/>
+          </a:prstGeom>
+          <a:solidFill>
+            <a:schemeClr val="bg1"/>
+          </a:solidFill>
+          <a:ln w="9525">
+            <a:solidFill>
+              <a:schemeClr val="tx1"/>
+            </a:solidFill>
+            <a:miter lim="800000"/>
+            <a:headEnd/>
+            <a:tailEnd/>
+          </a:ln>
+          <a:effectLst/>
+          <a:extLst>
+            <a:ext uri="{AF507438-7753-43E0-B8FC-AC1667EBCBE1}">
+              <a14:hiddenEffects xmlns:a14="http://schemas.microsoft.com/office/drawing/2010/main">
+                <a:effectLst>
+                  <a:outerShdw dist="35921" dir="2700000" algn="ctr" rotWithShape="0">
+                    <a:schemeClr val="bg2"/>
+                  </a:outerShdw>
+                </a:effectLst>
+              </a14:hiddenEffects>
+            </a:ext>
+          </a:extLst>
+        </p:spPr>
+        <p:txBody>
+          <a:bodyPr wrap="none" anchor="ctr"/>
+          <a:lstStyle/>
+          <a:p>
+            <a:pPr>
+              <a:buNone/>
+            </a:pPr>
+            <a:endParaRPr lang="ru-RU"/>
+          </a:p>
+        </p:txBody>
+      </p:sp>
+      <p:sp>
+        <p:nvSpPr>
+          <p:cNvPr id="43" name="Rectangle 35"/>
+          <p:cNvSpPr>
+            <a:spLocks noChangeArrowheads="1"/>
+          </p:cNvSpPr>
+          <p:nvPr/>
+        </p:nvSpPr>
+        <p:spPr bwMode="auto">
+          <a:xfrm>
+            <a:off x="6832600" y="2260600"/>
+            <a:ext cx="317500" cy="88900"/>
+          </a:xfrm>
+          <a:prstGeom prst="rect">
+            <a:avLst/>
+          </a:prstGeom>
+          <a:solidFill>
+            <a:schemeClr val="bg1"/>
+          </a:solidFill>
+          <a:ln w="9525">
+            <a:solidFill>
+              <a:schemeClr val="tx1"/>
+            </a:solidFill>
+            <a:miter lim="800000"/>
+            <a:headEnd/>
+            <a:tailEnd/>
+          </a:ln>
+          <a:effectLst/>
+          <a:extLst>
+            <a:ext uri="{AF507438-7753-43E0-B8FC-AC1667EBCBE1}">
+              <a14:hiddenEffects xmlns:a14="http://schemas.microsoft.com/office/drawing/2010/main">
+                <a:effectLst>
+                  <a:outerShdw dist="35921" dir="2700000" algn="ctr" rotWithShape="0">
+                    <a:schemeClr val="bg2"/>
+                  </a:outerShdw>
+                </a:effectLst>
+              </a14:hiddenEffects>
+            </a:ext>
+          </a:extLst>
+        </p:spPr>
+        <p:txBody>
+          <a:bodyPr wrap="none" anchor="ctr"/>
+          <a:lstStyle/>
+          <a:p>
+            <a:pPr>
+              <a:buNone/>
+            </a:pPr>
+            <a:endParaRPr lang="ru-RU"/>
+          </a:p>
+        </p:txBody>
+      </p:sp>
+      <p:sp>
+        <p:nvSpPr>
+          <p:cNvPr id="44" name="Rectangle 36"/>
+          <p:cNvSpPr>
+            <a:spLocks noChangeArrowheads="1"/>
+          </p:cNvSpPr>
+          <p:nvPr/>
+        </p:nvSpPr>
+        <p:spPr bwMode="auto">
+          <a:xfrm>
+            <a:off x="6489700" y="2260600"/>
+            <a:ext cx="317500" cy="88900"/>
+          </a:xfrm>
+          <a:prstGeom prst="rect">
+            <a:avLst/>
+          </a:prstGeom>
+          <a:solidFill>
+            <a:schemeClr val="bg1"/>
+          </a:solidFill>
+          <a:ln w="9525">
+            <a:solidFill>
+              <a:schemeClr val="tx1"/>
+            </a:solidFill>
+            <a:miter lim="800000"/>
+            <a:headEnd/>
+            <a:tailEnd/>
+          </a:ln>
+          <a:effectLst/>
+          <a:extLst>
+            <a:ext uri="{AF507438-7753-43E0-B8FC-AC1667EBCBE1}">
+              <a14:hiddenEffects xmlns:a14="http://schemas.microsoft.com/office/drawing/2010/main">
+                <a:effectLst>
+                  <a:outerShdw dist="35921" dir="2700000" algn="ctr" rotWithShape="0">
+                    <a:schemeClr val="bg2"/>
+                  </a:outerShdw>
+                </a:effectLst>
+              </a14:hiddenEffects>
+            </a:ext>
+          </a:extLst>
+        </p:spPr>
+        <p:txBody>
+          <a:bodyPr wrap="none" anchor="ctr"/>
+          <a:lstStyle/>
+          <a:p>
+            <a:pPr>
+              <a:buNone/>
+            </a:pPr>
+            <a:endParaRPr lang="ru-RU"/>
+          </a:p>
+        </p:txBody>
+      </p:sp>
+      <p:sp>
+        <p:nvSpPr>
+          <p:cNvPr id="45" name="Rectangle 37"/>
+          <p:cNvSpPr>
+            <a:spLocks noChangeArrowheads="1"/>
+          </p:cNvSpPr>
+          <p:nvPr/>
+        </p:nvSpPr>
+        <p:spPr bwMode="auto">
+          <a:xfrm>
+            <a:off x="6146800" y="2260600"/>
+            <a:ext cx="317500" cy="88900"/>
+          </a:xfrm>
+          <a:prstGeom prst="rect">
+            <a:avLst/>
+          </a:prstGeom>
+          <a:solidFill>
+            <a:schemeClr val="bg1"/>
+          </a:solidFill>
+          <a:ln w="9525">
+            <a:solidFill>
+              <a:schemeClr val="tx1"/>
+            </a:solidFill>
+            <a:miter lim="800000"/>
+            <a:headEnd/>
+            <a:tailEnd/>
+          </a:ln>
+          <a:effectLst/>
+          <a:extLst>
+            <a:ext uri="{AF507438-7753-43E0-B8FC-AC1667EBCBE1}">
+              <a14:hiddenEffects xmlns:a14="http://schemas.microsoft.com/office/drawing/2010/main">
+                <a:effectLst>
+                  <a:outerShdw dist="35921" dir="2700000" algn="ctr" rotWithShape="0">
+                    <a:schemeClr val="bg2"/>
+                  </a:outerShdw>
+                </a:effectLst>
+              </a14:hiddenEffects>
+            </a:ext>
+          </a:extLst>
+        </p:spPr>
+        <p:txBody>
+          <a:bodyPr wrap="none" anchor="ctr"/>
+          <a:lstStyle/>
+          <a:p>
+            <a:pPr>
+              <a:buNone/>
+            </a:pPr>
+            <a:endParaRPr lang="ru-RU"/>
+          </a:p>
+        </p:txBody>
+      </p:sp>
+      <p:sp>
+        <p:nvSpPr>
+          <p:cNvPr id="46" name="Rectangle 38"/>
+          <p:cNvSpPr>
+            <a:spLocks noChangeArrowheads="1"/>
+          </p:cNvSpPr>
+          <p:nvPr/>
+        </p:nvSpPr>
+        <p:spPr bwMode="auto">
+          <a:xfrm>
+            <a:off x="7861300" y="2260600"/>
+            <a:ext cx="215900" cy="88900"/>
+          </a:xfrm>
+          <a:prstGeom prst="rect">
+            <a:avLst/>
+          </a:prstGeom>
+          <a:solidFill>
+            <a:srgbClr val="EAEAEA"/>
+          </a:solidFill>
+          <a:ln w="9525">
+            <a:solidFill>
+              <a:schemeClr val="tx1"/>
+            </a:solidFill>
+            <a:miter lim="800000"/>
+            <a:headEnd/>
+            <a:tailEnd/>
+          </a:ln>
+          <a:effectLst/>
+          <a:extLst>
+            <a:ext uri="{AF507438-7753-43E0-B8FC-AC1667EBCBE1}">
+              <a14:hiddenEffects xmlns:a14="http://schemas.microsoft.com/office/drawing/2010/main">
+                <a:effectLst>
+                  <a:outerShdw dist="35921" dir="2700000" algn="ctr" rotWithShape="0">
+                    <a:schemeClr val="bg2"/>
+                  </a:outerShdw>
+                </a:effectLst>
+              </a14:hiddenEffects>
+            </a:ext>
+          </a:extLst>
+        </p:spPr>
+        <p:txBody>
+          <a:bodyPr wrap="none" anchor="ctr"/>
+          <a:lstStyle/>
+          <a:p>
+            <a:pPr>
+              <a:buNone/>
+            </a:pPr>
+            <a:endParaRPr lang="ru-RU"/>
+          </a:p>
+        </p:txBody>
+      </p:sp>
+      <p:sp>
+        <p:nvSpPr>
+          <p:cNvPr id="47" name="Rectangle 39"/>
+          <p:cNvSpPr>
+            <a:spLocks noChangeArrowheads="1"/>
+          </p:cNvSpPr>
+          <p:nvPr/>
+        </p:nvSpPr>
+        <p:spPr bwMode="auto">
+          <a:xfrm>
+            <a:off x="3124200" y="5918200"/>
+            <a:ext cx="2133600" cy="431800"/>
+          </a:xfrm>
+          <a:prstGeom prst="rect">
+            <a:avLst/>
+          </a:prstGeom>
+          <a:solidFill>
+            <a:srgbClr val="EAEAEA"/>
+          </a:solidFill>
+          <a:ln w="9525">
+            <a:solidFill>
+              <a:schemeClr val="tx1"/>
+            </a:solidFill>
+            <a:miter lim="800000"/>
+            <a:headEnd/>
+            <a:tailEnd/>
+          </a:ln>
+          <a:effectLst/>
+          <a:extLst>
+            <a:ext uri="{AF507438-7753-43E0-B8FC-AC1667EBCBE1}">
+              <a14:hiddenEffects xmlns:a14="http://schemas.microsoft.com/office/drawing/2010/main">
+                <a:effectLst>
+                  <a:outerShdw dist="35921" dir="2700000" algn="ctr" rotWithShape="0">
+                    <a:schemeClr val="bg2"/>
+                  </a:outerShdw>
+                </a:effectLst>
+              </a14:hiddenEffects>
+            </a:ext>
+          </a:extLst>
+        </p:spPr>
+        <p:txBody>
+          <a:bodyPr wrap="none" anchor="ctr"/>
+          <a:lstStyle/>
+          <a:p>
+            <a:pPr>
+              <a:buNone/>
+            </a:pPr>
+            <a:endParaRPr lang="ru-RU"/>
+          </a:p>
+        </p:txBody>
+      </p:sp>
+      <p:sp>
+        <p:nvSpPr>
+          <p:cNvPr id="48" name="Text Box 40"/>
+          <p:cNvSpPr txBox="1">
+            <a:spLocks noChangeArrowheads="1"/>
+          </p:cNvSpPr>
+          <p:nvPr/>
+        </p:nvSpPr>
+        <p:spPr bwMode="auto">
+          <a:xfrm>
+            <a:off x="3238500" y="5981700"/>
+            <a:ext cx="1930400" cy="400110"/>
+          </a:xfrm>
+          <a:prstGeom prst="rect">
+            <a:avLst/>
+          </a:prstGeom>
+          <a:noFill/>
+          <a:ln>
+            <a:noFill/>
+          </a:ln>
+          <a:effectLst/>
+          <a:extLst>
+            <a:ext uri="{909E8E84-426E-40DD-AFC4-6F175D3DCCD1}">
+              <a14:hiddenFill xmlns:a14="http://schemas.microsoft.com/office/drawing/2010/main">
+                <a:solidFill>
+                  <a:schemeClr val="accent1"/>
+                </a:solidFill>
+              </a14:hiddenFill>
+            </a:ext>
+            <a:ext uri="{91240B29-F687-4F45-9708-019B960494DF}">
+              <a14:hiddenLine xmlns:a14="http://schemas.microsoft.com/office/drawing/2010/main" w="9525">
+                <a:solidFill>
+                  <a:schemeClr val="tx1"/>
+                </a:solidFill>
+                <a:miter lim="800000"/>
+                <a:headEnd/>
+                <a:tailEnd/>
+              </a14:hiddenLine>
+            </a:ext>
+            <a:ext uri="{AF507438-7753-43E0-B8FC-AC1667EBCBE1}">
+              <a14:hiddenEffects xmlns:a14="http://schemas.microsoft.com/office/drawing/2010/main">
+                <a:effectLst>
+                  <a:outerShdw dist="35921" dir="2700000" algn="ctr" rotWithShape="0">
+                    <a:schemeClr val="bg2"/>
+                  </a:outerShdw>
+                </a:effectLst>
+              </a14:hiddenEffects>
+            </a:ext>
+          </a:extLst>
+        </p:spPr>
+        <p:txBody>
+          <a:bodyPr>
+            <a:spAutoFit/>
+          </a:bodyPr>
+          <a:lstStyle/>
+          <a:p>
+            <a:pPr algn="ctr">
+              <a:spcBef>
+                <a:spcPct val="50000"/>
+              </a:spcBef>
+              <a:buNone/>
+            </a:pPr>
+            <a:r>
+              <a:rPr lang="ru-RU" altLang="ru-RU"/>
+              <a:t>Протокол </a:t>
+            </a:r>
+            <a:r>
+              <a:rPr lang="en-GB" altLang="ru-RU"/>
+              <a:t>IP</a:t>
+            </a:r>
+            <a:endParaRPr lang="ru-RU" altLang="ru-RU"/>
+          </a:p>
+        </p:txBody>
+      </p:sp>
+      <p:sp>
+        <p:nvSpPr>
+          <p:cNvPr id="49" name="Text Box 41"/>
+          <p:cNvSpPr txBox="1">
+            <a:spLocks noChangeArrowheads="1"/>
+          </p:cNvSpPr>
+          <p:nvPr/>
+        </p:nvSpPr>
+        <p:spPr bwMode="auto">
+          <a:xfrm>
+            <a:off x="3238500" y="3619500"/>
+            <a:ext cx="1993900" cy="400110"/>
+          </a:xfrm>
+          <a:prstGeom prst="rect">
+            <a:avLst/>
+          </a:prstGeom>
+          <a:noFill/>
+          <a:ln>
+            <a:noFill/>
+          </a:ln>
+          <a:effectLst/>
+          <a:extLst>
+            <a:ext uri="{909E8E84-426E-40DD-AFC4-6F175D3DCCD1}">
+              <a14:hiddenFill xmlns:a14="http://schemas.microsoft.com/office/drawing/2010/main">
+                <a:solidFill>
+                  <a:schemeClr val="accent1"/>
+                </a:solidFill>
+              </a14:hiddenFill>
+            </a:ext>
+            <a:ext uri="{91240B29-F687-4F45-9708-019B960494DF}">
+              <a14:hiddenLine xmlns:a14="http://schemas.microsoft.com/office/drawing/2010/main" w="9525">
+                <a:solidFill>
+                  <a:schemeClr val="tx1"/>
+                </a:solidFill>
+                <a:miter lim="800000"/>
+                <a:headEnd/>
+                <a:tailEnd/>
+              </a14:hiddenLine>
+            </a:ext>
+            <a:ext uri="{AF507438-7753-43E0-B8FC-AC1667EBCBE1}">
+              <a14:hiddenEffects xmlns:a14="http://schemas.microsoft.com/office/drawing/2010/main">
+                <a:effectLst>
+                  <a:outerShdw dist="35921" dir="2700000" algn="ctr" rotWithShape="0">
+                    <a:schemeClr val="bg2"/>
+                  </a:outerShdw>
+                </a:effectLst>
+              </a14:hiddenEffects>
+            </a:ext>
+          </a:extLst>
+        </p:spPr>
+        <p:txBody>
+          <a:bodyPr>
+            <a:spAutoFit/>
+          </a:bodyPr>
+          <a:lstStyle/>
+          <a:p>
+            <a:pPr algn="ctr">
+              <a:spcBef>
+                <a:spcPct val="50000"/>
+              </a:spcBef>
+              <a:buNone/>
+            </a:pPr>
+            <a:r>
+              <a:rPr lang="ru-RU" altLang="ru-RU"/>
+              <a:t>Маршрутизатор</a:t>
+            </a:r>
+          </a:p>
+        </p:txBody>
+      </p:sp>
+      <p:sp>
+        <p:nvSpPr>
+          <p:cNvPr id="50" name="Text Box 42"/>
+          <p:cNvSpPr txBox="1">
+            <a:spLocks noChangeArrowheads="1"/>
+          </p:cNvSpPr>
+          <p:nvPr/>
+        </p:nvSpPr>
+        <p:spPr bwMode="auto">
+          <a:xfrm>
+            <a:off x="3695700" y="4394200"/>
+            <a:ext cx="1371600" cy="304800"/>
+          </a:xfrm>
+          <a:prstGeom prst="rect">
+            <a:avLst/>
+          </a:prstGeom>
+          <a:noFill/>
+          <a:ln>
+            <a:noFill/>
+          </a:ln>
+          <a:effectLst/>
+          <a:extLst>
+            <a:ext uri="{909E8E84-426E-40DD-AFC4-6F175D3DCCD1}">
+              <a14:hiddenFill xmlns:a14="http://schemas.microsoft.com/office/drawing/2010/main">
+                <a:solidFill>
+                  <a:schemeClr val="accent1"/>
+                </a:solidFill>
+              </a14:hiddenFill>
+            </a:ext>
+            <a:ext uri="{91240B29-F687-4F45-9708-019B960494DF}">
+              <a14:hiddenLine xmlns:a14="http://schemas.microsoft.com/office/drawing/2010/main" w="9525">
+                <a:solidFill>
+                  <a:schemeClr val="tx1"/>
+                </a:solidFill>
+                <a:miter lim="800000"/>
+                <a:headEnd/>
+                <a:tailEnd/>
+              </a14:hiddenLine>
+            </a:ext>
+            <a:ext uri="{AF507438-7753-43E0-B8FC-AC1667EBCBE1}">
+              <a14:hiddenEffects xmlns:a14="http://schemas.microsoft.com/office/drawing/2010/main">
+                <a:effectLst>
+                  <a:outerShdw dist="35921" dir="2700000" algn="ctr" rotWithShape="0">
+                    <a:schemeClr val="bg2"/>
+                  </a:outerShdw>
+                </a:effectLst>
+              </a14:hiddenEffects>
+            </a:ext>
+          </a:extLst>
+        </p:spPr>
+        <p:txBody>
+          <a:bodyPr>
+            <a:spAutoFit/>
+          </a:bodyPr>
+          <a:lstStyle/>
+          <a:p>
+            <a:pPr>
+              <a:spcBef>
+                <a:spcPct val="50000"/>
+              </a:spcBef>
+              <a:buNone/>
+            </a:pPr>
+            <a:r>
+              <a:rPr lang="en-GB" altLang="ru-RU" sz="1400"/>
+              <a:t>IP </a:t>
+            </a:r>
+            <a:r>
+              <a:rPr lang="ru-RU" altLang="ru-RU" sz="1400"/>
+              <a:t>фрагменты</a:t>
+            </a:r>
+          </a:p>
+        </p:txBody>
+      </p:sp>
+      <p:sp>
+        <p:nvSpPr>
+          <p:cNvPr id="51" name="Text Box 43"/>
+          <p:cNvSpPr txBox="1">
+            <a:spLocks noChangeArrowheads="1"/>
+          </p:cNvSpPr>
+          <p:nvPr/>
+        </p:nvSpPr>
+        <p:spPr bwMode="auto">
+          <a:xfrm>
+            <a:off x="685800" y="5664200"/>
+            <a:ext cx="1854200" cy="707886"/>
+          </a:xfrm>
+          <a:prstGeom prst="rect">
+            <a:avLst/>
+          </a:prstGeom>
+          <a:noFill/>
+          <a:ln>
+            <a:noFill/>
+          </a:ln>
+          <a:effectLst/>
+          <a:extLst>
+            <a:ext uri="{909E8E84-426E-40DD-AFC4-6F175D3DCCD1}">
+              <a14:hiddenFill xmlns:a14="http://schemas.microsoft.com/office/drawing/2010/main">
+                <a:solidFill>
+                  <a:schemeClr val="accent1"/>
+                </a:solidFill>
+              </a14:hiddenFill>
+            </a:ext>
+            <a:ext uri="{91240B29-F687-4F45-9708-019B960494DF}">
+              <a14:hiddenLine xmlns:a14="http://schemas.microsoft.com/office/drawing/2010/main" w="9525">
+                <a:solidFill>
+                  <a:schemeClr val="tx1"/>
+                </a:solidFill>
+                <a:miter lim="800000"/>
+                <a:headEnd/>
+                <a:tailEnd/>
+              </a14:hiddenLine>
+            </a:ext>
+            <a:ext uri="{AF507438-7753-43E0-B8FC-AC1667EBCBE1}">
+              <a14:hiddenEffects xmlns:a14="http://schemas.microsoft.com/office/drawing/2010/main">
+                <a:effectLst>
+                  <a:outerShdw dist="35921" dir="2700000" algn="ctr" rotWithShape="0">
+                    <a:schemeClr val="bg2"/>
+                  </a:outerShdw>
+                </a:effectLst>
+              </a14:hiddenEffects>
+            </a:ext>
+          </a:extLst>
+        </p:spPr>
+        <p:txBody>
+          <a:bodyPr wrap="square">
+            <a:spAutoFit/>
+          </a:bodyPr>
+          <a:lstStyle/>
+          <a:p>
+            <a:pPr>
+              <a:spcBef>
+                <a:spcPct val="50000"/>
+              </a:spcBef>
+              <a:buNone/>
+            </a:pPr>
+            <a:r>
+              <a:rPr lang="en-GB" altLang="ru-RU" dirty="0"/>
+              <a:t>Token Ring      MTU =17914              </a:t>
+            </a:r>
+            <a:endParaRPr lang="ru-RU" altLang="ru-RU" dirty="0"/>
+          </a:p>
+        </p:txBody>
+      </p:sp>
+      <p:sp>
+        <p:nvSpPr>
+          <p:cNvPr id="52" name="Text Box 44"/>
+          <p:cNvSpPr txBox="1">
+            <a:spLocks noChangeArrowheads="1"/>
+          </p:cNvSpPr>
+          <p:nvPr/>
+        </p:nvSpPr>
+        <p:spPr bwMode="auto">
+          <a:xfrm>
+            <a:off x="6261100" y="5080000"/>
+            <a:ext cx="2159000" cy="707886"/>
+          </a:xfrm>
+          <a:prstGeom prst="rect">
+            <a:avLst/>
+          </a:prstGeom>
+          <a:noFill/>
+          <a:ln>
+            <a:noFill/>
+          </a:ln>
+          <a:effectLst/>
+          <a:extLst>
+            <a:ext uri="{909E8E84-426E-40DD-AFC4-6F175D3DCCD1}">
+              <a14:hiddenFill xmlns:a14="http://schemas.microsoft.com/office/drawing/2010/main">
+                <a:solidFill>
+                  <a:schemeClr val="accent1"/>
+                </a:solidFill>
+              </a14:hiddenFill>
+            </a:ext>
+            <a:ext uri="{91240B29-F687-4F45-9708-019B960494DF}">
+              <a14:hiddenLine xmlns:a14="http://schemas.microsoft.com/office/drawing/2010/main" w="9525">
+                <a:solidFill>
+                  <a:schemeClr val="tx1"/>
+                </a:solidFill>
+                <a:miter lim="800000"/>
+                <a:headEnd/>
+                <a:tailEnd/>
+              </a14:hiddenLine>
+            </a:ext>
+            <a:ext uri="{AF507438-7753-43E0-B8FC-AC1667EBCBE1}">
+              <a14:hiddenEffects xmlns:a14="http://schemas.microsoft.com/office/drawing/2010/main">
+                <a:effectLst>
+                  <a:outerShdw dist="35921" dir="2700000" algn="ctr" rotWithShape="0">
+                    <a:schemeClr val="bg2"/>
+                  </a:outerShdw>
+                </a:effectLst>
+              </a14:hiddenEffects>
+            </a:ext>
+          </a:extLst>
+        </p:spPr>
+        <p:txBody>
+          <a:bodyPr wrap="square">
+            <a:spAutoFit/>
+          </a:bodyPr>
+          <a:lstStyle/>
+          <a:p>
+            <a:pPr>
+              <a:spcBef>
+                <a:spcPct val="50000"/>
+              </a:spcBef>
+              <a:buNone/>
+            </a:pPr>
+            <a:r>
+              <a:rPr lang="en-GB" altLang="ru-RU" dirty="0"/>
+              <a:t>Ethernet MTU=1492</a:t>
+            </a:r>
+            <a:endParaRPr lang="ru-RU" altLang="ru-RU" dirty="0"/>
+          </a:p>
+        </p:txBody>
+      </p:sp>
+      <p:sp>
+        <p:nvSpPr>
+          <p:cNvPr id="53" name="Rectangle 45"/>
+          <p:cNvSpPr>
+            <a:spLocks noChangeArrowheads="1"/>
+          </p:cNvSpPr>
+          <p:nvPr/>
+        </p:nvSpPr>
+        <p:spPr bwMode="auto">
+          <a:xfrm>
+            <a:off x="6045200" y="2717800"/>
+            <a:ext cx="2133600" cy="381000"/>
+          </a:xfrm>
+          <a:prstGeom prst="rect">
+            <a:avLst/>
+          </a:prstGeom>
+          <a:solidFill>
+            <a:srgbClr val="EAEAEA"/>
+          </a:solidFill>
+          <a:ln w="9525">
+            <a:solidFill>
+              <a:schemeClr val="tx1"/>
+            </a:solidFill>
+            <a:miter lim="800000"/>
+            <a:headEnd/>
+            <a:tailEnd/>
+          </a:ln>
+          <a:effectLst/>
+          <a:extLst>
+            <a:ext uri="{AF507438-7753-43E0-B8FC-AC1667EBCBE1}">
+              <a14:hiddenEffects xmlns:a14="http://schemas.microsoft.com/office/drawing/2010/main">
+                <a:effectLst>
+                  <a:outerShdw dist="35921" dir="2700000" algn="ctr" rotWithShape="0">
+                    <a:schemeClr val="bg2"/>
+                  </a:outerShdw>
+                </a:effectLst>
+              </a14:hiddenEffects>
+            </a:ext>
+          </a:extLst>
+        </p:spPr>
+        <p:txBody>
+          <a:bodyPr wrap="none" anchor="ctr"/>
+          <a:lstStyle/>
+          <a:p>
+            <a:pPr>
+              <a:buNone/>
+            </a:pPr>
+            <a:endParaRPr lang="ru-RU"/>
+          </a:p>
+        </p:txBody>
+      </p:sp>
+      <p:sp>
+        <p:nvSpPr>
+          <p:cNvPr id="54" name="Text Box 46"/>
+          <p:cNvSpPr txBox="1">
+            <a:spLocks noChangeArrowheads="1"/>
+          </p:cNvSpPr>
+          <p:nvPr/>
+        </p:nvSpPr>
+        <p:spPr bwMode="auto">
+          <a:xfrm>
+            <a:off x="6146800" y="2705100"/>
+            <a:ext cx="1930400" cy="400110"/>
+          </a:xfrm>
+          <a:prstGeom prst="rect">
+            <a:avLst/>
+          </a:prstGeom>
+          <a:noFill/>
+          <a:ln>
+            <a:noFill/>
+          </a:ln>
+          <a:effectLst/>
+          <a:extLst>
+            <a:ext uri="{909E8E84-426E-40DD-AFC4-6F175D3DCCD1}">
+              <a14:hiddenFill xmlns:a14="http://schemas.microsoft.com/office/drawing/2010/main">
+                <a:solidFill>
+                  <a:schemeClr val="accent1"/>
+                </a:solidFill>
+              </a14:hiddenFill>
+            </a:ext>
+            <a:ext uri="{91240B29-F687-4F45-9708-019B960494DF}">
+              <a14:hiddenLine xmlns:a14="http://schemas.microsoft.com/office/drawing/2010/main" w="9525">
+                <a:solidFill>
+                  <a:schemeClr val="tx1"/>
+                </a:solidFill>
+                <a:miter lim="800000"/>
+                <a:headEnd/>
+                <a:tailEnd/>
+              </a14:hiddenLine>
+            </a:ext>
+            <a:ext uri="{AF507438-7753-43E0-B8FC-AC1667EBCBE1}">
+              <a14:hiddenEffects xmlns:a14="http://schemas.microsoft.com/office/drawing/2010/main">
+                <a:effectLst>
+                  <a:outerShdw dist="35921" dir="2700000" algn="ctr" rotWithShape="0">
+                    <a:schemeClr val="bg2"/>
+                  </a:outerShdw>
+                </a:effectLst>
+              </a14:hiddenEffects>
+            </a:ext>
+          </a:extLst>
+        </p:spPr>
+        <p:txBody>
+          <a:bodyPr>
+            <a:spAutoFit/>
+          </a:bodyPr>
+          <a:lstStyle/>
+          <a:p>
+            <a:pPr algn="ctr">
+              <a:spcBef>
+                <a:spcPct val="50000"/>
+              </a:spcBef>
+              <a:buNone/>
+            </a:pPr>
+            <a:r>
+              <a:rPr lang="ru-RU" altLang="ru-RU"/>
+              <a:t>Протокол </a:t>
+            </a:r>
+            <a:r>
+              <a:rPr lang="en-GB" altLang="ru-RU"/>
+              <a:t>IP</a:t>
+            </a:r>
+            <a:endParaRPr lang="ru-RU" altLang="ru-RU"/>
+          </a:p>
+        </p:txBody>
+      </p:sp>
+      <p:sp>
+        <p:nvSpPr>
+          <p:cNvPr id="55" name="AutoShape 47"/>
+          <p:cNvSpPr>
+            <a:spLocks/>
+          </p:cNvSpPr>
+          <p:nvPr/>
+        </p:nvSpPr>
+        <p:spPr bwMode="auto">
+          <a:xfrm rot="5400000">
+            <a:off x="6991350" y="1098550"/>
+            <a:ext cx="241300" cy="1917700"/>
+          </a:xfrm>
+          <a:prstGeom prst="leftBrace">
+            <a:avLst>
+              <a:gd name="adj1" fmla="val 66228"/>
+              <a:gd name="adj2" fmla="val 50000"/>
+            </a:avLst>
+          </a:prstGeom>
+          <a:noFill/>
+          <a:ln w="9525">
+            <a:solidFill>
+              <a:schemeClr val="tx1"/>
+            </a:solidFill>
+            <a:round/>
+            <a:headEnd/>
+            <a:tailEnd/>
+          </a:ln>
+          <a:effectLst/>
+          <a:extLst>
+            <a:ext uri="{909E8E84-426E-40DD-AFC4-6F175D3DCCD1}">
+              <a14:hiddenFill xmlns:a14="http://schemas.microsoft.com/office/drawing/2010/main">
+                <a:solidFill>
+                  <a:schemeClr val="accent1"/>
+                </a:solidFill>
+              </a14:hiddenFill>
+            </a:ext>
+            <a:ext uri="{AF507438-7753-43E0-B8FC-AC1667EBCBE1}">
+              <a14:hiddenEffects xmlns:a14="http://schemas.microsoft.com/office/drawing/2010/main">
+                <a:effectLst>
+                  <a:outerShdw dist="35921" dir="2700000" algn="ctr" rotWithShape="0">
+                    <a:schemeClr val="bg2"/>
+                  </a:outerShdw>
+                </a:effectLst>
+              </a14:hiddenEffects>
+            </a:ext>
+          </a:extLst>
+        </p:spPr>
+        <p:txBody>
+          <a:bodyPr wrap="none" anchor="ctr"/>
+          <a:lstStyle/>
+          <a:p>
+            <a:pPr>
+              <a:buNone/>
+            </a:pPr>
+            <a:endParaRPr lang="ru-RU"/>
+          </a:p>
+        </p:txBody>
+      </p:sp>
+      <p:sp>
+        <p:nvSpPr>
+          <p:cNvPr id="56" name="Text Box 48"/>
+          <p:cNvSpPr txBox="1">
+            <a:spLocks noChangeArrowheads="1"/>
+          </p:cNvSpPr>
+          <p:nvPr/>
+        </p:nvSpPr>
+        <p:spPr bwMode="auto">
+          <a:xfrm>
+            <a:off x="5956300" y="1689100"/>
+            <a:ext cx="2159000" cy="304800"/>
+          </a:xfrm>
+          <a:prstGeom prst="rect">
+            <a:avLst/>
+          </a:prstGeom>
+          <a:noFill/>
+          <a:ln>
+            <a:noFill/>
+          </a:ln>
+          <a:effectLst/>
+          <a:extLst>
+            <a:ext uri="{909E8E84-426E-40DD-AFC4-6F175D3DCCD1}">
+              <a14:hiddenFill xmlns:a14="http://schemas.microsoft.com/office/drawing/2010/main">
+                <a:solidFill>
+                  <a:schemeClr val="accent1"/>
+                </a:solidFill>
+              </a14:hiddenFill>
+            </a:ext>
+            <a:ext uri="{91240B29-F687-4F45-9708-019B960494DF}">
+              <a14:hiddenLine xmlns:a14="http://schemas.microsoft.com/office/drawing/2010/main" w="9525">
+                <a:solidFill>
+                  <a:schemeClr val="tx1"/>
+                </a:solidFill>
+                <a:miter lim="800000"/>
+                <a:headEnd/>
+                <a:tailEnd/>
+              </a14:hiddenLine>
+            </a:ext>
+            <a:ext uri="{AF507438-7753-43E0-B8FC-AC1667EBCBE1}">
+              <a14:hiddenEffects xmlns:a14="http://schemas.microsoft.com/office/drawing/2010/main">
+                <a:effectLst>
+                  <a:outerShdw dist="35921" dir="2700000" algn="ctr" rotWithShape="0">
+                    <a:schemeClr val="bg2"/>
+                  </a:outerShdw>
+                </a:effectLst>
+              </a14:hiddenEffects>
+            </a:ext>
+          </a:extLst>
+        </p:spPr>
+        <p:txBody>
+          <a:bodyPr>
+            <a:spAutoFit/>
+          </a:bodyPr>
+          <a:lstStyle/>
+          <a:p>
+            <a:pPr algn="ctr">
+              <a:spcBef>
+                <a:spcPct val="50000"/>
+              </a:spcBef>
+              <a:buNone/>
+            </a:pPr>
+            <a:r>
+              <a:rPr lang="ru-RU" altLang="ru-RU" sz="1400"/>
+              <a:t>Собранный </a:t>
+            </a:r>
+            <a:r>
+              <a:rPr lang="en-GB" altLang="ru-RU" sz="1400"/>
+              <a:t> IP </a:t>
+            </a:r>
+            <a:r>
+              <a:rPr lang="ru-RU" altLang="ru-RU" sz="1400"/>
+              <a:t>пакет</a:t>
+            </a:r>
+          </a:p>
+        </p:txBody>
+      </p:sp>
+      <p:sp>
+        <p:nvSpPr>
+          <p:cNvPr id="57" name="Text Box 49"/>
+          <p:cNvSpPr txBox="1">
+            <a:spLocks noChangeArrowheads="1"/>
+          </p:cNvSpPr>
+          <p:nvPr/>
+        </p:nvSpPr>
+        <p:spPr bwMode="auto">
+          <a:xfrm>
+            <a:off x="6248400" y="901700"/>
+            <a:ext cx="1638300" cy="400110"/>
+          </a:xfrm>
+          <a:prstGeom prst="rect">
+            <a:avLst/>
+          </a:prstGeom>
+          <a:noFill/>
+          <a:ln>
+            <a:noFill/>
+          </a:ln>
+          <a:effectLst/>
+          <a:extLst>
+            <a:ext uri="{909E8E84-426E-40DD-AFC4-6F175D3DCCD1}">
+              <a14:hiddenFill xmlns:a14="http://schemas.microsoft.com/office/drawing/2010/main">
+                <a:solidFill>
+                  <a:schemeClr val="accent1"/>
+                </a:solidFill>
+              </a14:hiddenFill>
+            </a:ext>
+            <a:ext uri="{91240B29-F687-4F45-9708-019B960494DF}">
+              <a14:hiddenLine xmlns:a14="http://schemas.microsoft.com/office/drawing/2010/main" w="9525">
+                <a:solidFill>
+                  <a:schemeClr val="tx1"/>
+                </a:solidFill>
+                <a:miter lim="800000"/>
+                <a:headEnd/>
+                <a:tailEnd/>
+              </a14:hiddenLine>
+            </a:ext>
+            <a:ext uri="{AF507438-7753-43E0-B8FC-AC1667EBCBE1}">
+              <a14:hiddenEffects xmlns:a14="http://schemas.microsoft.com/office/drawing/2010/main">
+                <a:effectLst>
+                  <a:outerShdw dist="35921" dir="2700000" algn="ctr" rotWithShape="0">
+                    <a:schemeClr val="bg2"/>
+                  </a:outerShdw>
+                </a:effectLst>
+              </a14:hiddenEffects>
+            </a:ext>
+          </a:extLst>
+        </p:spPr>
+        <p:txBody>
+          <a:bodyPr>
+            <a:spAutoFit/>
+          </a:bodyPr>
+          <a:lstStyle/>
+          <a:p>
+            <a:pPr>
+              <a:spcBef>
+                <a:spcPct val="50000"/>
+              </a:spcBef>
+              <a:buNone/>
+            </a:pPr>
+            <a:r>
+              <a:rPr lang="ru-RU" altLang="ru-RU"/>
+              <a:t>Получатель</a:t>
+            </a:r>
+          </a:p>
+        </p:txBody>
+      </p:sp>
+      <p:sp>
+        <p:nvSpPr>
+          <p:cNvPr id="58" name="Rectangle 50"/>
+          <p:cNvSpPr>
+            <a:spLocks noChangeArrowheads="1"/>
+          </p:cNvSpPr>
+          <p:nvPr/>
+        </p:nvSpPr>
+        <p:spPr bwMode="auto">
+          <a:xfrm>
+            <a:off x="6972300" y="3162300"/>
+            <a:ext cx="508000" cy="42863"/>
+          </a:xfrm>
+          <a:prstGeom prst="rect">
+            <a:avLst/>
+          </a:prstGeom>
+          <a:solidFill>
+            <a:schemeClr val="bg1"/>
+          </a:solidFill>
+          <a:ln w="9525">
+            <a:solidFill>
+              <a:schemeClr val="tx1"/>
+            </a:solidFill>
+            <a:miter lim="800000"/>
+            <a:headEnd/>
+            <a:tailEnd/>
+          </a:ln>
+          <a:effectLst/>
+          <a:extLst>
+            <a:ext uri="{AF507438-7753-43E0-B8FC-AC1667EBCBE1}">
+              <a14:hiddenEffects xmlns:a14="http://schemas.microsoft.com/office/drawing/2010/main">
+                <a:effectLst>
+                  <a:outerShdw dist="35921" dir="2700000" algn="ctr" rotWithShape="0">
+                    <a:schemeClr val="bg2"/>
+                  </a:outerShdw>
+                </a:effectLst>
+              </a14:hiddenEffects>
+            </a:ext>
+          </a:extLst>
+        </p:spPr>
+        <p:txBody>
+          <a:bodyPr wrap="none" anchor="ctr"/>
+          <a:lstStyle/>
+          <a:p>
+            <a:pPr>
+              <a:buNone/>
+            </a:pPr>
+            <a:endParaRPr lang="ru-RU"/>
+          </a:p>
+        </p:txBody>
+      </p:sp>
+      <p:sp>
+        <p:nvSpPr>
+          <p:cNvPr id="59" name="Rectangle 51"/>
+          <p:cNvSpPr>
+            <a:spLocks noChangeArrowheads="1"/>
+          </p:cNvSpPr>
+          <p:nvPr/>
+        </p:nvSpPr>
+        <p:spPr bwMode="auto">
+          <a:xfrm>
+            <a:off x="5384800" y="4965700"/>
+            <a:ext cx="42863" cy="279400"/>
+          </a:xfrm>
+          <a:prstGeom prst="rect">
+            <a:avLst/>
+          </a:prstGeom>
+          <a:solidFill>
+            <a:schemeClr val="bg1"/>
+          </a:solidFill>
+          <a:ln w="9525">
+            <a:solidFill>
+              <a:schemeClr val="tx1"/>
+            </a:solidFill>
+            <a:miter lim="800000"/>
+            <a:headEnd/>
+            <a:tailEnd/>
+          </a:ln>
+          <a:effectLst/>
+          <a:extLst>
+            <a:ext uri="{AF507438-7753-43E0-B8FC-AC1667EBCBE1}">
+              <a14:hiddenEffects xmlns:a14="http://schemas.microsoft.com/office/drawing/2010/main">
+                <a:effectLst>
+                  <a:outerShdw dist="35921" dir="2700000" algn="ctr" rotWithShape="0">
+                    <a:schemeClr val="bg2"/>
+                  </a:outerShdw>
+                </a:effectLst>
+              </a14:hiddenEffects>
+            </a:ext>
+          </a:extLst>
+        </p:spPr>
+        <p:txBody>
+          <a:bodyPr wrap="none" anchor="ctr"/>
+          <a:lstStyle/>
+          <a:p>
+            <a:pPr>
+              <a:buNone/>
+            </a:pPr>
+            <a:endParaRPr lang="ru-RU"/>
+          </a:p>
+        </p:txBody>
+      </p:sp>
+      <p:sp>
+        <p:nvSpPr>
+          <p:cNvPr id="60" name="Rectangle 52"/>
+          <p:cNvSpPr>
+            <a:spLocks noChangeArrowheads="1"/>
+          </p:cNvSpPr>
+          <p:nvPr/>
+        </p:nvSpPr>
+        <p:spPr bwMode="auto">
+          <a:xfrm>
+            <a:off x="2928938" y="4927600"/>
+            <a:ext cx="42862" cy="279400"/>
+          </a:xfrm>
+          <a:prstGeom prst="rect">
+            <a:avLst/>
+          </a:prstGeom>
+          <a:solidFill>
+            <a:schemeClr val="bg1"/>
+          </a:solidFill>
+          <a:ln w="9525">
+            <a:solidFill>
+              <a:schemeClr val="tx1"/>
+            </a:solidFill>
+            <a:miter lim="800000"/>
+            <a:headEnd/>
+            <a:tailEnd/>
+          </a:ln>
+          <a:effectLst/>
+          <a:extLst>
+            <a:ext uri="{AF507438-7753-43E0-B8FC-AC1667EBCBE1}">
+              <a14:hiddenEffects xmlns:a14="http://schemas.microsoft.com/office/drawing/2010/main">
+                <a:effectLst>
+                  <a:outerShdw dist="35921" dir="2700000" algn="ctr" rotWithShape="0">
+                    <a:schemeClr val="bg2"/>
+                  </a:outerShdw>
+                </a:effectLst>
+              </a14:hiddenEffects>
+            </a:ext>
+          </a:extLst>
+        </p:spPr>
+        <p:txBody>
+          <a:bodyPr wrap="none" anchor="ctr"/>
+          <a:lstStyle/>
+          <a:p>
+            <a:pPr>
+              <a:buNone/>
+            </a:pPr>
+            <a:endParaRPr lang="ru-RU"/>
+          </a:p>
+        </p:txBody>
+      </p:sp>
+      <p:sp>
+        <p:nvSpPr>
+          <p:cNvPr id="61" name="Rectangle 53"/>
+          <p:cNvSpPr>
+            <a:spLocks noChangeArrowheads="1"/>
+          </p:cNvSpPr>
+          <p:nvPr/>
+        </p:nvSpPr>
+        <p:spPr bwMode="auto">
+          <a:xfrm rot="20232897">
+            <a:off x="5992813" y="4443413"/>
+            <a:ext cx="215900" cy="88900"/>
+          </a:xfrm>
+          <a:prstGeom prst="rect">
+            <a:avLst/>
+          </a:prstGeom>
+          <a:solidFill>
+            <a:schemeClr val="tx1"/>
+          </a:solidFill>
+          <a:ln w="9525">
+            <a:solidFill>
+              <a:schemeClr val="tx1"/>
+            </a:solidFill>
+            <a:miter lim="800000"/>
+            <a:headEnd/>
+            <a:tailEnd/>
+          </a:ln>
+          <a:effectLst/>
+          <a:extLst>
+            <a:ext uri="{AF507438-7753-43E0-B8FC-AC1667EBCBE1}">
+              <a14:hiddenEffects xmlns:a14="http://schemas.microsoft.com/office/drawing/2010/main">
+                <a:effectLst>
+                  <a:outerShdw dist="35921" dir="2700000" algn="ctr" rotWithShape="0">
+                    <a:schemeClr val="bg2"/>
+                  </a:outerShdw>
+                </a:effectLst>
+              </a14:hiddenEffects>
+            </a:ext>
+          </a:extLst>
+        </p:spPr>
+        <p:txBody>
+          <a:bodyPr wrap="none" anchor="ctr"/>
+          <a:lstStyle/>
+          <a:p>
+            <a:pPr>
+              <a:buNone/>
+            </a:pPr>
+            <a:endParaRPr lang="ru-RU"/>
+          </a:p>
+        </p:txBody>
+      </p:sp>
+      <p:sp>
+        <p:nvSpPr>
+          <p:cNvPr id="62" name="Rectangle 54"/>
+          <p:cNvSpPr>
+            <a:spLocks noChangeArrowheads="1"/>
+          </p:cNvSpPr>
+          <p:nvPr/>
+        </p:nvSpPr>
+        <p:spPr bwMode="auto">
+          <a:xfrm rot="19361763">
+            <a:off x="6684963" y="3840163"/>
+            <a:ext cx="215900" cy="88900"/>
+          </a:xfrm>
+          <a:prstGeom prst="rect">
+            <a:avLst/>
+          </a:prstGeom>
+          <a:solidFill>
+            <a:schemeClr val="tx1"/>
+          </a:solidFill>
+          <a:ln w="9525">
+            <a:solidFill>
+              <a:schemeClr val="tx1"/>
+            </a:solidFill>
+            <a:miter lim="800000"/>
+            <a:headEnd/>
+            <a:tailEnd/>
+          </a:ln>
+          <a:effectLst/>
+          <a:extLst>
+            <a:ext uri="{AF507438-7753-43E0-B8FC-AC1667EBCBE1}">
+              <a14:hiddenEffects xmlns:a14="http://schemas.microsoft.com/office/drawing/2010/main">
+                <a:effectLst>
+                  <a:outerShdw dist="35921" dir="2700000" algn="ctr" rotWithShape="0">
+                    <a:schemeClr val="bg2"/>
+                  </a:outerShdw>
+                </a:effectLst>
+              </a14:hiddenEffects>
+            </a:ext>
+          </a:extLst>
+        </p:spPr>
+        <p:txBody>
+          <a:bodyPr wrap="none" anchor="ctr"/>
+          <a:lstStyle/>
+          <a:p>
+            <a:pPr>
+              <a:buNone/>
+            </a:pPr>
+            <a:endParaRPr lang="ru-RU"/>
+          </a:p>
+        </p:txBody>
+      </p:sp>
+      <p:grpSp>
+        <p:nvGrpSpPr>
+          <p:cNvPr id="63" name="Group 55"/>
+          <p:cNvGrpSpPr>
+            <a:grpSpLocks/>
+          </p:cNvGrpSpPr>
+          <p:nvPr/>
+        </p:nvGrpSpPr>
+        <p:grpSpPr bwMode="auto">
+          <a:xfrm>
+            <a:off x="3233738" y="5359400"/>
+            <a:ext cx="1725612" cy="106363"/>
+            <a:chOff x="2037" y="3376"/>
+            <a:chExt cx="1087" cy="67"/>
+          </a:xfrm>
+        </p:grpSpPr>
+        <p:sp>
+          <p:nvSpPr>
+            <p:cNvPr id="64" name="Rectangle 56"/>
+            <p:cNvSpPr>
+              <a:spLocks noChangeArrowheads="1"/>
+            </p:cNvSpPr>
+            <p:nvPr/>
+          </p:nvSpPr>
+          <p:spPr bwMode="auto">
+            <a:xfrm>
+              <a:off x="2037" y="3377"/>
+              <a:ext cx="1087" cy="66"/>
+            </a:xfrm>
+            <a:prstGeom prst="rect">
+              <a:avLst/>
+            </a:prstGeom>
+            <a:noFill/>
+            <a:ln w="9525">
+              <a:solidFill>
+                <a:schemeClr val="tx1"/>
+              </a:solidFill>
+              <a:miter lim="800000"/>
+              <a:headEnd/>
+              <a:tailEnd/>
+            </a:ln>
+            <a:effectLst/>
+            <a:extLst>
+              <a:ext uri="{909E8E84-426E-40DD-AFC4-6F175D3DCCD1}">
+                <a14:hiddenFill xmlns:a14="http://schemas.microsoft.com/office/drawing/2010/main">
+                  <a:solidFill>
+                    <a:schemeClr val="accent1"/>
+                  </a:solidFill>
+                </a14:hiddenFill>
+              </a:ext>
+              <a:ext uri="{AF507438-7753-43E0-B8FC-AC1667EBCBE1}">
+                <a14:hiddenEffects xmlns:a14="http://schemas.microsoft.com/office/drawing/2010/main">
+                  <a:effectLst>
+                    <a:outerShdw dist="35921" dir="2700000" algn="ctr" rotWithShape="0">
+                      <a:schemeClr val="bg2"/>
+                    </a:outerShdw>
+                  </a:effectLst>
+                </a14:hiddenEffects>
+              </a:ext>
+            </a:extLst>
+          </p:spPr>
+          <p:txBody>
+            <a:bodyPr wrap="none" anchor="ctr"/>
+            <a:lstStyle/>
+            <a:p>
+              <a:pPr>
+                <a:buNone/>
+              </a:pPr>
+              <a:endParaRPr lang="ru-RU"/>
+            </a:p>
+          </p:txBody>
+        </p:sp>
+        <p:sp>
+          <p:nvSpPr>
+            <p:cNvPr id="65" name="Rectangle 57"/>
+            <p:cNvSpPr>
+              <a:spLocks noChangeArrowheads="1"/>
+            </p:cNvSpPr>
+            <p:nvPr/>
+          </p:nvSpPr>
+          <p:spPr bwMode="auto">
+            <a:xfrm>
+              <a:off x="2984" y="3376"/>
+              <a:ext cx="136" cy="56"/>
+            </a:xfrm>
+            <a:prstGeom prst="rect">
+              <a:avLst/>
+            </a:prstGeom>
+            <a:solidFill>
+              <a:srgbClr val="EAEAEA"/>
+            </a:solidFill>
+            <a:ln w="9525">
+              <a:solidFill>
+                <a:schemeClr val="tx1"/>
+              </a:solidFill>
+              <a:miter lim="800000"/>
+              <a:headEnd/>
+              <a:tailEnd/>
+            </a:ln>
+            <a:effectLst/>
+            <a:extLst>
+              <a:ext uri="{AF507438-7753-43E0-B8FC-AC1667EBCBE1}">
+                <a14:hiddenEffects xmlns:a14="http://schemas.microsoft.com/office/drawing/2010/main">
+                  <a:effectLst>
+                    <a:outerShdw dist="35921" dir="2700000" algn="ctr" rotWithShape="0">
+                      <a:schemeClr val="bg2"/>
+                    </a:outerShdw>
+                  </a:effectLst>
+                </a14:hiddenEffects>
+              </a:ext>
+            </a:extLst>
+          </p:spPr>
+          <p:txBody>
+            <a:bodyPr wrap="none" anchor="ctr"/>
+            <a:lstStyle/>
+            <a:p>
+              <a:pPr>
+                <a:buNone/>
+              </a:pPr>
+              <a:endParaRPr lang="ru-RU"/>
+            </a:p>
+          </p:txBody>
+        </p:sp>
+        <p:sp>
+          <p:nvSpPr>
+            <p:cNvPr id="66" name="Rectangle 58"/>
+            <p:cNvSpPr>
+              <a:spLocks noChangeArrowheads="1"/>
+            </p:cNvSpPr>
+            <p:nvPr/>
+          </p:nvSpPr>
+          <p:spPr bwMode="auto">
+            <a:xfrm>
+              <a:off x="2776" y="3376"/>
+              <a:ext cx="200" cy="56"/>
+            </a:xfrm>
+            <a:prstGeom prst="rect">
+              <a:avLst/>
+            </a:prstGeom>
+            <a:solidFill>
+              <a:schemeClr val="bg1"/>
+            </a:solidFill>
+            <a:ln w="9525">
+              <a:solidFill>
+                <a:schemeClr val="tx1"/>
+              </a:solidFill>
+              <a:miter lim="800000"/>
+              <a:headEnd/>
+              <a:tailEnd/>
+            </a:ln>
+            <a:effectLst/>
+            <a:extLst>
+              <a:ext uri="{AF507438-7753-43E0-B8FC-AC1667EBCBE1}">
+                <a14:hiddenEffects xmlns:a14="http://schemas.microsoft.com/office/drawing/2010/main">
+                  <a:effectLst>
+                    <a:outerShdw dist="35921" dir="2700000" algn="ctr" rotWithShape="0">
+                      <a:schemeClr val="bg2"/>
+                    </a:outerShdw>
+                  </a:effectLst>
+                </a14:hiddenEffects>
+              </a:ext>
+            </a:extLst>
+          </p:spPr>
+          <p:txBody>
+            <a:bodyPr wrap="none" anchor="ctr"/>
+            <a:lstStyle/>
+            <a:p>
+              <a:pPr>
+                <a:buNone/>
+              </a:pPr>
+              <a:endParaRPr lang="ru-RU"/>
+            </a:p>
+          </p:txBody>
+        </p:sp>
+        <p:sp>
+          <p:nvSpPr>
+            <p:cNvPr id="67" name="Rectangle 59"/>
+            <p:cNvSpPr>
+              <a:spLocks noChangeArrowheads="1"/>
+            </p:cNvSpPr>
+            <p:nvPr/>
+          </p:nvSpPr>
+          <p:spPr bwMode="auto">
+            <a:xfrm>
+              <a:off x="2368" y="3376"/>
+              <a:ext cx="200" cy="56"/>
+            </a:xfrm>
+            <a:prstGeom prst="rect">
+              <a:avLst/>
+            </a:prstGeom>
+            <a:solidFill>
+              <a:schemeClr val="bg1"/>
+            </a:solidFill>
+            <a:ln w="9525">
+              <a:solidFill>
+                <a:schemeClr val="tx1"/>
+              </a:solidFill>
+              <a:miter lim="800000"/>
+              <a:headEnd/>
+              <a:tailEnd/>
+            </a:ln>
+            <a:effectLst/>
+            <a:extLst>
+              <a:ext uri="{AF507438-7753-43E0-B8FC-AC1667EBCBE1}">
+                <a14:hiddenEffects xmlns:a14="http://schemas.microsoft.com/office/drawing/2010/main">
+                  <a:effectLst>
+                    <a:outerShdw dist="35921" dir="2700000" algn="ctr" rotWithShape="0">
+                      <a:schemeClr val="bg2"/>
+                    </a:outerShdw>
+                  </a:effectLst>
+                </a14:hiddenEffects>
+              </a:ext>
+            </a:extLst>
+          </p:spPr>
+          <p:txBody>
+            <a:bodyPr wrap="none" anchor="ctr"/>
+            <a:lstStyle/>
+            <a:p>
+              <a:pPr>
+                <a:buNone/>
+              </a:pPr>
+              <a:endParaRPr lang="ru-RU"/>
+            </a:p>
+          </p:txBody>
+        </p:sp>
+        <p:sp>
+          <p:nvSpPr>
+            <p:cNvPr id="68" name="Rectangle 60"/>
+            <p:cNvSpPr>
+              <a:spLocks noChangeArrowheads="1"/>
+            </p:cNvSpPr>
+            <p:nvPr/>
+          </p:nvSpPr>
+          <p:spPr bwMode="auto">
+            <a:xfrm>
+              <a:off x="2576" y="3376"/>
+              <a:ext cx="200" cy="56"/>
+            </a:xfrm>
+            <a:prstGeom prst="rect">
+              <a:avLst/>
+            </a:prstGeom>
+            <a:solidFill>
+              <a:schemeClr val="bg1"/>
+            </a:solidFill>
+            <a:ln w="9525">
+              <a:solidFill>
+                <a:schemeClr val="tx1"/>
+              </a:solidFill>
+              <a:miter lim="800000"/>
+              <a:headEnd/>
+              <a:tailEnd/>
+            </a:ln>
+            <a:effectLst/>
+            <a:extLst>
+              <a:ext uri="{AF507438-7753-43E0-B8FC-AC1667EBCBE1}">
+                <a14:hiddenEffects xmlns:a14="http://schemas.microsoft.com/office/drawing/2010/main">
+                  <a:effectLst>
+                    <a:outerShdw dist="35921" dir="2700000" algn="ctr" rotWithShape="0">
+                      <a:schemeClr val="bg2"/>
+                    </a:outerShdw>
+                  </a:effectLst>
+                </a14:hiddenEffects>
+              </a:ext>
+            </a:extLst>
+          </p:spPr>
+          <p:txBody>
+            <a:bodyPr wrap="none" anchor="ctr"/>
+            <a:lstStyle/>
+            <a:p>
+              <a:pPr>
+                <a:buNone/>
+              </a:pPr>
+              <a:endParaRPr lang="ru-RU"/>
+            </a:p>
+          </p:txBody>
+        </p:sp>
+        <p:sp>
+          <p:nvSpPr>
+            <p:cNvPr id="69" name="Rectangle 61"/>
+            <p:cNvSpPr>
+              <a:spLocks noChangeArrowheads="1"/>
+            </p:cNvSpPr>
+            <p:nvPr/>
+          </p:nvSpPr>
+          <p:spPr bwMode="auto">
+            <a:xfrm>
+              <a:off x="2168" y="3376"/>
+              <a:ext cx="200" cy="56"/>
+            </a:xfrm>
+            <a:prstGeom prst="rect">
+              <a:avLst/>
+            </a:prstGeom>
+            <a:solidFill>
+              <a:schemeClr val="bg1"/>
+            </a:solidFill>
+            <a:ln w="9525">
+              <a:solidFill>
+                <a:schemeClr val="tx1"/>
+              </a:solidFill>
+              <a:miter lim="800000"/>
+              <a:headEnd/>
+              <a:tailEnd/>
+            </a:ln>
+            <a:effectLst/>
+            <a:extLst>
+              <a:ext uri="{AF507438-7753-43E0-B8FC-AC1667EBCBE1}">
+                <a14:hiddenEffects xmlns:a14="http://schemas.microsoft.com/office/drawing/2010/main">
+                  <a:effectLst>
+                    <a:outerShdw dist="35921" dir="2700000" algn="ctr" rotWithShape="0">
+                      <a:schemeClr val="bg2"/>
+                    </a:outerShdw>
+                  </a:effectLst>
+                </a14:hiddenEffects>
+              </a:ext>
+            </a:extLst>
+          </p:spPr>
+          <p:txBody>
+            <a:bodyPr wrap="none" anchor="ctr"/>
+            <a:lstStyle/>
+            <a:p>
+              <a:pPr>
+                <a:buNone/>
+              </a:pPr>
+              <a:endParaRPr lang="ru-RU"/>
+            </a:p>
+          </p:txBody>
+        </p:sp>
+      </p:grpSp>
+      <p:sp>
+        <p:nvSpPr>
+          <p:cNvPr id="70" name="Text Box 62"/>
+          <p:cNvSpPr txBox="1">
+            <a:spLocks noChangeArrowheads="1"/>
+          </p:cNvSpPr>
+          <p:nvPr/>
+        </p:nvSpPr>
+        <p:spPr bwMode="auto">
+          <a:xfrm>
+            <a:off x="508000" y="3644900"/>
+            <a:ext cx="2044700" cy="304800"/>
+          </a:xfrm>
+          <a:prstGeom prst="rect">
+            <a:avLst/>
+          </a:prstGeom>
+          <a:noFill/>
+          <a:ln>
+            <a:noFill/>
+          </a:ln>
+          <a:effectLst/>
+          <a:extLst>
+            <a:ext uri="{909E8E84-426E-40DD-AFC4-6F175D3DCCD1}">
+              <a14:hiddenFill xmlns:a14="http://schemas.microsoft.com/office/drawing/2010/main">
+                <a:solidFill>
+                  <a:schemeClr val="accent1"/>
+                </a:solidFill>
+              </a14:hiddenFill>
+            </a:ext>
+            <a:ext uri="{91240B29-F687-4F45-9708-019B960494DF}">
+              <a14:hiddenLine xmlns:a14="http://schemas.microsoft.com/office/drawing/2010/main" w="9525">
+                <a:solidFill>
+                  <a:schemeClr val="tx1"/>
+                </a:solidFill>
+                <a:miter lim="800000"/>
+                <a:headEnd/>
+                <a:tailEnd/>
+              </a14:hiddenLine>
+            </a:ext>
+            <a:ext uri="{AF507438-7753-43E0-B8FC-AC1667EBCBE1}">
+              <a14:hiddenEffects xmlns:a14="http://schemas.microsoft.com/office/drawing/2010/main">
+                <a:effectLst>
+                  <a:outerShdw dist="35921" dir="2700000" algn="ctr" rotWithShape="0">
+                    <a:schemeClr val="bg2"/>
+                  </a:outerShdw>
+                </a:effectLst>
+              </a14:hiddenEffects>
+            </a:ext>
+          </a:extLst>
+        </p:spPr>
+        <p:txBody>
+          <a:bodyPr>
+            <a:spAutoFit/>
+          </a:bodyPr>
+          <a:lstStyle/>
+          <a:p>
+            <a:pPr>
+              <a:spcBef>
+                <a:spcPct val="50000"/>
+              </a:spcBef>
+              <a:buNone/>
+            </a:pPr>
+            <a:r>
+              <a:rPr lang="ru-RU" altLang="ru-RU" sz="1400"/>
+              <a:t>Кадр </a:t>
+            </a:r>
+            <a:r>
+              <a:rPr lang="en-GB" altLang="ru-RU" sz="1400"/>
+              <a:t>Token Ring</a:t>
+            </a:r>
+            <a:endParaRPr lang="ru-RU" altLang="ru-RU" sz="1400"/>
+          </a:p>
+        </p:txBody>
+      </p:sp>
+      <p:sp>
+        <p:nvSpPr>
+          <p:cNvPr id="71" name="Text Box 63"/>
+          <p:cNvSpPr txBox="1">
+            <a:spLocks noChangeArrowheads="1"/>
+          </p:cNvSpPr>
+          <p:nvPr/>
+        </p:nvSpPr>
+        <p:spPr bwMode="auto">
+          <a:xfrm>
+            <a:off x="3733800" y="5562600"/>
+            <a:ext cx="1143000" cy="304800"/>
+          </a:xfrm>
+          <a:prstGeom prst="rect">
+            <a:avLst/>
+          </a:prstGeom>
+          <a:noFill/>
+          <a:ln>
+            <a:noFill/>
+          </a:ln>
+          <a:effectLst/>
+          <a:extLst>
+            <a:ext uri="{909E8E84-426E-40DD-AFC4-6F175D3DCCD1}">
+              <a14:hiddenFill xmlns:a14="http://schemas.microsoft.com/office/drawing/2010/main">
+                <a:solidFill>
+                  <a:schemeClr val="accent1"/>
+                </a:solidFill>
+              </a14:hiddenFill>
+            </a:ext>
+            <a:ext uri="{91240B29-F687-4F45-9708-019B960494DF}">
+              <a14:hiddenLine xmlns:a14="http://schemas.microsoft.com/office/drawing/2010/main" w="9525">
+                <a:solidFill>
+                  <a:schemeClr val="tx1"/>
+                </a:solidFill>
+                <a:miter lim="800000"/>
+                <a:headEnd/>
+                <a:tailEnd/>
+              </a14:hiddenLine>
+            </a:ext>
+            <a:ext uri="{AF507438-7753-43E0-B8FC-AC1667EBCBE1}">
+              <a14:hiddenEffects xmlns:a14="http://schemas.microsoft.com/office/drawing/2010/main">
+                <a:effectLst>
+                  <a:outerShdw dist="35921" dir="2700000" algn="ctr" rotWithShape="0">
+                    <a:schemeClr val="bg2"/>
+                  </a:outerShdw>
+                </a:effectLst>
+              </a14:hiddenEffects>
+            </a:ext>
+          </a:extLst>
+        </p:spPr>
+        <p:txBody>
+          <a:bodyPr>
+            <a:spAutoFit/>
+          </a:bodyPr>
+          <a:lstStyle/>
+          <a:p>
+            <a:pPr>
+              <a:spcBef>
+                <a:spcPct val="50000"/>
+              </a:spcBef>
+              <a:buNone/>
+            </a:pPr>
+            <a:r>
+              <a:rPr lang="en-GB" altLang="ru-RU" sz="1400"/>
+              <a:t>Data</a:t>
+            </a:r>
+            <a:endParaRPr lang="ru-RU" altLang="ru-RU" sz="1400"/>
+          </a:p>
+        </p:txBody>
+      </p:sp>
+      <p:sp>
+        <p:nvSpPr>
+          <p:cNvPr id="72" name="Text Box 64"/>
+          <p:cNvSpPr txBox="1">
+            <a:spLocks noChangeArrowheads="1"/>
+          </p:cNvSpPr>
+          <p:nvPr/>
+        </p:nvSpPr>
+        <p:spPr bwMode="auto">
+          <a:xfrm>
+            <a:off x="1562100" y="4406900"/>
+            <a:ext cx="914400" cy="451406"/>
+          </a:xfrm>
+          <a:prstGeom prst="rect">
+            <a:avLst/>
+          </a:prstGeom>
+          <a:noFill/>
+          <a:ln>
+            <a:noFill/>
+          </a:ln>
+          <a:effectLst/>
+          <a:extLst>
+            <a:ext uri="{909E8E84-426E-40DD-AFC4-6F175D3DCCD1}">
+              <a14:hiddenFill xmlns:a14="http://schemas.microsoft.com/office/drawing/2010/main">
+                <a:solidFill>
+                  <a:schemeClr val="accent1"/>
+                </a:solidFill>
+              </a14:hiddenFill>
+            </a:ext>
+            <a:ext uri="{91240B29-F687-4F45-9708-019B960494DF}">
+              <a14:hiddenLine xmlns:a14="http://schemas.microsoft.com/office/drawing/2010/main" w="9525">
+                <a:solidFill>
+                  <a:schemeClr val="tx1"/>
+                </a:solidFill>
+                <a:miter lim="800000"/>
+                <a:headEnd/>
+                <a:tailEnd/>
+              </a14:hiddenLine>
+            </a:ext>
+            <a:ext uri="{AF507438-7753-43E0-B8FC-AC1667EBCBE1}">
+              <a14:hiddenEffects xmlns:a14="http://schemas.microsoft.com/office/drawing/2010/main">
+                <a:effectLst>
+                  <a:outerShdw dist="35921" dir="2700000" algn="ctr" rotWithShape="0">
+                    <a:schemeClr val="bg2"/>
+                  </a:outerShdw>
+                </a:effectLst>
+              </a14:hiddenEffects>
+            </a:ext>
+          </a:extLst>
+        </p:spPr>
+        <p:txBody>
+          <a:bodyPr>
+            <a:spAutoFit/>
+          </a:bodyPr>
+          <a:lstStyle/>
+          <a:p>
+            <a:pPr algn="ctr">
+              <a:spcBef>
+                <a:spcPct val="50000"/>
+              </a:spcBef>
+              <a:buNone/>
+            </a:pPr>
+            <a:r>
+              <a:rPr lang="en-GB" altLang="ru-RU" sz="1400"/>
+              <a:t>IP TR </a:t>
+            </a:r>
+            <a:r>
+              <a:rPr lang="en-GB" altLang="ru-RU" sz="1400" baseline="30000"/>
+              <a:t>headers</a:t>
+            </a:r>
+            <a:endParaRPr lang="ru-RU" altLang="ru-RU" sz="1400" baseline="30000"/>
+          </a:p>
+        </p:txBody>
+      </p:sp>
+      <p:sp>
+        <p:nvSpPr>
+          <p:cNvPr id="73" name="AutoShape 65"/>
+          <p:cNvSpPr>
+            <a:spLocks/>
+          </p:cNvSpPr>
+          <p:nvPr/>
+        </p:nvSpPr>
+        <p:spPr bwMode="auto">
+          <a:xfrm rot="16200000">
+            <a:off x="3905250" y="4832350"/>
+            <a:ext cx="190500" cy="1460500"/>
+          </a:xfrm>
+          <a:prstGeom prst="leftBrace">
+            <a:avLst>
+              <a:gd name="adj1" fmla="val 63889"/>
+              <a:gd name="adj2" fmla="val 50000"/>
+            </a:avLst>
+          </a:prstGeom>
+          <a:noFill/>
+          <a:ln w="9525">
+            <a:solidFill>
+              <a:schemeClr val="tx1"/>
+            </a:solidFill>
+            <a:round/>
+            <a:headEnd/>
+            <a:tailEnd/>
+          </a:ln>
+          <a:effectLst/>
+          <a:extLst>
+            <a:ext uri="{909E8E84-426E-40DD-AFC4-6F175D3DCCD1}">
+              <a14:hiddenFill xmlns:a14="http://schemas.microsoft.com/office/drawing/2010/main">
+                <a:solidFill>
+                  <a:schemeClr val="accent1"/>
+                </a:solidFill>
+              </a14:hiddenFill>
+            </a:ext>
+            <a:ext uri="{AF507438-7753-43E0-B8FC-AC1667EBCBE1}">
+              <a14:hiddenEffects xmlns:a14="http://schemas.microsoft.com/office/drawing/2010/main">
+                <a:effectLst>
+                  <a:outerShdw dist="35921" dir="2700000" algn="ctr" rotWithShape="0">
+                    <a:schemeClr val="bg2"/>
+                  </a:outerShdw>
+                </a:effectLst>
+              </a14:hiddenEffects>
+            </a:ext>
+          </a:extLst>
+        </p:spPr>
+        <p:txBody>
+          <a:bodyPr wrap="none" anchor="ctr"/>
+          <a:lstStyle/>
+          <a:p>
+            <a:pPr>
+              <a:buNone/>
+            </a:pPr>
+            <a:endParaRPr lang="ru-RU"/>
+          </a:p>
+        </p:txBody>
+      </p:sp>
+      <p:grpSp>
+        <p:nvGrpSpPr>
+          <p:cNvPr id="74" name="Group 66"/>
+          <p:cNvGrpSpPr>
+            <a:grpSpLocks/>
+          </p:cNvGrpSpPr>
+          <p:nvPr/>
+        </p:nvGrpSpPr>
+        <p:grpSpPr bwMode="auto">
+          <a:xfrm>
+            <a:off x="300038" y="3867150"/>
+            <a:ext cx="1935162" cy="984250"/>
+            <a:chOff x="293" y="1876"/>
+            <a:chExt cx="1219" cy="620"/>
+          </a:xfrm>
+        </p:grpSpPr>
+        <p:sp>
+          <p:nvSpPr>
+            <p:cNvPr id="75" name="Rectangle 67"/>
+            <p:cNvSpPr>
+              <a:spLocks noChangeArrowheads="1"/>
+            </p:cNvSpPr>
+            <p:nvPr/>
+          </p:nvSpPr>
+          <p:spPr bwMode="auto">
+            <a:xfrm>
+              <a:off x="293" y="2121"/>
+              <a:ext cx="1087" cy="66"/>
+            </a:xfrm>
+            <a:prstGeom prst="rect">
+              <a:avLst/>
+            </a:prstGeom>
+            <a:noFill/>
+            <a:ln w="9525">
+              <a:solidFill>
+                <a:schemeClr val="tx1"/>
+              </a:solidFill>
+              <a:miter lim="800000"/>
+              <a:headEnd/>
+              <a:tailEnd/>
+            </a:ln>
+            <a:effectLst/>
+            <a:extLst>
+              <a:ext uri="{909E8E84-426E-40DD-AFC4-6F175D3DCCD1}">
+                <a14:hiddenFill xmlns:a14="http://schemas.microsoft.com/office/drawing/2010/main">
+                  <a:solidFill>
+                    <a:schemeClr val="accent1"/>
+                  </a:solidFill>
+                </a14:hiddenFill>
+              </a:ext>
+              <a:ext uri="{AF507438-7753-43E0-B8FC-AC1667EBCBE1}">
+                <a14:hiddenEffects xmlns:a14="http://schemas.microsoft.com/office/drawing/2010/main">
+                  <a:effectLst>
+                    <a:outerShdw dist="35921" dir="2700000" algn="ctr" rotWithShape="0">
+                      <a:schemeClr val="bg2"/>
+                    </a:outerShdw>
+                  </a:effectLst>
+                </a14:hiddenEffects>
+              </a:ext>
+            </a:extLst>
+          </p:spPr>
+          <p:txBody>
+            <a:bodyPr wrap="none" anchor="ctr"/>
+            <a:lstStyle/>
+            <a:p>
+              <a:pPr>
+                <a:buNone/>
+              </a:pPr>
+              <a:endParaRPr lang="ru-RU"/>
+            </a:p>
+          </p:txBody>
+        </p:sp>
+        <p:sp>
+          <p:nvSpPr>
+            <p:cNvPr id="76" name="Rectangle 68"/>
+            <p:cNvSpPr>
+              <a:spLocks noChangeArrowheads="1"/>
+            </p:cNvSpPr>
+            <p:nvPr/>
+          </p:nvSpPr>
+          <p:spPr bwMode="auto">
+            <a:xfrm>
+              <a:off x="1240" y="2120"/>
+              <a:ext cx="136" cy="56"/>
+            </a:xfrm>
+            <a:prstGeom prst="rect">
+              <a:avLst/>
+            </a:prstGeom>
+            <a:solidFill>
+              <a:srgbClr val="EAEAEA"/>
+            </a:solidFill>
+            <a:ln w="9525">
+              <a:solidFill>
+                <a:schemeClr val="tx1"/>
+              </a:solidFill>
+              <a:miter lim="800000"/>
+              <a:headEnd/>
+              <a:tailEnd/>
+            </a:ln>
+            <a:effectLst/>
+            <a:extLst>
+              <a:ext uri="{AF507438-7753-43E0-B8FC-AC1667EBCBE1}">
+                <a14:hiddenEffects xmlns:a14="http://schemas.microsoft.com/office/drawing/2010/main">
+                  <a:effectLst>
+                    <a:outerShdw dist="35921" dir="2700000" algn="ctr" rotWithShape="0">
+                      <a:schemeClr val="bg2"/>
+                    </a:outerShdw>
+                  </a:effectLst>
+                </a14:hiddenEffects>
+              </a:ext>
+            </a:extLst>
+          </p:spPr>
+          <p:txBody>
+            <a:bodyPr wrap="none" anchor="ctr"/>
+            <a:lstStyle/>
+            <a:p>
+              <a:pPr>
+                <a:buNone/>
+              </a:pPr>
+              <a:endParaRPr lang="ru-RU"/>
+            </a:p>
+          </p:txBody>
+        </p:sp>
+        <p:sp>
+          <p:nvSpPr>
+            <p:cNvPr id="77" name="Rectangle 69"/>
+            <p:cNvSpPr>
+              <a:spLocks noChangeArrowheads="1"/>
+            </p:cNvSpPr>
+            <p:nvPr/>
+          </p:nvSpPr>
+          <p:spPr bwMode="auto">
+            <a:xfrm>
+              <a:off x="1032" y="2120"/>
+              <a:ext cx="200" cy="56"/>
+            </a:xfrm>
+            <a:prstGeom prst="rect">
+              <a:avLst/>
+            </a:prstGeom>
+            <a:solidFill>
+              <a:schemeClr val="bg1"/>
+            </a:solidFill>
+            <a:ln w="9525">
+              <a:solidFill>
+                <a:schemeClr val="tx1"/>
+              </a:solidFill>
+              <a:miter lim="800000"/>
+              <a:headEnd/>
+              <a:tailEnd/>
+            </a:ln>
+            <a:effectLst/>
+            <a:extLst>
+              <a:ext uri="{AF507438-7753-43E0-B8FC-AC1667EBCBE1}">
+                <a14:hiddenEffects xmlns:a14="http://schemas.microsoft.com/office/drawing/2010/main">
+                  <a:effectLst>
+                    <a:outerShdw dist="35921" dir="2700000" algn="ctr" rotWithShape="0">
+                      <a:schemeClr val="bg2"/>
+                    </a:outerShdw>
+                  </a:effectLst>
+                </a14:hiddenEffects>
+              </a:ext>
+            </a:extLst>
+          </p:spPr>
+          <p:txBody>
+            <a:bodyPr wrap="none" anchor="ctr"/>
+            <a:lstStyle/>
+            <a:p>
+              <a:pPr>
+                <a:buNone/>
+              </a:pPr>
+              <a:endParaRPr lang="ru-RU"/>
+            </a:p>
+          </p:txBody>
+        </p:sp>
+        <p:sp>
+          <p:nvSpPr>
+            <p:cNvPr id="78" name="Rectangle 70"/>
+            <p:cNvSpPr>
+              <a:spLocks noChangeArrowheads="1"/>
+            </p:cNvSpPr>
+            <p:nvPr/>
+          </p:nvSpPr>
+          <p:spPr bwMode="auto">
+            <a:xfrm>
+              <a:off x="624" y="2120"/>
+              <a:ext cx="200" cy="56"/>
+            </a:xfrm>
+            <a:prstGeom prst="rect">
+              <a:avLst/>
+            </a:prstGeom>
+            <a:solidFill>
+              <a:schemeClr val="bg1"/>
+            </a:solidFill>
+            <a:ln w="9525">
+              <a:solidFill>
+                <a:schemeClr val="tx1"/>
+              </a:solidFill>
+              <a:miter lim="800000"/>
+              <a:headEnd/>
+              <a:tailEnd/>
+            </a:ln>
+            <a:effectLst/>
+            <a:extLst>
+              <a:ext uri="{AF507438-7753-43E0-B8FC-AC1667EBCBE1}">
+                <a14:hiddenEffects xmlns:a14="http://schemas.microsoft.com/office/drawing/2010/main">
+                  <a:effectLst>
+                    <a:outerShdw dist="35921" dir="2700000" algn="ctr" rotWithShape="0">
+                      <a:schemeClr val="bg2"/>
+                    </a:outerShdw>
+                  </a:effectLst>
+                </a14:hiddenEffects>
+              </a:ext>
+            </a:extLst>
+          </p:spPr>
+          <p:txBody>
+            <a:bodyPr wrap="none" anchor="ctr"/>
+            <a:lstStyle/>
+            <a:p>
+              <a:pPr>
+                <a:buNone/>
+              </a:pPr>
+              <a:endParaRPr lang="ru-RU"/>
+            </a:p>
+          </p:txBody>
+        </p:sp>
+        <p:sp>
+          <p:nvSpPr>
+            <p:cNvPr id="79" name="Rectangle 71"/>
+            <p:cNvSpPr>
+              <a:spLocks noChangeArrowheads="1"/>
+            </p:cNvSpPr>
+            <p:nvPr/>
+          </p:nvSpPr>
+          <p:spPr bwMode="auto">
+            <a:xfrm>
+              <a:off x="832" y="2120"/>
+              <a:ext cx="200" cy="56"/>
+            </a:xfrm>
+            <a:prstGeom prst="rect">
+              <a:avLst/>
+            </a:prstGeom>
+            <a:solidFill>
+              <a:schemeClr val="bg1"/>
+            </a:solidFill>
+            <a:ln w="9525">
+              <a:solidFill>
+                <a:schemeClr val="tx1"/>
+              </a:solidFill>
+              <a:miter lim="800000"/>
+              <a:headEnd/>
+              <a:tailEnd/>
+            </a:ln>
+            <a:effectLst/>
+            <a:extLst>
+              <a:ext uri="{AF507438-7753-43E0-B8FC-AC1667EBCBE1}">
+                <a14:hiddenEffects xmlns:a14="http://schemas.microsoft.com/office/drawing/2010/main">
+                  <a:effectLst>
+                    <a:outerShdw dist="35921" dir="2700000" algn="ctr" rotWithShape="0">
+                      <a:schemeClr val="bg2"/>
+                    </a:outerShdw>
+                  </a:effectLst>
+                </a14:hiddenEffects>
+              </a:ext>
+            </a:extLst>
+          </p:spPr>
+          <p:txBody>
+            <a:bodyPr wrap="none" anchor="ctr"/>
+            <a:lstStyle/>
+            <a:p>
+              <a:pPr>
+                <a:buNone/>
+              </a:pPr>
+              <a:endParaRPr lang="ru-RU"/>
+            </a:p>
+          </p:txBody>
+        </p:sp>
+        <p:sp>
+          <p:nvSpPr>
+            <p:cNvPr id="80" name="Rectangle 72"/>
+            <p:cNvSpPr>
+              <a:spLocks noChangeArrowheads="1"/>
+            </p:cNvSpPr>
+            <p:nvPr/>
+          </p:nvSpPr>
+          <p:spPr bwMode="auto">
+            <a:xfrm>
+              <a:off x="424" y="2120"/>
+              <a:ext cx="200" cy="56"/>
+            </a:xfrm>
+            <a:prstGeom prst="rect">
+              <a:avLst/>
+            </a:prstGeom>
+            <a:solidFill>
+              <a:schemeClr val="bg1"/>
+            </a:solidFill>
+            <a:ln w="9525">
+              <a:solidFill>
+                <a:schemeClr val="tx1"/>
+              </a:solidFill>
+              <a:miter lim="800000"/>
+              <a:headEnd/>
+              <a:tailEnd/>
+            </a:ln>
+            <a:effectLst/>
+            <a:extLst>
+              <a:ext uri="{AF507438-7753-43E0-B8FC-AC1667EBCBE1}">
+                <a14:hiddenEffects xmlns:a14="http://schemas.microsoft.com/office/drawing/2010/main">
+                  <a:effectLst>
+                    <a:outerShdw dist="35921" dir="2700000" algn="ctr" rotWithShape="0">
+                      <a:schemeClr val="bg2"/>
+                    </a:outerShdw>
+                  </a:effectLst>
+                </a14:hiddenEffects>
+              </a:ext>
+            </a:extLst>
+          </p:spPr>
+          <p:txBody>
+            <a:bodyPr wrap="none" anchor="ctr"/>
+            <a:lstStyle/>
+            <a:p>
+              <a:pPr>
+                <a:buNone/>
+              </a:pPr>
+              <a:endParaRPr lang="ru-RU"/>
+            </a:p>
+          </p:txBody>
+        </p:sp>
+        <p:sp>
+          <p:nvSpPr>
+            <p:cNvPr id="81" name="Rectangle 73" descr="Dark vertical"/>
+            <p:cNvSpPr>
+              <a:spLocks noChangeArrowheads="1"/>
+            </p:cNvSpPr>
+            <p:nvPr/>
+          </p:nvSpPr>
+          <p:spPr bwMode="auto">
+            <a:xfrm>
+              <a:off x="1376" y="2120"/>
+              <a:ext cx="136" cy="56"/>
+            </a:xfrm>
+            <a:prstGeom prst="rect">
+              <a:avLst/>
+            </a:prstGeom>
+            <a:pattFill prst="dkVert">
+              <a:fgClr>
+                <a:schemeClr val="tx1"/>
+              </a:fgClr>
+              <a:bgClr>
+                <a:srgbClr val="FFFFFF"/>
+              </a:bgClr>
+            </a:pattFill>
+            <a:ln w="9525">
+              <a:solidFill>
+                <a:schemeClr val="tx1"/>
+              </a:solidFill>
+              <a:miter lim="800000"/>
+              <a:headEnd/>
+              <a:tailEnd/>
+            </a:ln>
+            <a:effectLst/>
+            <a:extLst>
+              <a:ext uri="{AF507438-7753-43E0-B8FC-AC1667EBCBE1}">
+                <a14:hiddenEffects xmlns:a14="http://schemas.microsoft.com/office/drawing/2010/main">
+                  <a:effectLst>
+                    <a:outerShdw dist="35921" dir="2700000" algn="ctr" rotWithShape="0">
+                      <a:schemeClr val="bg2"/>
+                    </a:outerShdw>
+                  </a:effectLst>
+                </a14:hiddenEffects>
+              </a:ext>
+            </a:extLst>
+          </p:spPr>
+          <p:txBody>
+            <a:bodyPr wrap="none" anchor="ctr"/>
+            <a:lstStyle/>
+            <a:p>
+              <a:pPr>
+                <a:buNone/>
+              </a:pPr>
+              <a:endParaRPr lang="ru-RU"/>
+            </a:p>
+          </p:txBody>
+        </p:sp>
+        <p:sp>
+          <p:nvSpPr>
+            <p:cNvPr id="82" name="AutoShape 74"/>
+            <p:cNvSpPr>
+              <a:spLocks/>
+            </p:cNvSpPr>
+            <p:nvPr/>
+          </p:nvSpPr>
+          <p:spPr bwMode="auto">
+            <a:xfrm rot="5400000">
+              <a:off x="808" y="1368"/>
+              <a:ext cx="192" cy="1208"/>
+            </a:xfrm>
+            <a:prstGeom prst="leftBrace">
+              <a:avLst>
+                <a:gd name="adj1" fmla="val 52431"/>
+                <a:gd name="adj2" fmla="val 50000"/>
+              </a:avLst>
+            </a:prstGeom>
+            <a:noFill/>
+            <a:ln w="9525">
+              <a:solidFill>
+                <a:schemeClr val="tx1"/>
+              </a:solidFill>
+              <a:round/>
+              <a:headEnd/>
+              <a:tailEnd/>
+            </a:ln>
+            <a:effectLst/>
+            <a:extLst>
+              <a:ext uri="{909E8E84-426E-40DD-AFC4-6F175D3DCCD1}">
+                <a14:hiddenFill xmlns:a14="http://schemas.microsoft.com/office/drawing/2010/main">
+                  <a:solidFill>
+                    <a:schemeClr val="accent1"/>
+                  </a:solidFill>
+                </a14:hiddenFill>
+              </a:ext>
+              <a:ext uri="{AF507438-7753-43E0-B8FC-AC1667EBCBE1}">
+                <a14:hiddenEffects xmlns:a14="http://schemas.microsoft.com/office/drawing/2010/main">
+                  <a:effectLst>
+                    <a:outerShdw dist="35921" dir="2700000" algn="ctr" rotWithShape="0">
+                      <a:schemeClr val="bg2"/>
+                    </a:outerShdw>
+                  </a:effectLst>
+                </a14:hiddenEffects>
+              </a:ext>
+            </a:extLst>
+          </p:spPr>
+          <p:txBody>
+            <a:bodyPr wrap="none" anchor="ctr"/>
+            <a:lstStyle/>
+            <a:p>
+              <a:pPr>
+                <a:buNone/>
+              </a:pPr>
+              <a:endParaRPr lang="ru-RU"/>
+            </a:p>
+          </p:txBody>
+        </p:sp>
+        <p:sp>
+          <p:nvSpPr>
+            <p:cNvPr id="83" name="AutoShape 75"/>
+            <p:cNvSpPr>
+              <a:spLocks/>
+            </p:cNvSpPr>
+            <p:nvPr/>
+          </p:nvSpPr>
+          <p:spPr bwMode="auto">
+            <a:xfrm rot="16200000">
+              <a:off x="700" y="1828"/>
+              <a:ext cx="120" cy="920"/>
+            </a:xfrm>
+            <a:prstGeom prst="leftBrace">
+              <a:avLst>
+                <a:gd name="adj1" fmla="val 63889"/>
+                <a:gd name="adj2" fmla="val 50000"/>
+              </a:avLst>
+            </a:prstGeom>
+            <a:noFill/>
+            <a:ln w="9525">
+              <a:solidFill>
+                <a:schemeClr val="tx1"/>
+              </a:solidFill>
+              <a:round/>
+              <a:headEnd/>
+              <a:tailEnd/>
+            </a:ln>
+            <a:effectLst/>
+            <a:extLst>
+              <a:ext uri="{909E8E84-426E-40DD-AFC4-6F175D3DCCD1}">
+                <a14:hiddenFill xmlns:a14="http://schemas.microsoft.com/office/drawing/2010/main">
+                  <a:solidFill>
+                    <a:schemeClr val="accent1"/>
+                  </a:solidFill>
+                </a14:hiddenFill>
+              </a:ext>
+              <a:ext uri="{AF507438-7753-43E0-B8FC-AC1667EBCBE1}">
+                <a14:hiddenEffects xmlns:a14="http://schemas.microsoft.com/office/drawing/2010/main">
+                  <a:effectLst>
+                    <a:outerShdw dist="35921" dir="2700000" algn="ctr" rotWithShape="0">
+                      <a:schemeClr val="bg2"/>
+                    </a:outerShdw>
+                  </a:effectLst>
+                </a14:hiddenEffects>
+              </a:ext>
+            </a:extLst>
+          </p:spPr>
+          <p:txBody>
+            <a:bodyPr wrap="none" anchor="ctr"/>
+            <a:lstStyle/>
+            <a:p>
+              <a:pPr>
+                <a:buNone/>
+              </a:pPr>
+              <a:endParaRPr lang="ru-RU"/>
+            </a:p>
+          </p:txBody>
+        </p:sp>
+        <p:sp>
+          <p:nvSpPr>
+            <p:cNvPr id="84" name="Rectangle 76"/>
+            <p:cNvSpPr>
+              <a:spLocks noChangeArrowheads="1"/>
+            </p:cNvSpPr>
+            <p:nvPr/>
+          </p:nvSpPr>
+          <p:spPr bwMode="auto">
+            <a:xfrm>
+              <a:off x="296" y="2128"/>
+              <a:ext cx="944" cy="56"/>
+            </a:xfrm>
+            <a:prstGeom prst="rect">
+              <a:avLst/>
+            </a:prstGeom>
+            <a:solidFill>
+              <a:schemeClr val="bg1"/>
+            </a:solidFill>
+            <a:ln w="28575">
+              <a:solidFill>
+                <a:schemeClr val="tx1"/>
+              </a:solidFill>
+              <a:miter lim="800000"/>
+              <a:headEnd/>
+              <a:tailEnd/>
+            </a:ln>
+            <a:effectLst/>
+            <a:extLst>
+              <a:ext uri="{AF507438-7753-43E0-B8FC-AC1667EBCBE1}">
+                <a14:hiddenEffects xmlns:a14="http://schemas.microsoft.com/office/drawing/2010/main">
+                  <a:effectLst>
+                    <a:outerShdw dist="35921" dir="2700000" algn="ctr" rotWithShape="0">
+                      <a:schemeClr val="bg2"/>
+                    </a:outerShdw>
+                  </a:effectLst>
+                </a14:hiddenEffects>
+              </a:ext>
+            </a:extLst>
+          </p:spPr>
+          <p:txBody>
+            <a:bodyPr wrap="none" anchor="ctr"/>
+            <a:lstStyle/>
+            <a:p>
+              <a:pPr>
+                <a:buNone/>
+              </a:pPr>
+              <a:endParaRPr lang="ru-RU"/>
+            </a:p>
+          </p:txBody>
+        </p:sp>
+        <p:sp>
+          <p:nvSpPr>
+            <p:cNvPr id="85" name="Line 77"/>
+            <p:cNvSpPr>
+              <a:spLocks noChangeShapeType="1"/>
+            </p:cNvSpPr>
+            <p:nvPr/>
+          </p:nvSpPr>
+          <p:spPr bwMode="auto">
+            <a:xfrm flipV="1">
+              <a:off x="1296" y="2184"/>
+              <a:ext cx="16" cy="64"/>
+            </a:xfrm>
+            <a:prstGeom prst="line">
+              <a:avLst/>
+            </a:prstGeom>
+            <a:noFill/>
+            <a:ln w="9525">
+              <a:solidFill>
+                <a:schemeClr val="tx1"/>
+              </a:solidFill>
+              <a:round/>
+              <a:headEnd/>
+              <a:tailEnd/>
+            </a:ln>
+            <a:effectLst/>
+            <a:extLst>
+              <a:ext uri="{909E8E84-426E-40DD-AFC4-6F175D3DCCD1}">
+                <a14:hiddenFill xmlns:a14="http://schemas.microsoft.com/office/drawing/2010/main">
+                  <a:noFill/>
+                </a14:hiddenFill>
+              </a:ext>
+              <a:ext uri="{AF507438-7753-43E0-B8FC-AC1667EBCBE1}">
+                <a14:hiddenEffects xmlns:a14="http://schemas.microsoft.com/office/drawing/2010/main">
+                  <a:effectLst>
+                    <a:outerShdw dist="35921" dir="2700000" algn="ctr" rotWithShape="0">
+                      <a:schemeClr val="bg2"/>
+                    </a:outerShdw>
+                  </a:effectLst>
+                </a14:hiddenEffects>
+              </a:ext>
+            </a:extLst>
+          </p:spPr>
+          <p:txBody>
+            <a:bodyPr/>
+            <a:lstStyle/>
+            <a:p>
+              <a:pPr>
+                <a:buNone/>
+              </a:pPr>
+              <a:endParaRPr lang="ru-RU"/>
+            </a:p>
+          </p:txBody>
+        </p:sp>
+        <p:sp>
+          <p:nvSpPr>
+            <p:cNvPr id="86" name="Line 78"/>
+            <p:cNvSpPr>
+              <a:spLocks noChangeShapeType="1"/>
+            </p:cNvSpPr>
+            <p:nvPr/>
+          </p:nvSpPr>
+          <p:spPr bwMode="auto">
+            <a:xfrm flipH="1">
+              <a:off x="1432" y="2184"/>
+              <a:ext cx="40" cy="48"/>
+            </a:xfrm>
+            <a:prstGeom prst="line">
+              <a:avLst/>
+            </a:prstGeom>
+            <a:noFill/>
+            <a:ln w="9525">
+              <a:solidFill>
+                <a:schemeClr val="tx1"/>
+              </a:solidFill>
+              <a:round/>
+              <a:headEnd/>
+              <a:tailEnd/>
+            </a:ln>
+            <a:effectLst/>
+            <a:extLst>
+              <a:ext uri="{909E8E84-426E-40DD-AFC4-6F175D3DCCD1}">
+                <a14:hiddenFill xmlns:a14="http://schemas.microsoft.com/office/drawing/2010/main">
+                  <a:noFill/>
+                </a14:hiddenFill>
+              </a:ext>
+              <a:ext uri="{AF507438-7753-43E0-B8FC-AC1667EBCBE1}">
+                <a14:hiddenEffects xmlns:a14="http://schemas.microsoft.com/office/drawing/2010/main">
+                  <a:effectLst>
+                    <a:outerShdw dist="35921" dir="2700000" algn="ctr" rotWithShape="0">
+                      <a:schemeClr val="bg2"/>
+                    </a:outerShdw>
+                  </a:effectLst>
+                </a14:hiddenEffects>
+              </a:ext>
+            </a:extLst>
+          </p:spPr>
+          <p:txBody>
+            <a:bodyPr/>
+            <a:lstStyle/>
+            <a:p>
+              <a:pPr>
+                <a:buNone/>
+              </a:pPr>
+              <a:endParaRPr lang="ru-RU"/>
+            </a:p>
+          </p:txBody>
+        </p:sp>
+        <p:sp>
+          <p:nvSpPr>
+            <p:cNvPr id="87" name="Text Box 79"/>
+            <p:cNvSpPr txBox="1">
+              <a:spLocks noChangeArrowheads="1"/>
+            </p:cNvSpPr>
+            <p:nvPr/>
+          </p:nvSpPr>
+          <p:spPr bwMode="auto">
+            <a:xfrm>
+              <a:off x="568" y="2304"/>
+              <a:ext cx="720" cy="192"/>
+            </a:xfrm>
+            <a:prstGeom prst="rect">
+              <a:avLst/>
+            </a:prstGeom>
+            <a:noFill/>
+            <a:ln>
+              <a:noFill/>
+            </a:ln>
+            <a:effectLst/>
+            <a:extLst>
+              <a:ext uri="{909E8E84-426E-40DD-AFC4-6F175D3DCCD1}">
+                <a14:hiddenFill xmlns:a14="http://schemas.microsoft.com/office/drawing/2010/main">
+                  <a:solidFill>
+                    <a:schemeClr val="accent1"/>
+                  </a:solidFill>
+                </a14:hiddenFill>
+              </a:ext>
+              <a:ext uri="{91240B29-F687-4F45-9708-019B960494DF}">
+                <a14:hiddenLine xmlns:a14="http://schemas.microsoft.com/office/drawing/2010/main" w="9525">
+                  <a:solidFill>
+                    <a:schemeClr val="tx1"/>
+                  </a:solidFill>
+                  <a:miter lim="800000"/>
+                  <a:headEnd/>
+                  <a:tailEnd/>
+                </a14:hiddenLine>
+              </a:ext>
+              <a:ext uri="{AF507438-7753-43E0-B8FC-AC1667EBCBE1}">
+                <a14:hiddenEffects xmlns:a14="http://schemas.microsoft.com/office/drawing/2010/main">
+                  <a:effectLst>
+                    <a:outerShdw dist="35921" dir="2700000" algn="ctr" rotWithShape="0">
+                      <a:schemeClr val="bg2"/>
+                    </a:outerShdw>
+                  </a:effectLst>
+                </a14:hiddenEffects>
+              </a:ext>
+            </a:extLst>
+          </p:spPr>
+          <p:txBody>
+            <a:bodyPr>
+              <a:spAutoFit/>
+            </a:bodyPr>
+            <a:lstStyle/>
+            <a:p>
+              <a:pPr>
+                <a:spcBef>
+                  <a:spcPct val="50000"/>
+                </a:spcBef>
+                <a:buNone/>
+              </a:pPr>
+              <a:r>
+                <a:rPr lang="en-GB" altLang="ru-RU" sz="1400"/>
+                <a:t>Data</a:t>
+              </a:r>
+              <a:endParaRPr lang="ru-RU" altLang="ru-RU" sz="1400"/>
+            </a:p>
+          </p:txBody>
+        </p:sp>
+      </p:grpSp>
+      <p:sp>
+        <p:nvSpPr>
+          <p:cNvPr id="88" name="Text Box 80"/>
+          <p:cNvSpPr txBox="1">
+            <a:spLocks noChangeArrowheads="1"/>
+          </p:cNvSpPr>
+          <p:nvPr/>
+        </p:nvSpPr>
+        <p:spPr bwMode="auto">
+          <a:xfrm>
+            <a:off x="4318000" y="5397500"/>
+            <a:ext cx="1155700" cy="451406"/>
+          </a:xfrm>
+          <a:prstGeom prst="rect">
+            <a:avLst/>
+          </a:prstGeom>
+          <a:noFill/>
+          <a:ln>
+            <a:noFill/>
+          </a:ln>
+          <a:effectLst/>
+          <a:extLst>
+            <a:ext uri="{909E8E84-426E-40DD-AFC4-6F175D3DCCD1}">
+              <a14:hiddenFill xmlns:a14="http://schemas.microsoft.com/office/drawing/2010/main">
+                <a:solidFill>
+                  <a:schemeClr val="accent1"/>
+                </a:solidFill>
+              </a14:hiddenFill>
+            </a:ext>
+            <a:ext uri="{91240B29-F687-4F45-9708-019B960494DF}">
+              <a14:hiddenLine xmlns:a14="http://schemas.microsoft.com/office/drawing/2010/main" w="9525">
+                <a:solidFill>
+                  <a:schemeClr val="tx1"/>
+                </a:solidFill>
+                <a:miter lim="800000"/>
+                <a:headEnd/>
+                <a:tailEnd/>
+              </a14:hiddenLine>
+            </a:ext>
+            <a:ext uri="{AF507438-7753-43E0-B8FC-AC1667EBCBE1}">
+              <a14:hiddenEffects xmlns:a14="http://schemas.microsoft.com/office/drawing/2010/main">
+                <a:effectLst>
+                  <a:outerShdw dist="35921" dir="2700000" algn="ctr" rotWithShape="0">
+                    <a:schemeClr val="bg2"/>
+                  </a:outerShdw>
+                </a:effectLst>
+              </a14:hiddenEffects>
+            </a:ext>
+          </a:extLst>
+        </p:spPr>
+        <p:txBody>
+          <a:bodyPr>
+            <a:spAutoFit/>
+          </a:bodyPr>
+          <a:lstStyle/>
+          <a:p>
+            <a:pPr algn="ctr">
+              <a:spcBef>
+                <a:spcPct val="50000"/>
+              </a:spcBef>
+              <a:buNone/>
+            </a:pPr>
+            <a:r>
+              <a:rPr lang="en-GB" altLang="ru-RU" sz="1400"/>
+              <a:t>IP </a:t>
+            </a:r>
+            <a:br>
+              <a:rPr lang="en-GB" altLang="ru-RU" sz="1400"/>
+            </a:br>
+            <a:r>
+              <a:rPr lang="en-GB" altLang="ru-RU" sz="1400" baseline="30000"/>
+              <a:t>header</a:t>
+            </a:r>
+            <a:endParaRPr lang="ru-RU" altLang="ru-RU" sz="1400" baseline="30000"/>
+          </a:p>
+        </p:txBody>
+      </p:sp>
+      <p:sp>
+        <p:nvSpPr>
+          <p:cNvPr id="89" name="Text Box 81"/>
+          <p:cNvSpPr txBox="1">
+            <a:spLocks noChangeArrowheads="1"/>
+          </p:cNvSpPr>
+          <p:nvPr/>
+        </p:nvSpPr>
+        <p:spPr bwMode="auto">
+          <a:xfrm>
+            <a:off x="5410200" y="4089400"/>
+            <a:ext cx="1155700" cy="451406"/>
+          </a:xfrm>
+          <a:prstGeom prst="rect">
+            <a:avLst/>
+          </a:prstGeom>
+          <a:noFill/>
+          <a:ln>
+            <a:noFill/>
+          </a:ln>
+          <a:effectLst/>
+          <a:extLst>
+            <a:ext uri="{909E8E84-426E-40DD-AFC4-6F175D3DCCD1}">
+              <a14:hiddenFill xmlns:a14="http://schemas.microsoft.com/office/drawing/2010/main">
+                <a:solidFill>
+                  <a:schemeClr val="accent1"/>
+                </a:solidFill>
+              </a14:hiddenFill>
+            </a:ext>
+            <a:ext uri="{91240B29-F687-4F45-9708-019B960494DF}">
+              <a14:hiddenLine xmlns:a14="http://schemas.microsoft.com/office/drawing/2010/main" w="9525">
+                <a:solidFill>
+                  <a:schemeClr val="tx1"/>
+                </a:solidFill>
+                <a:miter lim="800000"/>
+                <a:headEnd/>
+                <a:tailEnd/>
+              </a14:hiddenLine>
+            </a:ext>
+            <a:ext uri="{AF507438-7753-43E0-B8FC-AC1667EBCBE1}">
+              <a14:hiddenEffects xmlns:a14="http://schemas.microsoft.com/office/drawing/2010/main">
+                <a:effectLst>
+                  <a:outerShdw dist="35921" dir="2700000" algn="ctr" rotWithShape="0">
+                    <a:schemeClr val="bg2"/>
+                  </a:outerShdw>
+                </a:effectLst>
+              </a14:hiddenEffects>
+            </a:ext>
+          </a:extLst>
+        </p:spPr>
+        <p:txBody>
+          <a:bodyPr>
+            <a:spAutoFit/>
+          </a:bodyPr>
+          <a:lstStyle/>
+          <a:p>
+            <a:pPr algn="ctr">
+              <a:spcBef>
+                <a:spcPct val="50000"/>
+              </a:spcBef>
+              <a:buNone/>
+            </a:pPr>
+            <a:r>
+              <a:rPr lang="en-GB" altLang="ru-RU" sz="1400"/>
+              <a:t>Eth </a:t>
+            </a:r>
+            <a:br>
+              <a:rPr lang="en-GB" altLang="ru-RU" sz="1400"/>
+            </a:br>
+            <a:r>
+              <a:rPr lang="en-GB" altLang="ru-RU" sz="1400" baseline="30000"/>
+              <a:t>header</a:t>
+            </a:r>
+            <a:endParaRPr lang="ru-RU" altLang="ru-RU" sz="1400" baseline="30000"/>
+          </a:p>
+        </p:txBody>
+      </p:sp>
+      <p:sp>
+        <p:nvSpPr>
+          <p:cNvPr id="90" name="Text Box 82"/>
+          <p:cNvSpPr txBox="1">
+            <a:spLocks noChangeArrowheads="1"/>
+          </p:cNvSpPr>
+          <p:nvPr/>
+        </p:nvSpPr>
+        <p:spPr bwMode="auto">
+          <a:xfrm>
+            <a:off x="6413500" y="3898900"/>
+            <a:ext cx="1155700" cy="451406"/>
+          </a:xfrm>
+          <a:prstGeom prst="rect">
+            <a:avLst/>
+          </a:prstGeom>
+          <a:noFill/>
+          <a:ln>
+            <a:noFill/>
+          </a:ln>
+          <a:effectLst/>
+          <a:extLst>
+            <a:ext uri="{909E8E84-426E-40DD-AFC4-6F175D3DCCD1}">
+              <a14:hiddenFill xmlns:a14="http://schemas.microsoft.com/office/drawing/2010/main">
+                <a:solidFill>
+                  <a:schemeClr val="accent1"/>
+                </a:solidFill>
+              </a14:hiddenFill>
+            </a:ext>
+            <a:ext uri="{91240B29-F687-4F45-9708-019B960494DF}">
+              <a14:hiddenLine xmlns:a14="http://schemas.microsoft.com/office/drawing/2010/main" w="9525">
+                <a:solidFill>
+                  <a:schemeClr val="tx1"/>
+                </a:solidFill>
+                <a:miter lim="800000"/>
+                <a:headEnd/>
+                <a:tailEnd/>
+              </a14:hiddenLine>
+            </a:ext>
+            <a:ext uri="{AF507438-7753-43E0-B8FC-AC1667EBCBE1}">
+              <a14:hiddenEffects xmlns:a14="http://schemas.microsoft.com/office/drawing/2010/main">
+                <a:effectLst>
+                  <a:outerShdw dist="35921" dir="2700000" algn="ctr" rotWithShape="0">
+                    <a:schemeClr val="bg2"/>
+                  </a:outerShdw>
+                </a:effectLst>
+              </a14:hiddenEffects>
+            </a:ext>
+          </a:extLst>
+        </p:spPr>
+        <p:txBody>
+          <a:bodyPr>
+            <a:spAutoFit/>
+          </a:bodyPr>
+          <a:lstStyle/>
+          <a:p>
+            <a:pPr algn="ctr">
+              <a:spcBef>
+                <a:spcPct val="50000"/>
+              </a:spcBef>
+              <a:buNone/>
+            </a:pPr>
+            <a:r>
+              <a:rPr lang="en-GB" altLang="ru-RU" sz="1400"/>
+              <a:t>Eth </a:t>
+            </a:r>
+            <a:br>
+              <a:rPr lang="en-GB" altLang="ru-RU" sz="1400"/>
+            </a:br>
+            <a:r>
+              <a:rPr lang="en-GB" altLang="ru-RU" sz="1400" baseline="30000"/>
+              <a:t>header</a:t>
+            </a:r>
+            <a:endParaRPr lang="ru-RU" altLang="ru-RU" sz="1400" baseline="30000"/>
+          </a:p>
+        </p:txBody>
+      </p:sp>
+      <p:sp>
+        <p:nvSpPr>
+          <p:cNvPr id="91" name="Freeform 83"/>
+          <p:cNvSpPr>
+            <a:spLocks/>
+          </p:cNvSpPr>
+          <p:nvPr/>
+        </p:nvSpPr>
+        <p:spPr bwMode="auto">
+          <a:xfrm>
+            <a:off x="4648200" y="4254500"/>
+            <a:ext cx="1803400" cy="1104900"/>
+          </a:xfrm>
+          <a:custGeom>
+            <a:avLst/>
+            <a:gdLst>
+              <a:gd name="T0" fmla="*/ 0 w 1136"/>
+              <a:gd name="T1" fmla="*/ 696 h 696"/>
+              <a:gd name="T2" fmla="*/ 400 w 1136"/>
+              <a:gd name="T3" fmla="*/ 424 h 696"/>
+              <a:gd name="T4" fmla="*/ 840 w 1136"/>
+              <a:gd name="T5" fmla="*/ 272 h 696"/>
+              <a:gd name="T6" fmla="*/ 1136 w 1136"/>
+              <a:gd name="T7" fmla="*/ 0 h 696"/>
+            </a:gdLst>
+            <a:ahLst/>
+            <a:cxnLst>
+              <a:cxn ang="0">
+                <a:pos x="T0" y="T1"/>
+              </a:cxn>
+              <a:cxn ang="0">
+                <a:pos x="T2" y="T3"/>
+              </a:cxn>
+              <a:cxn ang="0">
+                <a:pos x="T4" y="T5"/>
+              </a:cxn>
+              <a:cxn ang="0">
+                <a:pos x="T6" y="T7"/>
+              </a:cxn>
+            </a:cxnLst>
+            <a:rect l="0" t="0" r="r" b="b"/>
+            <a:pathLst>
+              <a:path w="1136" h="696">
+                <a:moveTo>
+                  <a:pt x="0" y="696"/>
+                </a:moveTo>
+                <a:cubicBezTo>
+                  <a:pt x="130" y="595"/>
+                  <a:pt x="260" y="495"/>
+                  <a:pt x="400" y="424"/>
+                </a:cubicBezTo>
+                <a:cubicBezTo>
+                  <a:pt x="540" y="353"/>
+                  <a:pt x="717" y="343"/>
+                  <a:pt x="840" y="272"/>
+                </a:cubicBezTo>
+                <a:cubicBezTo>
+                  <a:pt x="963" y="201"/>
+                  <a:pt x="1049" y="100"/>
+                  <a:pt x="1136" y="0"/>
+                </a:cubicBezTo>
+              </a:path>
+            </a:pathLst>
+          </a:custGeom>
+          <a:noFill/>
+          <a:ln w="9525" cap="flat" cmpd="sng">
+            <a:solidFill>
+              <a:schemeClr val="tx1"/>
+            </a:solidFill>
+            <a:prstDash val="sysDot"/>
+            <a:round/>
+            <a:headEnd type="none" w="med" len="med"/>
+            <a:tailEnd type="triangle" w="med" len="med"/>
+          </a:ln>
+          <a:effectLst/>
+          <a:extLst>
+            <a:ext uri="{909E8E84-426E-40DD-AFC4-6F175D3DCCD1}">
+              <a14:hiddenFill xmlns:a14="http://schemas.microsoft.com/office/drawing/2010/main">
+                <a:solidFill>
+                  <a:schemeClr val="accent1"/>
+                </a:solidFill>
+              </a14:hiddenFill>
+            </a:ext>
+            <a:ext uri="{AF507438-7753-43E0-B8FC-AC1667EBCBE1}">
+              <a14:hiddenEffects xmlns:a14="http://schemas.microsoft.com/office/drawing/2010/main">
+                <a:effectLst>
+                  <a:outerShdw dist="35921" dir="2700000" algn="ctr" rotWithShape="0">
+                    <a:schemeClr val="bg2"/>
+                  </a:outerShdw>
+                </a:effectLst>
+              </a14:hiddenEffects>
+            </a:ext>
+          </a:extLst>
+        </p:spPr>
+        <p:txBody>
+          <a:bodyPr/>
+          <a:lstStyle/>
+          <a:p>
+            <a:pPr>
+              <a:buNone/>
+            </a:pPr>
+            <a:endParaRPr lang="ru-RU"/>
+          </a:p>
+        </p:txBody>
+      </p:sp>
+      <p:sp>
+        <p:nvSpPr>
+          <p:cNvPr id="92" name="Line 84"/>
+          <p:cNvSpPr>
+            <a:spLocks noChangeShapeType="1"/>
+          </p:cNvSpPr>
+          <p:nvPr/>
+        </p:nvSpPr>
+        <p:spPr bwMode="auto">
+          <a:xfrm>
+            <a:off x="5994400" y="4381500"/>
+            <a:ext cx="38100" cy="88900"/>
+          </a:xfrm>
+          <a:prstGeom prst="line">
+            <a:avLst/>
+          </a:prstGeom>
+          <a:noFill/>
+          <a:ln w="9525">
+            <a:solidFill>
+              <a:schemeClr val="tx1"/>
+            </a:solidFill>
+            <a:round/>
+            <a:headEnd/>
+            <a:tailEnd/>
+          </a:ln>
+          <a:effectLst/>
+          <a:extLst>
+            <a:ext uri="{909E8E84-426E-40DD-AFC4-6F175D3DCCD1}">
+              <a14:hiddenFill xmlns:a14="http://schemas.microsoft.com/office/drawing/2010/main">
+                <a:noFill/>
+              </a14:hiddenFill>
+            </a:ext>
+            <a:ext uri="{AF507438-7753-43E0-B8FC-AC1667EBCBE1}">
+              <a14:hiddenEffects xmlns:a14="http://schemas.microsoft.com/office/drawing/2010/main">
+                <a:effectLst>
+                  <a:outerShdw dist="35921" dir="2700000" algn="ctr" rotWithShape="0">
+                    <a:schemeClr val="bg2"/>
+                  </a:outerShdw>
+                </a:effectLst>
+              </a14:hiddenEffects>
+            </a:ext>
+          </a:extLst>
+        </p:spPr>
+        <p:txBody>
+          <a:bodyPr/>
+          <a:lstStyle/>
+          <a:p>
+            <a:pPr>
+              <a:buNone/>
+            </a:pPr>
+            <a:endParaRPr lang="ru-RU"/>
+          </a:p>
+        </p:txBody>
+      </p:sp>
+      <p:sp>
+        <p:nvSpPr>
+          <p:cNvPr id="93" name="Text Box 85"/>
+          <p:cNvSpPr txBox="1">
+            <a:spLocks noChangeArrowheads="1"/>
+          </p:cNvSpPr>
+          <p:nvPr/>
+        </p:nvSpPr>
+        <p:spPr bwMode="auto">
+          <a:xfrm>
+            <a:off x="7569200" y="2324100"/>
+            <a:ext cx="850900" cy="451406"/>
+          </a:xfrm>
+          <a:prstGeom prst="rect">
+            <a:avLst/>
+          </a:prstGeom>
+          <a:noFill/>
+          <a:ln>
+            <a:noFill/>
+          </a:ln>
+          <a:effectLst/>
+          <a:extLst>
+            <a:ext uri="{909E8E84-426E-40DD-AFC4-6F175D3DCCD1}">
+              <a14:hiddenFill xmlns:a14="http://schemas.microsoft.com/office/drawing/2010/main">
+                <a:solidFill>
+                  <a:schemeClr val="accent1"/>
+                </a:solidFill>
+              </a14:hiddenFill>
+            </a:ext>
+            <a:ext uri="{91240B29-F687-4F45-9708-019B960494DF}">
+              <a14:hiddenLine xmlns:a14="http://schemas.microsoft.com/office/drawing/2010/main" w="9525">
+                <a:solidFill>
+                  <a:schemeClr val="tx1"/>
+                </a:solidFill>
+                <a:miter lim="800000"/>
+                <a:headEnd/>
+                <a:tailEnd/>
+              </a14:hiddenLine>
+            </a:ext>
+            <a:ext uri="{AF507438-7753-43E0-B8FC-AC1667EBCBE1}">
+              <a14:hiddenEffects xmlns:a14="http://schemas.microsoft.com/office/drawing/2010/main">
+                <a:effectLst>
+                  <a:outerShdw dist="35921" dir="2700000" algn="ctr" rotWithShape="0">
+                    <a:schemeClr val="bg2"/>
+                  </a:outerShdw>
+                </a:effectLst>
+              </a14:hiddenEffects>
+            </a:ext>
+          </a:extLst>
+        </p:spPr>
+        <p:txBody>
+          <a:bodyPr>
+            <a:spAutoFit/>
+          </a:bodyPr>
+          <a:lstStyle/>
+          <a:p>
+            <a:pPr algn="ctr">
+              <a:spcBef>
+                <a:spcPct val="50000"/>
+              </a:spcBef>
+              <a:buNone/>
+            </a:pPr>
+            <a:r>
+              <a:rPr lang="en-GB" altLang="ru-RU" sz="1400"/>
+              <a:t>IP </a:t>
+            </a:r>
+            <a:br>
+              <a:rPr lang="en-GB" altLang="ru-RU" sz="1400"/>
+            </a:br>
+            <a:r>
+              <a:rPr lang="en-GB" altLang="ru-RU" sz="1400" baseline="30000"/>
+              <a:t>header</a:t>
+            </a:r>
+            <a:endParaRPr lang="ru-RU" altLang="ru-RU" sz="1400" baseline="30000"/>
+          </a:p>
+        </p:txBody>
+      </p:sp>
+      <p:sp>
+        <p:nvSpPr>
+          <p:cNvPr id="94" name="Freeform 86"/>
+          <p:cNvSpPr>
+            <a:spLocks/>
+          </p:cNvSpPr>
+          <p:nvPr/>
+        </p:nvSpPr>
+        <p:spPr bwMode="auto">
+          <a:xfrm>
+            <a:off x="5422900" y="3049588"/>
+            <a:ext cx="1849438" cy="1981200"/>
+          </a:xfrm>
+          <a:custGeom>
+            <a:avLst/>
+            <a:gdLst>
+              <a:gd name="T0" fmla="*/ 0 w 1165"/>
+              <a:gd name="T1" fmla="*/ 1231 h 1248"/>
+              <a:gd name="T2" fmla="*/ 616 w 1165"/>
+              <a:gd name="T3" fmla="*/ 1071 h 1248"/>
+              <a:gd name="T4" fmla="*/ 1080 w 1165"/>
+              <a:gd name="T5" fmla="*/ 167 h 1248"/>
+              <a:gd name="T6" fmla="*/ 1128 w 1165"/>
+              <a:gd name="T7" fmla="*/ 71 h 1248"/>
+            </a:gdLst>
+            <a:ahLst/>
+            <a:cxnLst>
+              <a:cxn ang="0">
+                <a:pos x="T0" y="T1"/>
+              </a:cxn>
+              <a:cxn ang="0">
+                <a:pos x="T2" y="T3"/>
+              </a:cxn>
+              <a:cxn ang="0">
+                <a:pos x="T4" y="T5"/>
+              </a:cxn>
+              <a:cxn ang="0">
+                <a:pos x="T6" y="T7"/>
+              </a:cxn>
+            </a:cxnLst>
+            <a:rect l="0" t="0" r="r" b="b"/>
+            <a:pathLst>
+              <a:path w="1165" h="1248">
+                <a:moveTo>
+                  <a:pt x="0" y="1231"/>
+                </a:moveTo>
+                <a:cubicBezTo>
+                  <a:pt x="218" y="1239"/>
+                  <a:pt x="436" y="1248"/>
+                  <a:pt x="616" y="1071"/>
+                </a:cubicBezTo>
+                <a:cubicBezTo>
+                  <a:pt x="796" y="894"/>
+                  <a:pt x="995" y="334"/>
+                  <a:pt x="1080" y="167"/>
+                </a:cubicBezTo>
+                <a:cubicBezTo>
+                  <a:pt x="1165" y="0"/>
+                  <a:pt x="1146" y="35"/>
+                  <a:pt x="1128" y="71"/>
+                </a:cubicBezTo>
+              </a:path>
+            </a:pathLst>
+          </a:custGeom>
+          <a:noFill/>
+          <a:ln w="9525" cap="flat">
+            <a:solidFill>
+              <a:schemeClr val="tx1"/>
+            </a:solidFill>
+            <a:prstDash val="dash"/>
+            <a:round/>
+            <a:headEnd type="none" w="med" len="med"/>
+            <a:tailEnd type="triangle" w="med" len="med"/>
+          </a:ln>
+          <a:effectLst/>
+          <a:extLst>
+            <a:ext uri="{909E8E84-426E-40DD-AFC4-6F175D3DCCD1}">
+              <a14:hiddenFill xmlns:a14="http://schemas.microsoft.com/office/drawing/2010/main">
+                <a:solidFill>
+                  <a:schemeClr val="accent1"/>
+                </a:solidFill>
+              </a14:hiddenFill>
+            </a:ext>
+            <a:ext uri="{AF507438-7753-43E0-B8FC-AC1667EBCBE1}">
+              <a14:hiddenEffects xmlns:a14="http://schemas.microsoft.com/office/drawing/2010/main">
+                <a:effectLst>
+                  <a:outerShdw dist="35921" dir="2700000" algn="ctr" rotWithShape="0">
+                    <a:schemeClr val="bg2"/>
+                  </a:outerShdw>
+                </a:effectLst>
+              </a14:hiddenEffects>
+            </a:ext>
+          </a:extLst>
+        </p:spPr>
+        <p:txBody>
+          <a:bodyPr/>
+          <a:lstStyle/>
+          <a:p>
+            <a:pPr>
+              <a:buNone/>
+            </a:pPr>
+            <a:endParaRPr lang="ru-RU"/>
+          </a:p>
+        </p:txBody>
+      </p:sp>
+      <p:sp>
+        <p:nvSpPr>
+          <p:cNvPr id="95" name="Text Box 87"/>
+          <p:cNvSpPr txBox="1">
+            <a:spLocks noChangeArrowheads="1"/>
+          </p:cNvSpPr>
+          <p:nvPr/>
+        </p:nvSpPr>
+        <p:spPr bwMode="auto">
+          <a:xfrm>
+            <a:off x="5930900" y="3581400"/>
+            <a:ext cx="1079500" cy="523220"/>
+          </a:xfrm>
+          <a:prstGeom prst="rect">
+            <a:avLst/>
+          </a:prstGeom>
+          <a:noFill/>
+          <a:ln>
+            <a:noFill/>
+          </a:ln>
+          <a:effectLst/>
+          <a:extLst>
+            <a:ext uri="{909E8E84-426E-40DD-AFC4-6F175D3DCCD1}">
+              <a14:hiddenFill xmlns:a14="http://schemas.microsoft.com/office/drawing/2010/main">
+                <a:solidFill>
+                  <a:schemeClr val="accent1"/>
+                </a:solidFill>
+              </a14:hiddenFill>
+            </a:ext>
+            <a:ext uri="{91240B29-F687-4F45-9708-019B960494DF}">
+              <a14:hiddenLine xmlns:a14="http://schemas.microsoft.com/office/drawing/2010/main" w="9525">
+                <a:solidFill>
+                  <a:schemeClr val="tx1"/>
+                </a:solidFill>
+                <a:miter lim="800000"/>
+                <a:headEnd/>
+                <a:tailEnd/>
+              </a14:hiddenLine>
+            </a:ext>
+            <a:ext uri="{AF507438-7753-43E0-B8FC-AC1667EBCBE1}">
+              <a14:hiddenEffects xmlns:a14="http://schemas.microsoft.com/office/drawing/2010/main">
+                <a:effectLst>
+                  <a:outerShdw dist="35921" dir="2700000" algn="ctr" rotWithShape="0">
+                    <a:schemeClr val="bg2"/>
+                  </a:outerShdw>
+                </a:effectLst>
+              </a14:hiddenEffects>
+            </a:ext>
+          </a:extLst>
+        </p:spPr>
+        <p:txBody>
+          <a:bodyPr>
+            <a:spAutoFit/>
+          </a:bodyPr>
+          <a:lstStyle/>
+          <a:p>
+            <a:pPr>
+              <a:spcBef>
+                <a:spcPct val="50000"/>
+              </a:spcBef>
+              <a:buNone/>
+            </a:pPr>
+            <a:r>
+              <a:rPr lang="en-GB" altLang="ru-RU" sz="1400"/>
+              <a:t>Ethernet </a:t>
+            </a:r>
+            <a:r>
+              <a:rPr lang="ru-RU" altLang="ru-RU" sz="1400"/>
+              <a:t>кадры</a:t>
+            </a:r>
+          </a:p>
+        </p:txBody>
+      </p:sp>
+      <p:sp>
+        <p:nvSpPr>
+          <p:cNvPr id="96" name="Line 88"/>
+          <p:cNvSpPr>
+            <a:spLocks noChangeShapeType="1"/>
+          </p:cNvSpPr>
+          <p:nvPr/>
+        </p:nvSpPr>
+        <p:spPr bwMode="auto">
+          <a:xfrm>
+            <a:off x="6832600" y="3937000"/>
+            <a:ext cx="63500" cy="38100"/>
+          </a:xfrm>
+          <a:prstGeom prst="line">
+            <a:avLst/>
+          </a:prstGeom>
+          <a:noFill/>
+          <a:ln w="9525">
+            <a:solidFill>
+              <a:schemeClr val="tx1"/>
+            </a:solidFill>
+            <a:round/>
+            <a:headEnd/>
+            <a:tailEnd/>
+          </a:ln>
+          <a:effectLst/>
+          <a:extLst>
+            <a:ext uri="{909E8E84-426E-40DD-AFC4-6F175D3DCCD1}">
+              <a14:hiddenFill xmlns:a14="http://schemas.microsoft.com/office/drawing/2010/main">
+                <a:noFill/>
+              </a14:hiddenFill>
+            </a:ext>
+            <a:ext uri="{AF507438-7753-43E0-B8FC-AC1667EBCBE1}">
+              <a14:hiddenEffects xmlns:a14="http://schemas.microsoft.com/office/drawing/2010/main">
+                <a:effectLst>
+                  <a:outerShdw dist="35921" dir="2700000" algn="ctr" rotWithShape="0">
+                    <a:schemeClr val="bg2"/>
+                  </a:outerShdw>
+                </a:effectLst>
+              </a14:hiddenEffects>
+            </a:ext>
+          </a:extLst>
+        </p:spPr>
+        <p:txBody>
+          <a:bodyPr/>
+          <a:lstStyle/>
+          <a:p>
+            <a:pPr>
+              <a:buNone/>
+            </a:pPr>
+            <a:endParaRPr lang="ru-RU"/>
+          </a:p>
+        </p:txBody>
+      </p:sp>
+      <p:sp>
+        <p:nvSpPr>
+          <p:cNvPr id="98" name="Line 90"/>
+          <p:cNvSpPr>
+            <a:spLocks noChangeShapeType="1"/>
+          </p:cNvSpPr>
+          <p:nvPr/>
+        </p:nvSpPr>
+        <p:spPr bwMode="auto">
+          <a:xfrm flipV="1">
+            <a:off x="7124700" y="3022600"/>
+            <a:ext cx="127000" cy="292100"/>
+          </a:xfrm>
+          <a:prstGeom prst="line">
+            <a:avLst/>
+          </a:prstGeom>
+          <a:noFill/>
+          <a:ln w="9525">
+            <a:solidFill>
+              <a:schemeClr val="tx1"/>
+            </a:solidFill>
+            <a:round/>
+            <a:headEnd/>
+            <a:tailEnd type="triangle" w="lg" len="lg"/>
+          </a:ln>
+          <a:effectLst/>
+          <a:extLst>
+            <a:ext uri="{909E8E84-426E-40DD-AFC4-6F175D3DCCD1}">
+              <a14:hiddenFill xmlns:a14="http://schemas.microsoft.com/office/drawing/2010/main">
+                <a:noFill/>
+              </a14:hiddenFill>
+            </a:ext>
+            <a:ext uri="{AF507438-7753-43E0-B8FC-AC1667EBCBE1}">
+              <a14:hiddenEffects xmlns:a14="http://schemas.microsoft.com/office/drawing/2010/main">
+                <a:effectLst>
+                  <a:outerShdw dist="35921" dir="2700000" algn="ctr" rotWithShape="0">
+                    <a:schemeClr val="bg2"/>
+                  </a:outerShdw>
+                </a:effectLst>
+              </a14:hiddenEffects>
+            </a:ext>
+          </a:extLst>
+        </p:spPr>
+        <p:txBody>
+          <a:bodyPr/>
+          <a:lstStyle/>
+          <a:p>
+            <a:pPr>
+              <a:buNone/>
+            </a:pPr>
+            <a:endParaRPr lang="ru-RU"/>
+          </a:p>
+        </p:txBody>
+      </p:sp>
+      <p:sp>
+        <p:nvSpPr>
+          <p:cNvPr id="99" name="Line 91"/>
+          <p:cNvSpPr>
+            <a:spLocks noChangeShapeType="1"/>
+          </p:cNvSpPr>
+          <p:nvPr/>
+        </p:nvSpPr>
+        <p:spPr bwMode="auto">
+          <a:xfrm>
+            <a:off x="1358900" y="2057400"/>
+            <a:ext cx="0" cy="279400"/>
+          </a:xfrm>
+          <a:prstGeom prst="line">
+            <a:avLst/>
+          </a:prstGeom>
+          <a:noFill/>
+          <a:ln w="9525">
+            <a:solidFill>
+              <a:schemeClr val="tx1"/>
+            </a:solidFill>
+            <a:round/>
+            <a:headEnd/>
+            <a:tailEnd/>
+          </a:ln>
+          <a:effectLst/>
+          <a:extLst>
+            <a:ext uri="{909E8E84-426E-40DD-AFC4-6F175D3DCCD1}">
+              <a14:hiddenFill xmlns:a14="http://schemas.microsoft.com/office/drawing/2010/main">
+                <a:noFill/>
+              </a14:hiddenFill>
+            </a:ext>
+            <a:ext uri="{AF507438-7753-43E0-B8FC-AC1667EBCBE1}">
+              <a14:hiddenEffects xmlns:a14="http://schemas.microsoft.com/office/drawing/2010/main">
+                <a:effectLst>
+                  <a:outerShdw dist="35921" dir="2700000" algn="ctr" rotWithShape="0">
+                    <a:schemeClr val="bg2"/>
+                  </a:outerShdw>
+                </a:effectLst>
+              </a14:hiddenEffects>
+            </a:ext>
+          </a:extLst>
+        </p:spPr>
+        <p:txBody>
+          <a:bodyPr/>
+          <a:lstStyle/>
+          <a:p>
+            <a:pPr>
+              <a:buNone/>
+            </a:pPr>
+            <a:endParaRPr lang="ru-RU"/>
+          </a:p>
+        </p:txBody>
+      </p:sp>
+      <p:sp>
+        <p:nvSpPr>
+          <p:cNvPr id="100" name="Text Box 92"/>
+          <p:cNvSpPr txBox="1">
+            <a:spLocks noChangeArrowheads="1"/>
+          </p:cNvSpPr>
+          <p:nvPr/>
+        </p:nvSpPr>
+        <p:spPr bwMode="auto">
+          <a:xfrm>
+            <a:off x="482600" y="190500"/>
+            <a:ext cx="1803400" cy="400110"/>
+          </a:xfrm>
+          <a:prstGeom prst="rect">
+            <a:avLst/>
+          </a:prstGeom>
+          <a:noFill/>
+          <a:ln>
+            <a:noFill/>
+          </a:ln>
+          <a:effectLst/>
+          <a:extLst>
+            <a:ext uri="{909E8E84-426E-40DD-AFC4-6F175D3DCCD1}">
+              <a14:hiddenFill xmlns:a14="http://schemas.microsoft.com/office/drawing/2010/main">
+                <a:solidFill>
+                  <a:schemeClr val="accent1"/>
+                </a:solidFill>
+              </a14:hiddenFill>
+            </a:ext>
+            <a:ext uri="{91240B29-F687-4F45-9708-019B960494DF}">
+              <a14:hiddenLine xmlns:a14="http://schemas.microsoft.com/office/drawing/2010/main" w="9525">
+                <a:solidFill>
+                  <a:schemeClr val="tx1"/>
+                </a:solidFill>
+                <a:miter lim="800000"/>
+                <a:headEnd/>
+                <a:tailEnd/>
+              </a14:hiddenLine>
+            </a:ext>
+            <a:ext uri="{AF507438-7753-43E0-B8FC-AC1667EBCBE1}">
+              <a14:hiddenEffects xmlns:a14="http://schemas.microsoft.com/office/drawing/2010/main">
+                <a:effectLst>
+                  <a:outerShdw dist="35921" dir="2700000" algn="ctr" rotWithShape="0">
+                    <a:schemeClr val="bg2"/>
+                  </a:outerShdw>
+                </a:effectLst>
+              </a14:hiddenEffects>
+            </a:ext>
+          </a:extLst>
+        </p:spPr>
+        <p:txBody>
+          <a:bodyPr>
+            <a:spAutoFit/>
+          </a:bodyPr>
+          <a:lstStyle/>
+          <a:p>
+            <a:pPr>
+              <a:spcBef>
+                <a:spcPct val="50000"/>
+              </a:spcBef>
+              <a:buNone/>
+            </a:pPr>
+            <a:r>
+              <a:rPr lang="ru-RU" altLang="ru-RU" dirty="0" smtClean="0"/>
+              <a:t>Отправитель</a:t>
+            </a:r>
+            <a:endParaRPr lang="ru-RU" altLang="ru-RU" dirty="0"/>
+          </a:p>
+        </p:txBody>
+      </p:sp>
+      <p:sp>
+        <p:nvSpPr>
+          <p:cNvPr id="101" name="Text Box 93"/>
+          <p:cNvSpPr txBox="1">
+            <a:spLocks noChangeArrowheads="1"/>
+          </p:cNvSpPr>
+          <p:nvPr/>
+        </p:nvSpPr>
+        <p:spPr bwMode="auto">
+          <a:xfrm>
+            <a:off x="355600" y="1676400"/>
+            <a:ext cx="977900" cy="400110"/>
+          </a:xfrm>
+          <a:prstGeom prst="rect">
+            <a:avLst/>
+          </a:prstGeom>
+          <a:noFill/>
+          <a:ln>
+            <a:noFill/>
+          </a:ln>
+          <a:effectLst/>
+          <a:extLst>
+            <a:ext uri="{909E8E84-426E-40DD-AFC4-6F175D3DCCD1}">
+              <a14:hiddenFill xmlns:a14="http://schemas.microsoft.com/office/drawing/2010/main">
+                <a:solidFill>
+                  <a:schemeClr val="accent1"/>
+                </a:solidFill>
+              </a14:hiddenFill>
+            </a:ext>
+            <a:ext uri="{91240B29-F687-4F45-9708-019B960494DF}">
+              <a14:hiddenLine xmlns:a14="http://schemas.microsoft.com/office/drawing/2010/main" w="9525">
+                <a:solidFill>
+                  <a:schemeClr val="tx1"/>
+                </a:solidFill>
+                <a:miter lim="800000"/>
+                <a:headEnd/>
+                <a:tailEnd/>
+              </a14:hiddenLine>
+            </a:ext>
+            <a:ext uri="{AF507438-7753-43E0-B8FC-AC1667EBCBE1}">
+              <a14:hiddenEffects xmlns:a14="http://schemas.microsoft.com/office/drawing/2010/main">
+                <a:effectLst>
+                  <a:outerShdw dist="35921" dir="2700000" algn="ctr" rotWithShape="0">
+                    <a:schemeClr val="bg2"/>
+                  </a:outerShdw>
+                </a:effectLst>
+              </a14:hiddenEffects>
+            </a:ext>
+          </a:extLst>
+        </p:spPr>
+        <p:txBody>
+          <a:bodyPr>
+            <a:spAutoFit/>
+          </a:bodyPr>
+          <a:lstStyle/>
+          <a:p>
+            <a:pPr>
+              <a:spcBef>
+                <a:spcPct val="50000"/>
+              </a:spcBef>
+              <a:buNone/>
+            </a:pPr>
+            <a:r>
+              <a:rPr lang="en-GB" altLang="ru-RU"/>
+              <a:t>IP</a:t>
+            </a:r>
+            <a:endParaRPr lang="ru-RU" altLang="ru-RU"/>
+          </a:p>
+        </p:txBody>
+      </p:sp>
+      <p:sp>
+        <p:nvSpPr>
+          <p:cNvPr id="102" name="Rectangle 94"/>
+          <p:cNvSpPr>
+            <a:spLocks noChangeArrowheads="1"/>
+          </p:cNvSpPr>
+          <p:nvPr/>
+        </p:nvSpPr>
+        <p:spPr bwMode="auto">
+          <a:xfrm>
+            <a:off x="1257300" y="1955800"/>
+            <a:ext cx="177800" cy="88900"/>
+          </a:xfrm>
+          <a:prstGeom prst="rect">
+            <a:avLst/>
+          </a:prstGeom>
+          <a:solidFill>
+            <a:srgbClr val="EAEAEA"/>
+          </a:solidFill>
+          <a:ln w="9525">
+            <a:solidFill>
+              <a:schemeClr val="tx1"/>
+            </a:solidFill>
+            <a:miter lim="800000"/>
+            <a:headEnd/>
+            <a:tailEnd/>
+          </a:ln>
+          <a:effectLst/>
+          <a:extLst>
+            <a:ext uri="{AF507438-7753-43E0-B8FC-AC1667EBCBE1}">
+              <a14:hiddenEffects xmlns:a14="http://schemas.microsoft.com/office/drawing/2010/main">
+                <a:effectLst>
+                  <a:outerShdw dist="35921" dir="2700000" algn="ctr" rotWithShape="0">
+                    <a:schemeClr val="bg2"/>
+                  </a:outerShdw>
+                </a:effectLst>
+              </a14:hiddenEffects>
+            </a:ext>
+          </a:extLst>
+        </p:spPr>
+        <p:txBody>
+          <a:bodyPr wrap="none" anchor="ctr"/>
+          <a:lstStyle/>
+          <a:p>
+            <a:pPr>
+              <a:buNone/>
+            </a:pPr>
+            <a:endParaRPr lang="ru-RU"/>
+          </a:p>
+        </p:txBody>
+      </p:sp>
+      <p:sp>
+        <p:nvSpPr>
+          <p:cNvPr id="103" name="Rectangle 95"/>
+          <p:cNvSpPr>
+            <a:spLocks noChangeArrowheads="1"/>
+          </p:cNvSpPr>
+          <p:nvPr/>
+        </p:nvSpPr>
+        <p:spPr bwMode="auto">
+          <a:xfrm>
+            <a:off x="317500" y="533400"/>
+            <a:ext cx="2057400" cy="1460500"/>
+          </a:xfrm>
+          <a:prstGeom prst="rect">
+            <a:avLst/>
+          </a:prstGeom>
+          <a:solidFill>
+            <a:schemeClr val="bg1"/>
+          </a:solidFill>
+          <a:ln w="28575">
+            <a:solidFill>
+              <a:schemeClr val="tx1"/>
+            </a:solidFill>
+            <a:miter lim="800000"/>
+            <a:headEnd/>
+            <a:tailEnd/>
+          </a:ln>
+          <a:effectLst/>
+          <a:extLst>
+            <a:ext uri="{AF507438-7753-43E0-B8FC-AC1667EBCBE1}">
+              <a14:hiddenEffects xmlns:a14="http://schemas.microsoft.com/office/drawing/2010/main">
+                <a:effectLst>
+                  <a:outerShdw dist="35921" dir="2700000" algn="ctr" rotWithShape="0">
+                    <a:schemeClr val="bg2"/>
+                  </a:outerShdw>
+                </a:effectLst>
+              </a14:hiddenEffects>
+            </a:ext>
+          </a:extLst>
+        </p:spPr>
+        <p:txBody>
+          <a:bodyPr wrap="none" anchor="ctr"/>
+          <a:lstStyle/>
+          <a:p>
+            <a:pPr>
+              <a:buNone/>
+            </a:pPr>
+            <a:endParaRPr lang="ru-RU"/>
+          </a:p>
+        </p:txBody>
+      </p:sp>
+      <p:sp>
+        <p:nvSpPr>
+          <p:cNvPr id="104" name="Rectangle 96"/>
+          <p:cNvSpPr>
+            <a:spLocks noChangeArrowheads="1"/>
+          </p:cNvSpPr>
+          <p:nvPr/>
+        </p:nvSpPr>
+        <p:spPr bwMode="auto">
+          <a:xfrm>
+            <a:off x="393700" y="1536700"/>
+            <a:ext cx="1778000" cy="381000"/>
+          </a:xfrm>
+          <a:prstGeom prst="rect">
+            <a:avLst/>
+          </a:prstGeom>
+          <a:solidFill>
+            <a:srgbClr val="EAEAEA"/>
+          </a:solidFill>
+          <a:ln w="9525">
+            <a:solidFill>
+              <a:schemeClr val="tx1"/>
+            </a:solidFill>
+            <a:miter lim="800000"/>
+            <a:headEnd/>
+            <a:tailEnd/>
+          </a:ln>
+          <a:effectLst/>
+          <a:extLst>
+            <a:ext uri="{AF507438-7753-43E0-B8FC-AC1667EBCBE1}">
+              <a14:hiddenEffects xmlns:a14="http://schemas.microsoft.com/office/drawing/2010/main">
+                <a:effectLst>
+                  <a:outerShdw dist="35921" dir="2700000" algn="ctr" rotWithShape="0">
+                    <a:schemeClr val="bg2"/>
+                  </a:outerShdw>
+                </a:effectLst>
+              </a14:hiddenEffects>
+            </a:ext>
+          </a:extLst>
+        </p:spPr>
+        <p:txBody>
+          <a:bodyPr wrap="none" anchor="ctr"/>
+          <a:lstStyle/>
+          <a:p>
+            <a:pPr>
+              <a:buNone/>
+            </a:pPr>
+            <a:endParaRPr lang="ru-RU"/>
+          </a:p>
+        </p:txBody>
+      </p:sp>
+      <p:sp>
+        <p:nvSpPr>
+          <p:cNvPr id="105" name="Text Box 97"/>
+          <p:cNvSpPr txBox="1">
+            <a:spLocks noChangeArrowheads="1"/>
+          </p:cNvSpPr>
+          <p:nvPr/>
+        </p:nvSpPr>
+        <p:spPr bwMode="auto">
+          <a:xfrm>
+            <a:off x="444500" y="1485900"/>
+            <a:ext cx="1930400" cy="400110"/>
+          </a:xfrm>
+          <a:prstGeom prst="rect">
+            <a:avLst/>
+          </a:prstGeom>
+          <a:noFill/>
+          <a:ln>
+            <a:noFill/>
+          </a:ln>
+          <a:effectLst/>
+          <a:extLst>
+            <a:ext uri="{909E8E84-426E-40DD-AFC4-6F175D3DCCD1}">
+              <a14:hiddenFill xmlns:a14="http://schemas.microsoft.com/office/drawing/2010/main">
+                <a:solidFill>
+                  <a:schemeClr val="accent1"/>
+                </a:solidFill>
+              </a14:hiddenFill>
+            </a:ext>
+            <a:ext uri="{91240B29-F687-4F45-9708-019B960494DF}">
+              <a14:hiddenLine xmlns:a14="http://schemas.microsoft.com/office/drawing/2010/main" w="9525">
+                <a:solidFill>
+                  <a:schemeClr val="tx1"/>
+                </a:solidFill>
+                <a:miter lim="800000"/>
+                <a:headEnd/>
+                <a:tailEnd/>
+              </a14:hiddenLine>
+            </a:ext>
+            <a:ext uri="{AF507438-7753-43E0-B8FC-AC1667EBCBE1}">
+              <a14:hiddenEffects xmlns:a14="http://schemas.microsoft.com/office/drawing/2010/main">
+                <a:effectLst>
+                  <a:outerShdw dist="35921" dir="2700000" algn="ctr" rotWithShape="0">
+                    <a:schemeClr val="bg2"/>
+                  </a:outerShdw>
+                </a:effectLst>
+              </a14:hiddenEffects>
+            </a:ext>
+          </a:extLst>
+        </p:spPr>
+        <p:txBody>
+          <a:bodyPr>
+            <a:spAutoFit/>
+          </a:bodyPr>
+          <a:lstStyle/>
+          <a:p>
+            <a:pPr algn="ctr">
+              <a:spcBef>
+                <a:spcPct val="50000"/>
+              </a:spcBef>
+              <a:buNone/>
+            </a:pPr>
+            <a:r>
+              <a:rPr lang="ru-RU" altLang="ru-RU"/>
+              <a:t>Протокол </a:t>
+            </a:r>
+            <a:r>
+              <a:rPr lang="en-GB" altLang="ru-RU"/>
+              <a:t>IP</a:t>
+            </a:r>
+            <a:endParaRPr lang="ru-RU" altLang="ru-RU"/>
+          </a:p>
+        </p:txBody>
+      </p:sp>
+      <p:sp>
+        <p:nvSpPr>
+          <p:cNvPr id="106" name="Rectangle 98"/>
+          <p:cNvSpPr>
+            <a:spLocks noChangeArrowheads="1"/>
+          </p:cNvSpPr>
+          <p:nvPr/>
+        </p:nvSpPr>
+        <p:spPr bwMode="auto">
+          <a:xfrm>
+            <a:off x="388938" y="1081088"/>
+            <a:ext cx="1725612" cy="104775"/>
+          </a:xfrm>
+          <a:prstGeom prst="rect">
+            <a:avLst/>
+          </a:prstGeom>
+          <a:noFill/>
+          <a:ln w="9525">
+            <a:solidFill>
+              <a:schemeClr val="tx1"/>
+            </a:solidFill>
+            <a:miter lim="800000"/>
+            <a:headEnd/>
+            <a:tailEnd/>
+          </a:ln>
+          <a:effectLst/>
+          <a:extLst>
+            <a:ext uri="{909E8E84-426E-40DD-AFC4-6F175D3DCCD1}">
+              <a14:hiddenFill xmlns:a14="http://schemas.microsoft.com/office/drawing/2010/main">
+                <a:solidFill>
+                  <a:schemeClr val="accent1"/>
+                </a:solidFill>
+              </a14:hiddenFill>
+            </a:ext>
+            <a:ext uri="{AF507438-7753-43E0-B8FC-AC1667EBCBE1}">
+              <a14:hiddenEffects xmlns:a14="http://schemas.microsoft.com/office/drawing/2010/main">
+                <a:effectLst>
+                  <a:outerShdw dist="35921" dir="2700000" algn="ctr" rotWithShape="0">
+                    <a:schemeClr val="bg2"/>
+                  </a:outerShdw>
+                </a:effectLst>
+              </a14:hiddenEffects>
+            </a:ext>
+          </a:extLst>
+        </p:spPr>
+        <p:txBody>
+          <a:bodyPr wrap="none" anchor="ctr"/>
+          <a:lstStyle/>
+          <a:p>
+            <a:pPr>
+              <a:buNone/>
+            </a:pPr>
+            <a:endParaRPr lang="ru-RU"/>
+          </a:p>
+        </p:txBody>
+      </p:sp>
+      <p:sp>
+        <p:nvSpPr>
+          <p:cNvPr id="107" name="Rectangle 99"/>
+          <p:cNvSpPr>
+            <a:spLocks noChangeArrowheads="1"/>
+          </p:cNvSpPr>
+          <p:nvPr/>
+        </p:nvSpPr>
+        <p:spPr bwMode="auto">
+          <a:xfrm>
+            <a:off x="1892300" y="1079500"/>
+            <a:ext cx="215900" cy="88900"/>
+          </a:xfrm>
+          <a:prstGeom prst="rect">
+            <a:avLst/>
+          </a:prstGeom>
+          <a:solidFill>
+            <a:srgbClr val="EAEAEA"/>
+          </a:solidFill>
+          <a:ln w="9525">
+            <a:solidFill>
+              <a:schemeClr val="tx1"/>
+            </a:solidFill>
+            <a:miter lim="800000"/>
+            <a:headEnd/>
+            <a:tailEnd/>
+          </a:ln>
+          <a:effectLst/>
+          <a:extLst>
+            <a:ext uri="{AF507438-7753-43E0-B8FC-AC1667EBCBE1}">
+              <a14:hiddenEffects xmlns:a14="http://schemas.microsoft.com/office/drawing/2010/main">
+                <a:effectLst>
+                  <a:outerShdw dist="35921" dir="2700000" algn="ctr" rotWithShape="0">
+                    <a:schemeClr val="bg2"/>
+                  </a:outerShdw>
+                </a:effectLst>
+              </a14:hiddenEffects>
+            </a:ext>
+          </a:extLst>
+        </p:spPr>
+        <p:txBody>
+          <a:bodyPr wrap="none" anchor="ctr"/>
+          <a:lstStyle/>
+          <a:p>
+            <a:pPr>
+              <a:buNone/>
+            </a:pPr>
+            <a:endParaRPr lang="ru-RU"/>
+          </a:p>
+        </p:txBody>
+      </p:sp>
+      <p:sp>
+        <p:nvSpPr>
+          <p:cNvPr id="108" name="Rectangle 100"/>
+          <p:cNvSpPr>
+            <a:spLocks noChangeArrowheads="1"/>
+          </p:cNvSpPr>
+          <p:nvPr/>
+        </p:nvSpPr>
+        <p:spPr bwMode="auto">
+          <a:xfrm>
+            <a:off x="1562100" y="1079500"/>
+            <a:ext cx="317500" cy="88900"/>
+          </a:xfrm>
+          <a:prstGeom prst="rect">
+            <a:avLst/>
+          </a:prstGeom>
+          <a:solidFill>
+            <a:schemeClr val="bg1"/>
+          </a:solidFill>
+          <a:ln w="9525">
+            <a:solidFill>
+              <a:schemeClr val="tx1"/>
+            </a:solidFill>
+            <a:miter lim="800000"/>
+            <a:headEnd/>
+            <a:tailEnd/>
+          </a:ln>
+          <a:effectLst/>
+          <a:extLst>
+            <a:ext uri="{AF507438-7753-43E0-B8FC-AC1667EBCBE1}">
+              <a14:hiddenEffects xmlns:a14="http://schemas.microsoft.com/office/drawing/2010/main">
+                <a:effectLst>
+                  <a:outerShdw dist="35921" dir="2700000" algn="ctr" rotWithShape="0">
+                    <a:schemeClr val="bg2"/>
+                  </a:outerShdw>
+                </a:effectLst>
+              </a14:hiddenEffects>
+            </a:ext>
+          </a:extLst>
+        </p:spPr>
+        <p:txBody>
+          <a:bodyPr wrap="none" anchor="ctr"/>
+          <a:lstStyle/>
+          <a:p>
+            <a:pPr>
+              <a:buNone/>
+            </a:pPr>
+            <a:endParaRPr lang="ru-RU"/>
+          </a:p>
+        </p:txBody>
+      </p:sp>
+      <p:sp>
+        <p:nvSpPr>
+          <p:cNvPr id="109" name="Rectangle 101"/>
+          <p:cNvSpPr>
+            <a:spLocks noChangeArrowheads="1"/>
+          </p:cNvSpPr>
+          <p:nvPr/>
+        </p:nvSpPr>
+        <p:spPr bwMode="auto">
+          <a:xfrm>
+            <a:off x="914400" y="1079500"/>
+            <a:ext cx="317500" cy="88900"/>
+          </a:xfrm>
+          <a:prstGeom prst="rect">
+            <a:avLst/>
+          </a:prstGeom>
+          <a:solidFill>
+            <a:schemeClr val="bg1"/>
+          </a:solidFill>
+          <a:ln w="9525">
+            <a:solidFill>
+              <a:schemeClr val="tx1"/>
+            </a:solidFill>
+            <a:miter lim="800000"/>
+            <a:headEnd/>
+            <a:tailEnd/>
+          </a:ln>
+          <a:effectLst/>
+          <a:extLst>
+            <a:ext uri="{AF507438-7753-43E0-B8FC-AC1667EBCBE1}">
+              <a14:hiddenEffects xmlns:a14="http://schemas.microsoft.com/office/drawing/2010/main">
+                <a:effectLst>
+                  <a:outerShdw dist="35921" dir="2700000" algn="ctr" rotWithShape="0">
+                    <a:schemeClr val="bg2"/>
+                  </a:outerShdw>
+                </a:effectLst>
+              </a14:hiddenEffects>
+            </a:ext>
+          </a:extLst>
+        </p:spPr>
+        <p:txBody>
+          <a:bodyPr wrap="none" anchor="ctr"/>
+          <a:lstStyle/>
+          <a:p>
+            <a:pPr>
+              <a:buNone/>
+            </a:pPr>
+            <a:endParaRPr lang="ru-RU"/>
+          </a:p>
+        </p:txBody>
+      </p:sp>
+      <p:sp>
+        <p:nvSpPr>
+          <p:cNvPr id="110" name="Rectangle 102"/>
+          <p:cNvSpPr>
+            <a:spLocks noChangeArrowheads="1"/>
+          </p:cNvSpPr>
+          <p:nvPr/>
+        </p:nvSpPr>
+        <p:spPr bwMode="auto">
+          <a:xfrm>
+            <a:off x="1244600" y="1079500"/>
+            <a:ext cx="317500" cy="88900"/>
+          </a:xfrm>
+          <a:prstGeom prst="rect">
+            <a:avLst/>
+          </a:prstGeom>
+          <a:solidFill>
+            <a:schemeClr val="bg1"/>
+          </a:solidFill>
+          <a:ln w="9525">
+            <a:solidFill>
+              <a:schemeClr val="tx1"/>
+            </a:solidFill>
+            <a:miter lim="800000"/>
+            <a:headEnd/>
+            <a:tailEnd/>
+          </a:ln>
+          <a:effectLst/>
+          <a:extLst>
+            <a:ext uri="{AF507438-7753-43E0-B8FC-AC1667EBCBE1}">
+              <a14:hiddenEffects xmlns:a14="http://schemas.microsoft.com/office/drawing/2010/main">
+                <a:effectLst>
+                  <a:outerShdw dist="35921" dir="2700000" algn="ctr" rotWithShape="0">
+                    <a:schemeClr val="bg2"/>
+                  </a:outerShdw>
+                </a:effectLst>
+              </a14:hiddenEffects>
+            </a:ext>
+          </a:extLst>
+        </p:spPr>
+        <p:txBody>
+          <a:bodyPr wrap="none" anchor="ctr"/>
+          <a:lstStyle/>
+          <a:p>
+            <a:pPr>
+              <a:buNone/>
+            </a:pPr>
+            <a:endParaRPr lang="ru-RU"/>
+          </a:p>
+        </p:txBody>
+      </p:sp>
+      <p:sp>
+        <p:nvSpPr>
+          <p:cNvPr id="111" name="Rectangle 103"/>
+          <p:cNvSpPr>
+            <a:spLocks noChangeArrowheads="1"/>
+          </p:cNvSpPr>
+          <p:nvPr/>
+        </p:nvSpPr>
+        <p:spPr bwMode="auto">
+          <a:xfrm>
+            <a:off x="596900" y="1079500"/>
+            <a:ext cx="317500" cy="88900"/>
+          </a:xfrm>
+          <a:prstGeom prst="rect">
+            <a:avLst/>
+          </a:prstGeom>
+          <a:solidFill>
+            <a:schemeClr val="bg1"/>
+          </a:solidFill>
+          <a:ln w="9525">
+            <a:solidFill>
+              <a:schemeClr val="tx1"/>
+            </a:solidFill>
+            <a:miter lim="800000"/>
+            <a:headEnd/>
+            <a:tailEnd/>
+          </a:ln>
+          <a:effectLst/>
+          <a:extLst>
+            <a:ext uri="{AF507438-7753-43E0-B8FC-AC1667EBCBE1}">
+              <a14:hiddenEffects xmlns:a14="http://schemas.microsoft.com/office/drawing/2010/main">
+                <a:effectLst>
+                  <a:outerShdw dist="35921" dir="2700000" algn="ctr" rotWithShape="0">
+                    <a:schemeClr val="bg2"/>
+                  </a:outerShdw>
+                </a:effectLst>
+              </a14:hiddenEffects>
+            </a:ext>
+          </a:extLst>
+        </p:spPr>
+        <p:txBody>
+          <a:bodyPr wrap="none" anchor="ctr"/>
+          <a:lstStyle/>
+          <a:p>
+            <a:pPr>
+              <a:buNone/>
+            </a:pPr>
+            <a:endParaRPr lang="ru-RU"/>
+          </a:p>
+        </p:txBody>
+      </p:sp>
+      <p:sp>
+        <p:nvSpPr>
+          <p:cNvPr id="112" name="AutoShape 104"/>
+          <p:cNvSpPr>
+            <a:spLocks/>
+          </p:cNvSpPr>
+          <p:nvPr/>
+        </p:nvSpPr>
+        <p:spPr bwMode="auto">
+          <a:xfrm rot="5400000">
+            <a:off x="1123950" y="82550"/>
+            <a:ext cx="279400" cy="1676400"/>
+          </a:xfrm>
+          <a:prstGeom prst="leftBrace">
+            <a:avLst>
+              <a:gd name="adj1" fmla="val 50000"/>
+              <a:gd name="adj2" fmla="val 50000"/>
+            </a:avLst>
+          </a:prstGeom>
+          <a:noFill/>
+          <a:ln w="9525">
+            <a:solidFill>
+              <a:schemeClr val="tx1"/>
+            </a:solidFill>
+            <a:round/>
+            <a:headEnd/>
+            <a:tailEnd/>
+          </a:ln>
+          <a:effectLst/>
+          <a:extLst>
+            <a:ext uri="{909E8E84-426E-40DD-AFC4-6F175D3DCCD1}">
+              <a14:hiddenFill xmlns:a14="http://schemas.microsoft.com/office/drawing/2010/main">
+                <a:solidFill>
+                  <a:schemeClr val="accent1"/>
+                </a:solidFill>
+              </a14:hiddenFill>
+            </a:ext>
+            <a:ext uri="{AF507438-7753-43E0-B8FC-AC1667EBCBE1}">
+              <a14:hiddenEffects xmlns:a14="http://schemas.microsoft.com/office/drawing/2010/main">
+                <a:effectLst>
+                  <a:outerShdw dist="35921" dir="2700000" algn="ctr" rotWithShape="0">
+                    <a:schemeClr val="bg2"/>
+                  </a:outerShdw>
+                </a:effectLst>
+              </a14:hiddenEffects>
+            </a:ext>
+          </a:extLst>
+        </p:spPr>
+        <p:txBody>
+          <a:bodyPr wrap="none" anchor="ctr"/>
+          <a:lstStyle/>
+          <a:p>
+            <a:pPr>
+              <a:buNone/>
+            </a:pPr>
+            <a:endParaRPr lang="ru-RU"/>
+          </a:p>
+        </p:txBody>
+      </p:sp>
+      <p:sp>
+        <p:nvSpPr>
+          <p:cNvPr id="113" name="Rectangle 105"/>
+          <p:cNvSpPr>
+            <a:spLocks noChangeArrowheads="1"/>
+          </p:cNvSpPr>
+          <p:nvPr/>
+        </p:nvSpPr>
+        <p:spPr bwMode="auto">
+          <a:xfrm>
+            <a:off x="393700" y="1092200"/>
+            <a:ext cx="1498600" cy="88900"/>
+          </a:xfrm>
+          <a:prstGeom prst="rect">
+            <a:avLst/>
+          </a:prstGeom>
+          <a:solidFill>
+            <a:schemeClr val="bg1"/>
+          </a:solidFill>
+          <a:ln w="28575">
+            <a:solidFill>
+              <a:schemeClr val="tx1"/>
+            </a:solidFill>
+            <a:miter lim="800000"/>
+            <a:headEnd/>
+            <a:tailEnd/>
+          </a:ln>
+          <a:effectLst/>
+          <a:extLst>
+            <a:ext uri="{AF507438-7753-43E0-B8FC-AC1667EBCBE1}">
+              <a14:hiddenEffects xmlns:a14="http://schemas.microsoft.com/office/drawing/2010/main">
+                <a:effectLst>
+                  <a:outerShdw dist="35921" dir="2700000" algn="ctr" rotWithShape="0">
+                    <a:schemeClr val="bg2"/>
+                  </a:outerShdw>
+                </a:effectLst>
+              </a14:hiddenEffects>
+            </a:ext>
+          </a:extLst>
+        </p:spPr>
+        <p:txBody>
+          <a:bodyPr wrap="none" anchor="ctr"/>
+          <a:lstStyle/>
+          <a:p>
+            <a:pPr>
+              <a:buNone/>
+            </a:pPr>
+            <a:endParaRPr lang="ru-RU"/>
+          </a:p>
+        </p:txBody>
+      </p:sp>
+      <p:sp>
+        <p:nvSpPr>
+          <p:cNvPr id="114" name="Line 106"/>
+          <p:cNvSpPr>
+            <a:spLocks noChangeShapeType="1"/>
+          </p:cNvSpPr>
+          <p:nvPr/>
+        </p:nvSpPr>
+        <p:spPr bwMode="auto">
+          <a:xfrm flipV="1">
+            <a:off x="1981200" y="1181100"/>
+            <a:ext cx="25400" cy="101600"/>
+          </a:xfrm>
+          <a:prstGeom prst="line">
+            <a:avLst/>
+          </a:prstGeom>
+          <a:noFill/>
+          <a:ln w="9525">
+            <a:solidFill>
+              <a:schemeClr val="tx1"/>
+            </a:solidFill>
+            <a:round/>
+            <a:headEnd/>
+            <a:tailEnd/>
+          </a:ln>
+          <a:effectLst/>
+          <a:extLst>
+            <a:ext uri="{909E8E84-426E-40DD-AFC4-6F175D3DCCD1}">
+              <a14:hiddenFill xmlns:a14="http://schemas.microsoft.com/office/drawing/2010/main">
+                <a:noFill/>
+              </a14:hiddenFill>
+            </a:ext>
+            <a:ext uri="{AF507438-7753-43E0-B8FC-AC1667EBCBE1}">
+              <a14:hiddenEffects xmlns:a14="http://schemas.microsoft.com/office/drawing/2010/main">
+                <a:effectLst>
+                  <a:outerShdw dist="35921" dir="2700000" algn="ctr" rotWithShape="0">
+                    <a:schemeClr val="bg2"/>
+                  </a:outerShdw>
+                </a:effectLst>
+              </a14:hiddenEffects>
+            </a:ext>
+          </a:extLst>
+        </p:spPr>
+        <p:txBody>
+          <a:bodyPr/>
+          <a:lstStyle/>
+          <a:p>
+            <a:pPr>
+              <a:buNone/>
+            </a:pPr>
+            <a:endParaRPr lang="ru-RU"/>
+          </a:p>
+        </p:txBody>
+      </p:sp>
+      <p:sp>
+        <p:nvSpPr>
+          <p:cNvPr id="115" name="Text Box 107"/>
+          <p:cNvSpPr txBox="1">
+            <a:spLocks noChangeArrowheads="1"/>
+          </p:cNvSpPr>
+          <p:nvPr/>
+        </p:nvSpPr>
+        <p:spPr bwMode="auto">
+          <a:xfrm>
+            <a:off x="1028700" y="558800"/>
+            <a:ext cx="1143000" cy="304800"/>
+          </a:xfrm>
+          <a:prstGeom prst="rect">
+            <a:avLst/>
+          </a:prstGeom>
+          <a:noFill/>
+          <a:ln>
+            <a:noFill/>
+          </a:ln>
+          <a:effectLst/>
+          <a:extLst>
+            <a:ext uri="{909E8E84-426E-40DD-AFC4-6F175D3DCCD1}">
+              <a14:hiddenFill xmlns:a14="http://schemas.microsoft.com/office/drawing/2010/main">
+                <a:solidFill>
+                  <a:schemeClr val="accent1"/>
+                </a:solidFill>
+              </a14:hiddenFill>
+            </a:ext>
+            <a:ext uri="{91240B29-F687-4F45-9708-019B960494DF}">
+              <a14:hiddenLine xmlns:a14="http://schemas.microsoft.com/office/drawing/2010/main" w="9525">
+                <a:solidFill>
+                  <a:schemeClr val="tx1"/>
+                </a:solidFill>
+                <a:miter lim="800000"/>
+                <a:headEnd/>
+                <a:tailEnd/>
+              </a14:hiddenLine>
+            </a:ext>
+            <a:ext uri="{AF507438-7753-43E0-B8FC-AC1667EBCBE1}">
+              <a14:hiddenEffects xmlns:a14="http://schemas.microsoft.com/office/drawing/2010/main">
+                <a:effectLst>
+                  <a:outerShdw dist="35921" dir="2700000" algn="ctr" rotWithShape="0">
+                    <a:schemeClr val="bg2"/>
+                  </a:outerShdw>
+                </a:effectLst>
+              </a14:hiddenEffects>
+            </a:ext>
+          </a:extLst>
+        </p:spPr>
+        <p:txBody>
+          <a:bodyPr>
+            <a:spAutoFit/>
+          </a:bodyPr>
+          <a:lstStyle/>
+          <a:p>
+            <a:pPr>
+              <a:spcBef>
+                <a:spcPct val="50000"/>
+              </a:spcBef>
+              <a:buNone/>
+            </a:pPr>
+            <a:r>
+              <a:rPr lang="en-GB" altLang="ru-RU" sz="1400"/>
+              <a:t>IP </a:t>
+            </a:r>
+            <a:r>
+              <a:rPr lang="ru-RU" altLang="ru-RU" sz="1400"/>
+              <a:t>пакет</a:t>
+            </a:r>
+          </a:p>
+        </p:txBody>
+      </p:sp>
+      <p:sp>
+        <p:nvSpPr>
+          <p:cNvPr id="116" name="Text Box 108"/>
+          <p:cNvSpPr txBox="1">
+            <a:spLocks noChangeArrowheads="1"/>
+          </p:cNvSpPr>
+          <p:nvPr/>
+        </p:nvSpPr>
+        <p:spPr bwMode="auto">
+          <a:xfrm>
+            <a:off x="1384300" y="1193800"/>
+            <a:ext cx="1155700" cy="451406"/>
+          </a:xfrm>
+          <a:prstGeom prst="rect">
+            <a:avLst/>
+          </a:prstGeom>
+          <a:noFill/>
+          <a:ln>
+            <a:noFill/>
+          </a:ln>
+          <a:effectLst/>
+          <a:extLst>
+            <a:ext uri="{909E8E84-426E-40DD-AFC4-6F175D3DCCD1}">
+              <a14:hiddenFill xmlns:a14="http://schemas.microsoft.com/office/drawing/2010/main">
+                <a:solidFill>
+                  <a:schemeClr val="accent1"/>
+                </a:solidFill>
+              </a14:hiddenFill>
+            </a:ext>
+            <a:ext uri="{91240B29-F687-4F45-9708-019B960494DF}">
+              <a14:hiddenLine xmlns:a14="http://schemas.microsoft.com/office/drawing/2010/main" w="9525">
+                <a:solidFill>
+                  <a:schemeClr val="tx1"/>
+                </a:solidFill>
+                <a:miter lim="800000"/>
+                <a:headEnd/>
+                <a:tailEnd/>
+              </a14:hiddenLine>
+            </a:ext>
+            <a:ext uri="{AF507438-7753-43E0-B8FC-AC1667EBCBE1}">
+              <a14:hiddenEffects xmlns:a14="http://schemas.microsoft.com/office/drawing/2010/main">
+                <a:effectLst>
+                  <a:outerShdw dist="35921" dir="2700000" algn="ctr" rotWithShape="0">
+                    <a:schemeClr val="bg2"/>
+                  </a:outerShdw>
+                </a:effectLst>
+              </a14:hiddenEffects>
+            </a:ext>
+          </a:extLst>
+        </p:spPr>
+        <p:txBody>
+          <a:bodyPr>
+            <a:spAutoFit/>
+          </a:bodyPr>
+          <a:lstStyle/>
+          <a:p>
+            <a:pPr algn="ctr">
+              <a:spcBef>
+                <a:spcPct val="50000"/>
+              </a:spcBef>
+              <a:buNone/>
+            </a:pPr>
+            <a:r>
+              <a:rPr lang="en-GB" altLang="ru-RU" sz="1400"/>
+              <a:t>IP </a:t>
+            </a:r>
+            <a:br>
+              <a:rPr lang="en-GB" altLang="ru-RU" sz="1400"/>
+            </a:br>
+            <a:r>
+              <a:rPr lang="en-GB" altLang="ru-RU" sz="1400" baseline="30000"/>
+              <a:t>header</a:t>
+            </a:r>
+            <a:endParaRPr lang="ru-RU" altLang="ru-RU" sz="1400" baseline="30000"/>
+          </a:p>
+        </p:txBody>
+      </p:sp>
+      <p:grpSp>
+        <p:nvGrpSpPr>
+          <p:cNvPr id="117" name="Group 109"/>
+          <p:cNvGrpSpPr>
+            <a:grpSpLocks/>
+          </p:cNvGrpSpPr>
+          <p:nvPr/>
+        </p:nvGrpSpPr>
+        <p:grpSpPr bwMode="auto">
+          <a:xfrm>
+            <a:off x="7874000" y="1346200"/>
+            <a:ext cx="419100" cy="406400"/>
+            <a:chOff x="2448" y="1480"/>
+            <a:chExt cx="584" cy="576"/>
+          </a:xfrm>
+        </p:grpSpPr>
+        <p:sp>
+          <p:nvSpPr>
+            <p:cNvPr id="118" name="Oval 110"/>
+            <p:cNvSpPr>
+              <a:spLocks noChangeArrowheads="1"/>
+            </p:cNvSpPr>
+            <p:nvPr/>
+          </p:nvSpPr>
+          <p:spPr bwMode="auto">
+            <a:xfrm>
+              <a:off x="2456" y="1480"/>
+              <a:ext cx="576" cy="576"/>
+            </a:xfrm>
+            <a:prstGeom prst="ellipse">
+              <a:avLst/>
+            </a:prstGeom>
+            <a:solidFill>
+              <a:schemeClr val="bg1"/>
+            </a:solidFill>
+            <a:ln w="9525">
+              <a:solidFill>
+                <a:schemeClr val="tx1"/>
+              </a:solidFill>
+              <a:round/>
+              <a:headEnd/>
+              <a:tailEnd/>
+            </a:ln>
+            <a:effectLst/>
+            <a:extLst>
+              <a:ext uri="{AF507438-7753-43E0-B8FC-AC1667EBCBE1}">
+                <a14:hiddenEffects xmlns:a14="http://schemas.microsoft.com/office/drawing/2010/main">
+                  <a:effectLst>
+                    <a:outerShdw dist="35921" dir="2700000" algn="ctr" rotWithShape="0">
+                      <a:schemeClr val="bg2"/>
+                    </a:outerShdw>
+                  </a:effectLst>
+                </a14:hiddenEffects>
+              </a:ext>
+            </a:extLst>
+          </p:spPr>
+          <p:txBody>
+            <a:bodyPr wrap="none" anchor="ctr"/>
+            <a:lstStyle/>
+            <a:p>
+              <a:pPr>
+                <a:buNone/>
+              </a:pPr>
+              <a:endParaRPr lang="ru-RU"/>
+            </a:p>
+          </p:txBody>
+        </p:sp>
+        <p:sp>
+          <p:nvSpPr>
+            <p:cNvPr id="119" name="Oval 111"/>
+            <p:cNvSpPr>
+              <a:spLocks noChangeArrowheads="1"/>
+            </p:cNvSpPr>
+            <p:nvPr/>
+          </p:nvSpPr>
+          <p:spPr bwMode="auto">
+            <a:xfrm>
+              <a:off x="2728" y="1744"/>
+              <a:ext cx="56" cy="56"/>
+            </a:xfrm>
+            <a:prstGeom prst="ellipse">
+              <a:avLst/>
+            </a:prstGeom>
+            <a:solidFill>
+              <a:schemeClr val="tx2"/>
+            </a:solidFill>
+            <a:ln w="9525">
+              <a:solidFill>
+                <a:schemeClr val="tx1"/>
+              </a:solidFill>
+              <a:round/>
+              <a:headEnd/>
+              <a:tailEnd/>
+            </a:ln>
+            <a:effectLst/>
+            <a:extLst>
+              <a:ext uri="{AF507438-7753-43E0-B8FC-AC1667EBCBE1}">
+                <a14:hiddenEffects xmlns:a14="http://schemas.microsoft.com/office/drawing/2010/main">
+                  <a:effectLst>
+                    <a:outerShdw dist="35921" dir="2700000" algn="ctr" rotWithShape="0">
+                      <a:schemeClr val="bg2"/>
+                    </a:outerShdw>
+                  </a:effectLst>
+                </a14:hiddenEffects>
+              </a:ext>
+            </a:extLst>
+          </p:spPr>
+          <p:txBody>
+            <a:bodyPr wrap="none" anchor="ctr"/>
+            <a:lstStyle/>
+            <a:p>
+              <a:pPr>
+                <a:buNone/>
+              </a:pPr>
+              <a:endParaRPr lang="ru-RU"/>
+            </a:p>
+          </p:txBody>
+        </p:sp>
+        <p:sp>
+          <p:nvSpPr>
+            <p:cNvPr id="120" name="Line 112"/>
+            <p:cNvSpPr>
+              <a:spLocks noChangeShapeType="1"/>
+            </p:cNvSpPr>
+            <p:nvPr/>
+          </p:nvSpPr>
+          <p:spPr bwMode="auto">
+            <a:xfrm flipV="1">
+              <a:off x="2688" y="1576"/>
+              <a:ext cx="240" cy="256"/>
+            </a:xfrm>
+            <a:prstGeom prst="line">
+              <a:avLst/>
+            </a:prstGeom>
+            <a:noFill/>
+            <a:ln w="9525">
+              <a:solidFill>
+                <a:schemeClr val="tx1"/>
+              </a:solidFill>
+              <a:round/>
+              <a:headEnd/>
+              <a:tailEnd type="triangle" w="med" len="med"/>
+            </a:ln>
+            <a:effectLst/>
+            <a:extLst>
+              <a:ext uri="{909E8E84-426E-40DD-AFC4-6F175D3DCCD1}">
+                <a14:hiddenFill xmlns:a14="http://schemas.microsoft.com/office/drawing/2010/main">
+                  <a:noFill/>
+                </a14:hiddenFill>
+              </a:ext>
+              <a:ext uri="{AF507438-7753-43E0-B8FC-AC1667EBCBE1}">
+                <a14:hiddenEffects xmlns:a14="http://schemas.microsoft.com/office/drawing/2010/main">
+                  <a:effectLst>
+                    <a:outerShdw dist="35921" dir="2700000" algn="ctr" rotWithShape="0">
+                      <a:schemeClr val="bg2"/>
+                    </a:outerShdw>
+                  </a:effectLst>
+                </a14:hiddenEffects>
+              </a:ext>
+            </a:extLst>
+          </p:spPr>
+          <p:txBody>
+            <a:bodyPr/>
+            <a:lstStyle/>
+            <a:p>
+              <a:pPr>
+                <a:buNone/>
+              </a:pPr>
+              <a:endParaRPr lang="ru-RU"/>
+            </a:p>
+          </p:txBody>
+        </p:sp>
+        <p:sp>
+          <p:nvSpPr>
+            <p:cNvPr id="121" name="Line 113"/>
+            <p:cNvSpPr>
+              <a:spLocks noChangeShapeType="1"/>
+            </p:cNvSpPr>
+            <p:nvPr/>
+          </p:nvSpPr>
+          <p:spPr bwMode="auto">
+            <a:xfrm>
+              <a:off x="2664" y="1592"/>
+              <a:ext cx="224" cy="408"/>
+            </a:xfrm>
+            <a:prstGeom prst="line">
+              <a:avLst/>
+            </a:prstGeom>
+            <a:noFill/>
+            <a:ln w="9525">
+              <a:solidFill>
+                <a:schemeClr val="tx1"/>
+              </a:solidFill>
+              <a:round/>
+              <a:headEnd/>
+              <a:tailEnd type="triangle" w="med" len="med"/>
+            </a:ln>
+            <a:effectLst/>
+            <a:extLst>
+              <a:ext uri="{909E8E84-426E-40DD-AFC4-6F175D3DCCD1}">
+                <a14:hiddenFill xmlns:a14="http://schemas.microsoft.com/office/drawing/2010/main">
+                  <a:noFill/>
+                </a14:hiddenFill>
+              </a:ext>
+              <a:ext uri="{AF507438-7753-43E0-B8FC-AC1667EBCBE1}">
+                <a14:hiddenEffects xmlns:a14="http://schemas.microsoft.com/office/drawing/2010/main">
+                  <a:effectLst>
+                    <a:outerShdw dist="35921" dir="2700000" algn="ctr" rotWithShape="0">
+                      <a:schemeClr val="bg2"/>
+                    </a:outerShdw>
+                  </a:effectLst>
+                </a14:hiddenEffects>
+              </a:ext>
+            </a:extLst>
+          </p:spPr>
+          <p:txBody>
+            <a:bodyPr/>
+            <a:lstStyle/>
+            <a:p>
+              <a:pPr>
+                <a:buNone/>
+              </a:pPr>
+              <a:endParaRPr lang="ru-RU"/>
+            </a:p>
+          </p:txBody>
+        </p:sp>
+        <p:sp>
+          <p:nvSpPr>
+            <p:cNvPr id="122" name="Line 114"/>
+            <p:cNvSpPr>
+              <a:spLocks noChangeShapeType="1"/>
+            </p:cNvSpPr>
+            <p:nvPr/>
+          </p:nvSpPr>
+          <p:spPr bwMode="auto">
+            <a:xfrm>
+              <a:off x="2448" y="1768"/>
+              <a:ext cx="88" cy="0"/>
+            </a:xfrm>
+            <a:prstGeom prst="line">
+              <a:avLst/>
+            </a:prstGeom>
+            <a:noFill/>
+            <a:ln w="9525">
+              <a:solidFill>
+                <a:schemeClr val="tx1"/>
+              </a:solidFill>
+              <a:round/>
+              <a:headEnd/>
+              <a:tailEnd/>
+            </a:ln>
+            <a:effectLst/>
+            <a:extLst>
+              <a:ext uri="{909E8E84-426E-40DD-AFC4-6F175D3DCCD1}">
+                <a14:hiddenFill xmlns:a14="http://schemas.microsoft.com/office/drawing/2010/main">
+                  <a:noFill/>
+                </a14:hiddenFill>
+              </a:ext>
+              <a:ext uri="{AF507438-7753-43E0-B8FC-AC1667EBCBE1}">
+                <a14:hiddenEffects xmlns:a14="http://schemas.microsoft.com/office/drawing/2010/main">
+                  <a:effectLst>
+                    <a:outerShdw dist="35921" dir="2700000" algn="ctr" rotWithShape="0">
+                      <a:schemeClr val="bg2"/>
+                    </a:outerShdw>
+                  </a:effectLst>
+                </a14:hiddenEffects>
+              </a:ext>
+            </a:extLst>
+          </p:spPr>
+          <p:txBody>
+            <a:bodyPr/>
+            <a:lstStyle/>
+            <a:p>
+              <a:pPr>
+                <a:buNone/>
+              </a:pPr>
+              <a:endParaRPr lang="ru-RU"/>
+            </a:p>
+          </p:txBody>
+        </p:sp>
+        <p:sp>
+          <p:nvSpPr>
+            <p:cNvPr id="124" name="Line 115"/>
+            <p:cNvSpPr>
+              <a:spLocks noChangeShapeType="1"/>
+            </p:cNvSpPr>
+            <p:nvPr/>
+          </p:nvSpPr>
+          <p:spPr bwMode="auto">
+            <a:xfrm>
+              <a:off x="2968" y="1768"/>
+              <a:ext cx="56" cy="0"/>
+            </a:xfrm>
+            <a:prstGeom prst="line">
+              <a:avLst/>
+            </a:prstGeom>
+            <a:noFill/>
+            <a:ln w="9525">
+              <a:solidFill>
+                <a:schemeClr val="tx1"/>
+              </a:solidFill>
+              <a:round/>
+              <a:headEnd/>
+              <a:tailEnd/>
+            </a:ln>
+            <a:effectLst/>
+            <a:extLst>
+              <a:ext uri="{909E8E84-426E-40DD-AFC4-6F175D3DCCD1}">
+                <a14:hiddenFill xmlns:a14="http://schemas.microsoft.com/office/drawing/2010/main">
+                  <a:noFill/>
+                </a14:hiddenFill>
+              </a:ext>
+              <a:ext uri="{AF507438-7753-43E0-B8FC-AC1667EBCBE1}">
+                <a14:hiddenEffects xmlns:a14="http://schemas.microsoft.com/office/drawing/2010/main">
+                  <a:effectLst>
+                    <a:outerShdw dist="35921" dir="2700000" algn="ctr" rotWithShape="0">
+                      <a:schemeClr val="bg2"/>
+                    </a:outerShdw>
+                  </a:effectLst>
+                </a14:hiddenEffects>
+              </a:ext>
+            </a:extLst>
+          </p:spPr>
+          <p:txBody>
+            <a:bodyPr/>
+            <a:lstStyle/>
+            <a:p>
+              <a:pPr>
+                <a:buNone/>
+              </a:pPr>
+              <a:endParaRPr lang="ru-RU"/>
+            </a:p>
+          </p:txBody>
+        </p:sp>
+        <p:sp>
+          <p:nvSpPr>
+            <p:cNvPr id="125" name="Line 116"/>
+            <p:cNvSpPr>
+              <a:spLocks noChangeShapeType="1"/>
+            </p:cNvSpPr>
+            <p:nvPr/>
+          </p:nvSpPr>
+          <p:spPr bwMode="auto">
+            <a:xfrm>
+              <a:off x="2760" y="1480"/>
+              <a:ext cx="0" cy="72"/>
+            </a:xfrm>
+            <a:prstGeom prst="line">
+              <a:avLst/>
+            </a:prstGeom>
+            <a:noFill/>
+            <a:ln w="9525">
+              <a:solidFill>
+                <a:schemeClr val="tx1"/>
+              </a:solidFill>
+              <a:round/>
+              <a:headEnd/>
+              <a:tailEnd/>
+            </a:ln>
+            <a:effectLst/>
+            <a:extLst>
+              <a:ext uri="{909E8E84-426E-40DD-AFC4-6F175D3DCCD1}">
+                <a14:hiddenFill xmlns:a14="http://schemas.microsoft.com/office/drawing/2010/main">
+                  <a:noFill/>
+                </a14:hiddenFill>
+              </a:ext>
+              <a:ext uri="{AF507438-7753-43E0-B8FC-AC1667EBCBE1}">
+                <a14:hiddenEffects xmlns:a14="http://schemas.microsoft.com/office/drawing/2010/main">
+                  <a:effectLst>
+                    <a:outerShdw dist="35921" dir="2700000" algn="ctr" rotWithShape="0">
+                      <a:schemeClr val="bg2"/>
+                    </a:outerShdw>
+                  </a:effectLst>
+                </a14:hiddenEffects>
+              </a:ext>
+            </a:extLst>
+          </p:spPr>
+          <p:txBody>
+            <a:bodyPr/>
+            <a:lstStyle/>
+            <a:p>
+              <a:pPr>
+                <a:buNone/>
+              </a:pPr>
+              <a:endParaRPr lang="ru-RU"/>
+            </a:p>
+          </p:txBody>
+        </p:sp>
+        <p:sp>
+          <p:nvSpPr>
+            <p:cNvPr id="126" name="Line 117"/>
+            <p:cNvSpPr>
+              <a:spLocks noChangeShapeType="1"/>
+            </p:cNvSpPr>
+            <p:nvPr/>
+          </p:nvSpPr>
+          <p:spPr bwMode="auto">
+            <a:xfrm flipV="1">
+              <a:off x="2736" y="2008"/>
+              <a:ext cx="0" cy="40"/>
+            </a:xfrm>
+            <a:prstGeom prst="line">
+              <a:avLst/>
+            </a:prstGeom>
+            <a:noFill/>
+            <a:ln w="9525">
+              <a:solidFill>
+                <a:schemeClr val="tx1"/>
+              </a:solidFill>
+              <a:round/>
+              <a:headEnd/>
+              <a:tailEnd/>
+            </a:ln>
+            <a:effectLst/>
+            <a:extLst>
+              <a:ext uri="{909E8E84-426E-40DD-AFC4-6F175D3DCCD1}">
+                <a14:hiddenFill xmlns:a14="http://schemas.microsoft.com/office/drawing/2010/main">
+                  <a:noFill/>
+                </a14:hiddenFill>
+              </a:ext>
+              <a:ext uri="{AF507438-7753-43E0-B8FC-AC1667EBCBE1}">
+                <a14:hiddenEffects xmlns:a14="http://schemas.microsoft.com/office/drawing/2010/main">
+                  <a:effectLst>
+                    <a:outerShdw dist="35921" dir="2700000" algn="ctr" rotWithShape="0">
+                      <a:schemeClr val="bg2"/>
+                    </a:outerShdw>
+                  </a:effectLst>
+                </a14:hiddenEffects>
+              </a:ext>
+            </a:extLst>
+          </p:spPr>
+          <p:txBody>
+            <a:bodyPr/>
+            <a:lstStyle/>
+            <a:p>
+              <a:pPr>
+                <a:buNone/>
+              </a:pPr>
+              <a:endParaRPr lang="ru-RU"/>
+            </a:p>
+          </p:txBody>
+        </p:sp>
+      </p:grpSp>
+      <p:sp>
+        <p:nvSpPr>
+          <p:cNvPr id="3" name="Прямоугольная выноска 2"/>
+          <p:cNvSpPr/>
+          <p:nvPr/>
+        </p:nvSpPr>
+        <p:spPr bwMode="auto">
+          <a:xfrm>
+            <a:off x="2511425" y="785366"/>
+            <a:ext cx="1689100" cy="1223268"/>
+          </a:xfrm>
+          <a:prstGeom prst="wedgeRectCallout">
+            <a:avLst>
+              <a:gd name="adj1" fmla="val -67075"/>
+              <a:gd name="adj2" fmla="val 109429"/>
+            </a:avLst>
+          </a:prstGeom>
+          <a:solidFill>
+            <a:srgbClr val="92D050"/>
+          </a:solidFill>
+          <a:ln>
+            <a:headEnd type="none" w="med" len="med"/>
+            <a:tailEnd type="none" w="med" len="med"/>
+          </a:ln>
+          <a:extLst/>
+        </p:spPr>
+        <p:style>
+          <a:lnRef idx="0">
+            <a:schemeClr val="accent2"/>
+          </a:lnRef>
+          <a:fillRef idx="3">
+            <a:schemeClr val="accent2"/>
+          </a:fillRef>
+          <a:effectRef idx="3">
+            <a:schemeClr val="accent2"/>
+          </a:effectRef>
+          <a:fontRef idx="minor">
+            <a:schemeClr val="lt1"/>
+          </a:fontRef>
+        </p:style>
+        <p:txBody>
+          <a:bodyPr vert="horz" wrap="square" lIns="91440" tIns="45720" rIns="91440" bIns="0" numCol="1" rtlCol="0" anchor="t" anchorCtr="0" compatLnSpc="1">
+            <a:prstTxWarp prst="textNoShape">
+              <a:avLst/>
+            </a:prstTxWarp>
+          </a:bodyPr>
+          <a:lstStyle/>
+          <a:p>
+            <a:pPr marR="0" algn="l" defTabSz="914400" rtl="0" eaLnBrk="1" fontAlgn="base" latinLnBrk="0" hangingPunct="1">
+              <a:lnSpc>
+                <a:spcPct val="100000"/>
+              </a:lnSpc>
+              <a:spcBef>
+                <a:spcPct val="20000"/>
+              </a:spcBef>
+              <a:spcAft>
+                <a:spcPct val="0"/>
+              </a:spcAft>
+              <a:buClr>
+                <a:srgbClr val="A50021"/>
+              </a:buClr>
+              <a:buSzPct val="75000"/>
+              <a:buNone/>
+              <a:tabLst/>
+            </a:pPr>
+            <a:r>
+              <a:rPr lang="en-US" sz="1400" dirty="0" smtClean="0">
+                <a:solidFill>
+                  <a:srgbClr val="100E0C"/>
+                </a:solidFill>
+              </a:rPr>
+              <a:t>Id = 12456</a:t>
+            </a:r>
+          </a:p>
+          <a:p>
+            <a:pPr marR="0" algn="l" defTabSz="914400" rtl="0" eaLnBrk="1" fontAlgn="base" latinLnBrk="0" hangingPunct="1">
+              <a:lnSpc>
+                <a:spcPct val="100000"/>
+              </a:lnSpc>
+              <a:spcBef>
+                <a:spcPct val="20000"/>
+              </a:spcBef>
+              <a:spcAft>
+                <a:spcPct val="0"/>
+              </a:spcAft>
+              <a:buClr>
+                <a:srgbClr val="A50021"/>
+              </a:buClr>
+              <a:buSzPct val="75000"/>
+              <a:buNone/>
+              <a:tabLst/>
+            </a:pPr>
+            <a:r>
+              <a:rPr kumimoji="1" lang="en-US" sz="1400" b="0" i="0" u="none" strike="noStrike" cap="none" normalizeH="0" baseline="0" dirty="0" smtClean="0">
+                <a:ln>
+                  <a:noFill/>
+                </a:ln>
+                <a:solidFill>
+                  <a:srgbClr val="100E0C"/>
+                </a:solidFill>
+                <a:effectLst/>
+                <a:latin typeface="Times New Roman" pitchFamily="18" charset="0"/>
+                <a:cs typeface="Times New Roman" pitchFamily="18" charset="0"/>
+              </a:rPr>
+              <a:t>Offset</a:t>
+            </a:r>
+            <a:r>
+              <a:rPr kumimoji="1" lang="en-US" sz="1400" b="0" i="0" u="none" strike="noStrike" cap="none" normalizeH="0" dirty="0" smtClean="0">
+                <a:ln>
+                  <a:noFill/>
+                </a:ln>
+                <a:solidFill>
+                  <a:srgbClr val="100E0C"/>
+                </a:solidFill>
+                <a:effectLst/>
+                <a:latin typeface="Times New Roman" pitchFamily="18" charset="0"/>
+                <a:cs typeface="Times New Roman" pitchFamily="18" charset="0"/>
+              </a:rPr>
+              <a:t> = 0</a:t>
+            </a:r>
+          </a:p>
+          <a:p>
+            <a:pPr marR="0" algn="l" defTabSz="914400" rtl="0" eaLnBrk="1" fontAlgn="base" latinLnBrk="0" hangingPunct="1">
+              <a:lnSpc>
+                <a:spcPct val="100000"/>
+              </a:lnSpc>
+              <a:spcBef>
+                <a:spcPct val="20000"/>
+              </a:spcBef>
+              <a:spcAft>
+                <a:spcPct val="0"/>
+              </a:spcAft>
+              <a:buClr>
+                <a:srgbClr val="A50021"/>
+              </a:buClr>
+              <a:buSzPct val="75000"/>
+              <a:buNone/>
+              <a:tabLst/>
+            </a:pPr>
+            <a:r>
+              <a:rPr lang="en-US" sz="1400" baseline="0" dirty="0" smtClean="0">
+                <a:solidFill>
+                  <a:srgbClr val="100E0C"/>
+                </a:solidFill>
+              </a:rPr>
+              <a:t>MF</a:t>
+            </a:r>
+            <a:r>
+              <a:rPr lang="en-US" sz="1400" dirty="0" smtClean="0">
+                <a:solidFill>
+                  <a:srgbClr val="100E0C"/>
+                </a:solidFill>
+              </a:rPr>
+              <a:t> = 0</a:t>
+            </a:r>
+          </a:p>
+          <a:p>
+            <a:pPr marR="0" algn="l" defTabSz="914400" rtl="0" eaLnBrk="1" fontAlgn="base" latinLnBrk="0" hangingPunct="1">
+              <a:lnSpc>
+                <a:spcPct val="100000"/>
+              </a:lnSpc>
+              <a:spcBef>
+                <a:spcPct val="20000"/>
+              </a:spcBef>
+              <a:spcAft>
+                <a:spcPct val="0"/>
+              </a:spcAft>
+              <a:buClr>
+                <a:srgbClr val="A50021"/>
+              </a:buClr>
+              <a:buSzPct val="75000"/>
+              <a:buNone/>
+              <a:tabLst/>
+            </a:pPr>
+            <a:r>
+              <a:rPr kumimoji="1" lang="en-US" sz="1400" b="0" i="0" u="none" strike="noStrike" cap="none" normalizeH="0" baseline="0" dirty="0" smtClean="0">
+                <a:ln>
+                  <a:noFill/>
+                </a:ln>
+                <a:solidFill>
+                  <a:srgbClr val="100E0C"/>
+                </a:solidFill>
+                <a:effectLst/>
+                <a:latin typeface="Times New Roman" pitchFamily="18" charset="0"/>
+                <a:cs typeface="Times New Roman" pitchFamily="18" charset="0"/>
+              </a:rPr>
+              <a:t>Length</a:t>
+            </a:r>
+            <a:r>
+              <a:rPr kumimoji="1" lang="en-US" sz="1400" b="0" i="0" u="none" strike="noStrike" cap="none" normalizeH="0" dirty="0" smtClean="0">
+                <a:ln>
+                  <a:noFill/>
+                </a:ln>
+                <a:solidFill>
+                  <a:srgbClr val="100E0C"/>
+                </a:solidFill>
+                <a:effectLst/>
+                <a:latin typeface="Times New Roman" pitchFamily="18" charset="0"/>
+                <a:cs typeface="Times New Roman" pitchFamily="18" charset="0"/>
+              </a:rPr>
+              <a:t> = 6600 + 20</a:t>
+            </a:r>
+          </a:p>
+        </p:txBody>
+      </p:sp>
+      <p:graphicFrame>
+        <p:nvGraphicFramePr>
+          <p:cNvPr id="4" name="Таблица 3"/>
+          <p:cNvGraphicFramePr>
+            <a:graphicFrameLocks noGrp="1"/>
+          </p:cNvGraphicFramePr>
+          <p:nvPr>
+            <p:extLst>
+              <p:ext uri="{D42A27DB-BD31-4B8C-83A1-F6EECF244321}">
+                <p14:modId xmlns:p14="http://schemas.microsoft.com/office/powerpoint/2010/main" val="4145917558"/>
+              </p:ext>
+            </p:extLst>
+          </p:nvPr>
+        </p:nvGraphicFramePr>
+        <p:xfrm>
+          <a:off x="3313114" y="2156460"/>
+          <a:ext cx="2571749" cy="1463040"/>
+        </p:xfrm>
+        <a:graphic>
+          <a:graphicData uri="http://schemas.openxmlformats.org/drawingml/2006/table">
+            <a:tbl>
+              <a:tblPr firstRow="1" bandRow="1">
+                <a:tableStyleId>{37CE84F3-28C3-443E-9E96-99CF82512B78}</a:tableStyleId>
+              </a:tblPr>
+              <a:tblGrid>
+                <a:gridCol w="532130"/>
+                <a:gridCol w="548005"/>
+                <a:gridCol w="413067"/>
+                <a:gridCol w="476567"/>
+                <a:gridCol w="601980"/>
+              </a:tblGrid>
+              <a:tr h="192134">
+                <a:tc>
+                  <a:txBody>
+                    <a:bodyPr/>
+                    <a:lstStyle/>
+                    <a:p>
+                      <a:pPr algn="ctr"/>
+                      <a:r>
+                        <a:rPr lang="en-US" sz="1000" dirty="0" smtClean="0"/>
+                        <a:t>Id</a:t>
+                      </a:r>
+                      <a:endParaRPr lang="ru-RU" sz="1000" dirty="0"/>
+                    </a:p>
+                  </a:txBody>
+                  <a:tcPr/>
+                </a:tc>
+                <a:tc>
+                  <a:txBody>
+                    <a:bodyPr/>
+                    <a:lstStyle/>
+                    <a:p>
+                      <a:pPr algn="ctr"/>
+                      <a:r>
+                        <a:rPr lang="en-US" sz="1000" dirty="0" smtClean="0"/>
+                        <a:t>Offset</a:t>
+                      </a:r>
+                      <a:endParaRPr lang="ru-RU" sz="1000" dirty="0"/>
+                    </a:p>
+                  </a:txBody>
+                  <a:tcPr/>
+                </a:tc>
+                <a:tc>
+                  <a:txBody>
+                    <a:bodyPr/>
+                    <a:lstStyle/>
+                    <a:p>
+                      <a:pPr algn="ctr"/>
+                      <a:r>
+                        <a:rPr lang="en-US" sz="1000" dirty="0" smtClean="0"/>
+                        <a:t>MF</a:t>
+                      </a:r>
+                      <a:endParaRPr lang="ru-RU" sz="1000" dirty="0"/>
+                    </a:p>
+                  </a:txBody>
+                  <a:tcPr/>
+                </a:tc>
+                <a:tc>
+                  <a:txBody>
+                    <a:bodyPr/>
+                    <a:lstStyle/>
+                    <a:p>
+                      <a:pPr algn="ctr"/>
+                      <a:r>
+                        <a:rPr lang="en-US" sz="1000" dirty="0" smtClean="0"/>
+                        <a:t>Data</a:t>
+                      </a:r>
+                      <a:endParaRPr lang="ru-RU" sz="1000" dirty="0"/>
+                    </a:p>
+                  </a:txBody>
+                  <a:tcPr/>
+                </a:tc>
+                <a:tc>
+                  <a:txBody>
+                    <a:bodyPr/>
+                    <a:lstStyle/>
+                    <a:p>
+                      <a:pPr algn="ctr"/>
+                      <a:r>
+                        <a:rPr lang="en-US" sz="1000" dirty="0" smtClean="0"/>
+                        <a:t>Length</a:t>
+                      </a:r>
+                      <a:endParaRPr lang="ru-RU" sz="1000" dirty="0"/>
+                    </a:p>
+                  </a:txBody>
+                  <a:tcPr/>
+                </a:tc>
+              </a:tr>
+              <a:tr h="192134">
+                <a:tc>
+                  <a:txBody>
+                    <a:bodyPr/>
+                    <a:lstStyle/>
+                    <a:p>
+                      <a:pPr algn="ctr"/>
+                      <a:r>
+                        <a:rPr lang="en-US" sz="1000" dirty="0" smtClean="0"/>
+                        <a:t>12456</a:t>
+                      </a:r>
+                      <a:endParaRPr lang="ru-RU" sz="1000" dirty="0"/>
+                    </a:p>
+                  </a:txBody>
+                  <a:tcPr/>
+                </a:tc>
+                <a:tc>
+                  <a:txBody>
+                    <a:bodyPr/>
+                    <a:lstStyle/>
+                    <a:p>
+                      <a:pPr algn="ctr"/>
+                      <a:r>
+                        <a:rPr lang="en-US" sz="1000" dirty="0" smtClean="0"/>
+                        <a:t>0</a:t>
+                      </a:r>
+                      <a:endParaRPr lang="ru-RU" sz="1000" dirty="0"/>
+                    </a:p>
+                  </a:txBody>
+                  <a:tcPr/>
+                </a:tc>
+                <a:tc>
+                  <a:txBody>
+                    <a:bodyPr/>
+                    <a:lstStyle/>
+                    <a:p>
+                      <a:pPr algn="ctr"/>
+                      <a:r>
+                        <a:rPr lang="en-US" sz="1000" dirty="0" smtClean="0"/>
+                        <a:t>1</a:t>
+                      </a:r>
+                      <a:endParaRPr lang="ru-RU" sz="1000" dirty="0"/>
+                    </a:p>
+                  </a:txBody>
+                  <a:tcPr/>
+                </a:tc>
+                <a:tc>
+                  <a:txBody>
+                    <a:bodyPr/>
+                    <a:lstStyle/>
+                    <a:p>
+                      <a:pPr algn="ctr"/>
+                      <a:r>
+                        <a:rPr lang="en-US" sz="1000" dirty="0" smtClean="0"/>
+                        <a:t>1400</a:t>
+                      </a:r>
+                      <a:endParaRPr lang="ru-RU" sz="1000" dirty="0"/>
+                    </a:p>
+                  </a:txBody>
+                  <a:tcPr/>
+                </a:tc>
+                <a:tc>
+                  <a:txBody>
+                    <a:bodyPr/>
+                    <a:lstStyle/>
+                    <a:p>
+                      <a:pPr algn="ctr"/>
+                      <a:r>
+                        <a:rPr lang="en-US" sz="1000" dirty="0" smtClean="0"/>
+                        <a:t>1420</a:t>
+                      </a:r>
+                      <a:endParaRPr lang="ru-RU" sz="1000" dirty="0"/>
+                    </a:p>
+                  </a:txBody>
+                  <a:tcPr/>
+                </a:tc>
+              </a:tr>
+              <a:tr h="192134">
+                <a:tc>
+                  <a:txBody>
+                    <a:bodyPr/>
+                    <a:lstStyle/>
+                    <a:p>
+                      <a:pPr algn="ctr"/>
+                      <a:r>
+                        <a:rPr lang="en-US" sz="1000" dirty="0" smtClean="0"/>
+                        <a:t>12456</a:t>
+                      </a:r>
+                      <a:endParaRPr lang="ru-RU" sz="1000" dirty="0"/>
+                    </a:p>
+                  </a:txBody>
+                  <a:tcPr/>
+                </a:tc>
+                <a:tc>
+                  <a:txBody>
+                    <a:bodyPr/>
+                    <a:lstStyle/>
+                    <a:p>
+                      <a:pPr algn="ctr"/>
+                      <a:r>
+                        <a:rPr lang="en-US" sz="1000" dirty="0" smtClean="0"/>
+                        <a:t>1400</a:t>
+                      </a:r>
+                      <a:endParaRPr lang="ru-RU" sz="1000" dirty="0"/>
+                    </a:p>
+                  </a:txBody>
+                  <a:tcPr/>
+                </a:tc>
+                <a:tc>
+                  <a:txBody>
+                    <a:bodyPr/>
+                    <a:lstStyle/>
+                    <a:p>
+                      <a:pPr algn="ctr"/>
+                      <a:r>
+                        <a:rPr lang="en-US" sz="1000" dirty="0" smtClean="0"/>
+                        <a:t>1</a:t>
+                      </a:r>
+                      <a:endParaRPr lang="ru-RU" sz="1000" dirty="0"/>
+                    </a:p>
+                  </a:txBody>
+                  <a:tcPr/>
+                </a:tc>
+                <a:tc>
+                  <a:txBody>
+                    <a:bodyPr/>
+                    <a:lstStyle/>
+                    <a:p>
+                      <a:pPr algn="ctr"/>
+                      <a:r>
+                        <a:rPr lang="en-US" sz="1000" dirty="0" smtClean="0"/>
+                        <a:t>1400</a:t>
+                      </a:r>
+                      <a:endParaRPr lang="ru-RU" sz="1000" dirty="0"/>
+                    </a:p>
+                  </a:txBody>
+                  <a:tcPr/>
+                </a:tc>
+                <a:tc>
+                  <a:txBody>
+                    <a:bodyPr/>
+                    <a:lstStyle/>
+                    <a:p>
+                      <a:pPr algn="ctr"/>
+                      <a:r>
+                        <a:rPr lang="en-US" sz="1000" dirty="0" smtClean="0"/>
+                        <a:t>1420</a:t>
+                      </a:r>
+                      <a:endParaRPr lang="ru-RU" sz="1000" dirty="0"/>
+                    </a:p>
+                  </a:txBody>
+                  <a:tcPr/>
+                </a:tc>
+              </a:tr>
+              <a:tr h="192134">
+                <a:tc>
+                  <a:txBody>
+                    <a:bodyPr/>
+                    <a:lstStyle/>
+                    <a:p>
+                      <a:pPr algn="ctr"/>
+                      <a:r>
+                        <a:rPr lang="en-US" sz="1000" dirty="0" smtClean="0"/>
+                        <a:t>12456</a:t>
+                      </a:r>
+                      <a:endParaRPr lang="ru-RU" sz="1000" dirty="0"/>
+                    </a:p>
+                  </a:txBody>
+                  <a:tcPr/>
+                </a:tc>
+                <a:tc>
+                  <a:txBody>
+                    <a:bodyPr/>
+                    <a:lstStyle/>
+                    <a:p>
+                      <a:pPr algn="ctr"/>
+                      <a:r>
+                        <a:rPr lang="en-US" sz="1000" dirty="0" smtClean="0"/>
+                        <a:t>2800</a:t>
+                      </a:r>
+                      <a:endParaRPr lang="ru-RU" sz="1000" dirty="0"/>
+                    </a:p>
+                  </a:txBody>
+                  <a:tcPr/>
+                </a:tc>
+                <a:tc>
+                  <a:txBody>
+                    <a:bodyPr/>
+                    <a:lstStyle/>
+                    <a:p>
+                      <a:pPr algn="ctr"/>
+                      <a:r>
+                        <a:rPr lang="en-US" sz="1000" dirty="0" smtClean="0"/>
+                        <a:t>1</a:t>
+                      </a:r>
+                      <a:endParaRPr lang="ru-RU" sz="1000" dirty="0"/>
+                    </a:p>
+                  </a:txBody>
+                  <a:tcPr/>
+                </a:tc>
+                <a:tc>
+                  <a:txBody>
+                    <a:bodyPr/>
+                    <a:lstStyle/>
+                    <a:p>
+                      <a:pPr algn="ctr"/>
+                      <a:r>
+                        <a:rPr lang="en-US" sz="1000" dirty="0" smtClean="0"/>
+                        <a:t>1400</a:t>
+                      </a:r>
+                      <a:endParaRPr lang="ru-RU" sz="1000" dirty="0"/>
+                    </a:p>
+                  </a:txBody>
+                  <a:tcPr/>
+                </a:tc>
+                <a:tc>
+                  <a:txBody>
+                    <a:bodyPr/>
+                    <a:lstStyle/>
+                    <a:p>
+                      <a:pPr algn="ctr"/>
+                      <a:r>
+                        <a:rPr lang="en-US" sz="1000" dirty="0" smtClean="0"/>
+                        <a:t>1420</a:t>
+                      </a:r>
+                      <a:endParaRPr lang="ru-RU" sz="1000" dirty="0"/>
+                    </a:p>
+                  </a:txBody>
+                  <a:tcPr/>
+                </a:tc>
+              </a:tr>
+              <a:tr h="192134">
+                <a:tc>
+                  <a:txBody>
+                    <a:bodyPr/>
+                    <a:lstStyle/>
+                    <a:p>
+                      <a:pPr algn="ctr"/>
+                      <a:r>
+                        <a:rPr lang="en-US" sz="1000" dirty="0" smtClean="0"/>
+                        <a:t>12456</a:t>
+                      </a:r>
+                      <a:endParaRPr lang="ru-RU" sz="1000" dirty="0"/>
+                    </a:p>
+                  </a:txBody>
+                  <a:tcPr/>
+                </a:tc>
+                <a:tc>
+                  <a:txBody>
+                    <a:bodyPr/>
+                    <a:lstStyle/>
+                    <a:p>
+                      <a:pPr algn="ctr"/>
+                      <a:r>
+                        <a:rPr lang="en-US" sz="1000" dirty="0" smtClean="0"/>
+                        <a:t>4200</a:t>
+                      </a:r>
+                      <a:endParaRPr lang="ru-RU" sz="1000" dirty="0"/>
+                    </a:p>
+                  </a:txBody>
+                  <a:tcPr/>
+                </a:tc>
+                <a:tc>
+                  <a:txBody>
+                    <a:bodyPr/>
+                    <a:lstStyle/>
+                    <a:p>
+                      <a:pPr algn="ctr"/>
+                      <a:r>
+                        <a:rPr lang="en-US" sz="1000" dirty="0" smtClean="0"/>
+                        <a:t>1</a:t>
+                      </a:r>
+                      <a:endParaRPr lang="ru-RU" sz="1000" dirty="0"/>
+                    </a:p>
+                  </a:txBody>
+                  <a:tcPr/>
+                </a:tc>
+                <a:tc>
+                  <a:txBody>
+                    <a:bodyPr/>
+                    <a:lstStyle/>
+                    <a:p>
+                      <a:pPr algn="ctr"/>
+                      <a:r>
+                        <a:rPr lang="en-US" sz="1000" dirty="0" smtClean="0"/>
+                        <a:t>1400</a:t>
+                      </a:r>
+                      <a:endParaRPr lang="ru-RU" sz="1000" dirty="0"/>
+                    </a:p>
+                  </a:txBody>
+                  <a:tcPr/>
+                </a:tc>
+                <a:tc>
+                  <a:txBody>
+                    <a:bodyPr/>
+                    <a:lstStyle/>
+                    <a:p>
+                      <a:pPr algn="ctr"/>
+                      <a:r>
+                        <a:rPr lang="en-US" sz="1000" dirty="0" smtClean="0"/>
+                        <a:t>1420</a:t>
+                      </a:r>
+                      <a:endParaRPr lang="ru-RU" sz="1000" dirty="0"/>
+                    </a:p>
+                  </a:txBody>
+                  <a:tcPr/>
+                </a:tc>
+              </a:tr>
+              <a:tr h="192134">
+                <a:tc>
+                  <a:txBody>
+                    <a:bodyPr/>
+                    <a:lstStyle/>
+                    <a:p>
+                      <a:pPr algn="ctr"/>
+                      <a:r>
+                        <a:rPr lang="en-US" sz="1000" dirty="0" smtClean="0"/>
+                        <a:t>12456</a:t>
+                      </a:r>
+                      <a:endParaRPr lang="ru-RU" sz="1000" dirty="0"/>
+                    </a:p>
+                  </a:txBody>
+                  <a:tcPr/>
+                </a:tc>
+                <a:tc>
+                  <a:txBody>
+                    <a:bodyPr/>
+                    <a:lstStyle/>
+                    <a:p>
+                      <a:pPr algn="ctr"/>
+                      <a:r>
+                        <a:rPr lang="en-US" sz="1000" dirty="0" smtClean="0"/>
+                        <a:t>5600</a:t>
+                      </a:r>
+                      <a:endParaRPr lang="ru-RU" sz="1000" dirty="0"/>
+                    </a:p>
+                  </a:txBody>
+                  <a:tcPr/>
+                </a:tc>
+                <a:tc>
+                  <a:txBody>
+                    <a:bodyPr/>
+                    <a:lstStyle/>
+                    <a:p>
+                      <a:pPr algn="ctr"/>
+                      <a:r>
+                        <a:rPr lang="en-US" sz="1000" dirty="0" smtClean="0"/>
+                        <a:t>0</a:t>
+                      </a:r>
+                      <a:endParaRPr lang="ru-RU" sz="1000" dirty="0"/>
+                    </a:p>
+                  </a:txBody>
+                  <a:tcPr/>
+                </a:tc>
+                <a:tc>
+                  <a:txBody>
+                    <a:bodyPr/>
+                    <a:lstStyle/>
+                    <a:p>
+                      <a:pPr algn="ctr"/>
+                      <a:r>
+                        <a:rPr lang="en-US" sz="1000" dirty="0" smtClean="0"/>
+                        <a:t>1000</a:t>
+                      </a:r>
+                      <a:endParaRPr lang="en-US" sz="1000" dirty="0" smtClean="0"/>
+                    </a:p>
+                  </a:txBody>
+                  <a:tcPr/>
+                </a:tc>
+                <a:tc>
+                  <a:txBody>
+                    <a:bodyPr/>
+                    <a:lstStyle/>
+                    <a:p>
+                      <a:pPr algn="ctr"/>
+                      <a:r>
+                        <a:rPr lang="en-US" sz="1000" dirty="0" smtClean="0"/>
+                        <a:t>1020</a:t>
+                      </a:r>
+                      <a:endParaRPr lang="ru-RU" sz="1000" dirty="0"/>
+                    </a:p>
+                  </a:txBody>
+                  <a:tcPr/>
+                </a:tc>
+              </a:tr>
+            </a:tbl>
+          </a:graphicData>
+        </a:graphic>
+      </p:graphicFrame>
+    </p:spTree>
+    <p:extLst>
+      <p:ext uri="{BB962C8B-B14F-4D97-AF65-F5344CB8AC3E}">
+        <p14:creationId xmlns:p14="http://schemas.microsoft.com/office/powerpoint/2010/main" val="2888070121"/>
       </p:ext>
     </p:extLst>
   </p:cSld>
@@ -24975,22 +33902,14 @@
           <a:p>
             <a:r>
               <a:rPr lang="ru-RU" sz="1600" dirty="0" smtClean="0"/>
-              <a:t>Использование </a:t>
-            </a:r>
+              <a:t>Использование таблиц</a:t>
+            </a:r>
+          </a:p>
+          <a:p>
+            <a:pPr lvl="1"/>
             <a:r>
               <a:rPr lang="ru-RU" sz="1600" dirty="0" smtClean="0"/>
-              <a:t>таблиц</a:t>
-            </a:r>
-          </a:p>
-          <a:p>
-            <a:pPr lvl="1"/>
-            <a:r>
-              <a:rPr lang="ru-RU" sz="1600" dirty="0" smtClean="0"/>
-              <a:t>Отсутствие какой-либо </a:t>
-            </a:r>
-            <a:r>
-              <a:rPr lang="ru-RU" sz="1600" dirty="0" smtClean="0"/>
-              <a:t>схемы</a:t>
+              <a:t>Отсутствие какой-либо схемы</a:t>
             </a:r>
             <a:endParaRPr lang="en-US" sz="1600" dirty="0" smtClean="0"/>
           </a:p>
@@ -25018,16 +33937,11 @@
               <a:rPr lang="ru-RU" sz="1600" dirty="0" smtClean="0"/>
               <a:t>запросами</a:t>
             </a:r>
-            <a:endParaRPr lang="ru-RU" sz="1600" dirty="0" smtClean="0"/>
           </a:p>
           <a:p>
             <a:r>
               <a:rPr lang="en-US" sz="1600" dirty="0" smtClean="0"/>
-              <a:t>RFC </a:t>
-            </a:r>
-            <a:r>
-              <a:rPr lang="en-US" sz="1600" dirty="0" smtClean="0"/>
-              <a:t>826</a:t>
+              <a:t>RFC 826</a:t>
             </a:r>
             <a:endParaRPr lang="ru-RU" sz="1600" dirty="0"/>
           </a:p>
@@ -25638,11 +34552,7 @@
                       <a:pPr algn="ctr"/>
                       <a:r>
                         <a:rPr lang="en-US" dirty="0" err="1" smtClean="0"/>
-                        <a:t>ff:ff:</a:t>
-                      </a:r>
-                      <a:r>
-                        <a:rPr lang="en-US" dirty="0" err="1" smtClean="0"/>
-                        <a:t>ff:ff:ff:ff</a:t>
+                        <a:t>ff:ff:ff:ff:ff:ff</a:t>
                       </a:r>
                       <a:endParaRPr lang="ru-RU" dirty="0"/>
                     </a:p>
@@ -34562,7 +43472,6 @@
               <a:rPr kumimoji="0" lang="ru-RU" altLang="ru-RU" b="1" kern="0" dirty="0" smtClean="0"/>
               <a:t>Доставка в соседнюю сеть</a:t>
             </a:r>
-            <a:endParaRPr kumimoji="0" lang="ru-RU" altLang="ru-RU" b="1" kern="0" dirty="0" smtClean="0"/>
           </a:p>
         </p:txBody>
       </p:sp>
